--- a/Thesis/Figures/polished/implantion_TiPtmarks.pptx
+++ b/Thesis/Figures/polished/implantion_TiPtmarks.pptx
@@ -104,6 +104,11 @@
       </a:defRPr>
     </a:lvl9pPr>
   </p:defaultTextStyle>
+  <p:extLst>
+    <p:ext uri="{EFAFB233-063F-42B5-8137-9DF3F51BA10A}">
+      <p15:sldGuideLst xmlns:p15="http://schemas.microsoft.com/office/powerpoint/2012/main"/>
+    </p:ext>
+  </p:extLst>
 </p:presentation>
 </file>
 
@@ -238,7 +243,7 @@
           <a:p>
             <a:fld id="{0799C2E9-53F4-4CE9-8143-C6075BA02000}" type="datetimeFigureOut">
               <a:rPr lang="en-AU" smtClean="0"/>
-              <a:t>19/09/2018</a:t>
+              <a:t>25/09/2018</a:t>
             </a:fld>
             <a:endParaRPr lang="en-AU"/>
           </a:p>
@@ -408,7 +413,7 @@
           <a:p>
             <a:fld id="{0799C2E9-53F4-4CE9-8143-C6075BA02000}" type="datetimeFigureOut">
               <a:rPr lang="en-AU" smtClean="0"/>
-              <a:t>19/09/2018</a:t>
+              <a:t>25/09/2018</a:t>
             </a:fld>
             <a:endParaRPr lang="en-AU"/>
           </a:p>
@@ -588,7 +593,7 @@
           <a:p>
             <a:fld id="{0799C2E9-53F4-4CE9-8143-C6075BA02000}" type="datetimeFigureOut">
               <a:rPr lang="en-AU" smtClean="0"/>
-              <a:t>19/09/2018</a:t>
+              <a:t>25/09/2018</a:t>
             </a:fld>
             <a:endParaRPr lang="en-AU"/>
           </a:p>
@@ -758,7 +763,7 @@
           <a:p>
             <a:fld id="{0799C2E9-53F4-4CE9-8143-C6075BA02000}" type="datetimeFigureOut">
               <a:rPr lang="en-AU" smtClean="0"/>
-              <a:t>19/09/2018</a:t>
+              <a:t>25/09/2018</a:t>
             </a:fld>
             <a:endParaRPr lang="en-AU"/>
           </a:p>
@@ -1004,7 +1009,7 @@
           <a:p>
             <a:fld id="{0799C2E9-53F4-4CE9-8143-C6075BA02000}" type="datetimeFigureOut">
               <a:rPr lang="en-AU" smtClean="0"/>
-              <a:t>19/09/2018</a:t>
+              <a:t>25/09/2018</a:t>
             </a:fld>
             <a:endParaRPr lang="en-AU"/>
           </a:p>
@@ -1236,7 +1241,7 @@
           <a:p>
             <a:fld id="{0799C2E9-53F4-4CE9-8143-C6075BA02000}" type="datetimeFigureOut">
               <a:rPr lang="en-AU" smtClean="0"/>
-              <a:t>19/09/2018</a:t>
+              <a:t>25/09/2018</a:t>
             </a:fld>
             <a:endParaRPr lang="en-AU"/>
           </a:p>
@@ -1603,7 +1608,7 @@
           <a:p>
             <a:fld id="{0799C2E9-53F4-4CE9-8143-C6075BA02000}" type="datetimeFigureOut">
               <a:rPr lang="en-AU" smtClean="0"/>
-              <a:t>19/09/2018</a:t>
+              <a:t>25/09/2018</a:t>
             </a:fld>
             <a:endParaRPr lang="en-AU"/>
           </a:p>
@@ -1721,7 +1726,7 @@
           <a:p>
             <a:fld id="{0799C2E9-53F4-4CE9-8143-C6075BA02000}" type="datetimeFigureOut">
               <a:rPr lang="en-AU" smtClean="0"/>
-              <a:t>19/09/2018</a:t>
+              <a:t>25/09/2018</a:t>
             </a:fld>
             <a:endParaRPr lang="en-AU"/>
           </a:p>
@@ -1816,7 +1821,7 @@
           <a:p>
             <a:fld id="{0799C2E9-53F4-4CE9-8143-C6075BA02000}" type="datetimeFigureOut">
               <a:rPr lang="en-AU" smtClean="0"/>
-              <a:t>19/09/2018</a:t>
+              <a:t>25/09/2018</a:t>
             </a:fld>
             <a:endParaRPr lang="en-AU"/>
           </a:p>
@@ -2093,7 +2098,7 @@
           <a:p>
             <a:fld id="{0799C2E9-53F4-4CE9-8143-C6075BA02000}" type="datetimeFigureOut">
               <a:rPr lang="en-AU" smtClean="0"/>
-              <a:t>19/09/2018</a:t>
+              <a:t>25/09/2018</a:t>
             </a:fld>
             <a:endParaRPr lang="en-AU"/>
           </a:p>
@@ -2350,7 +2355,7 @@
           <a:p>
             <a:fld id="{0799C2E9-53F4-4CE9-8143-C6075BA02000}" type="datetimeFigureOut">
               <a:rPr lang="en-AU" smtClean="0"/>
-              <a:t>19/09/2018</a:t>
+              <a:t>25/09/2018</a:t>
             </a:fld>
             <a:endParaRPr lang="en-AU"/>
           </a:p>
@@ -2563,7 +2568,7 @@
           <a:p>
             <a:fld id="{0799C2E9-53F4-4CE9-8143-C6075BA02000}" type="datetimeFigureOut">
               <a:rPr lang="en-AU" smtClean="0"/>
-              <a:t>19/09/2018</a:t>
+              <a:t>25/09/2018</a:t>
             </a:fld>
             <a:endParaRPr lang="en-AU"/>
           </a:p>
@@ -2968,6 +2973,6399 @@
           <a:chExt cx="0" cy="0"/>
         </a:xfrm>
       </p:grpSpPr>
+      <p:grpSp>
+        <p:nvGrpSpPr>
+          <p:cNvPr id="3" name="Group 4"/>
+          <p:cNvGrpSpPr>
+            <a:grpSpLocks noChangeAspect="1"/>
+          </p:cNvGrpSpPr>
+          <p:nvPr/>
+        </p:nvGrpSpPr>
+        <p:grpSpPr bwMode="auto">
+          <a:xfrm>
+            <a:off x="3676010" y="44192"/>
+            <a:ext cx="5602822" cy="4275396"/>
+            <a:chOff x="2523" y="130"/>
+            <a:chExt cx="3001" cy="2290"/>
+          </a:xfrm>
+        </p:grpSpPr>
+        <p:sp>
+          <p:nvSpPr>
+            <p:cNvPr id="4" name="AutoShape 3"/>
+            <p:cNvSpPr>
+              <a:spLocks noChangeAspect="1" noChangeArrowheads="1" noTextEdit="1"/>
+            </p:cNvSpPr>
+            <p:nvPr/>
+          </p:nvSpPr>
+          <p:spPr bwMode="auto">
+            <a:xfrm>
+              <a:off x="2523" y="130"/>
+              <a:ext cx="3001" cy="2247"/>
+            </a:xfrm>
+            <a:prstGeom prst="rect">
+              <a:avLst/>
+            </a:prstGeom>
+            <a:noFill/>
+            <a:ln>
+              <a:noFill/>
+            </a:ln>
+            <a:extLst>
+              <a:ext uri="{909E8E84-426E-40DD-AFC4-6F175D3DCCD1}">
+                <a14:hiddenFill xmlns:a14="http://schemas.microsoft.com/office/drawing/2010/main">
+                  <a:solidFill>
+                    <a:srgbClr val="FFFFFF"/>
+                  </a:solidFill>
+                </a14:hiddenFill>
+              </a:ext>
+              <a:ext uri="{91240B29-F687-4F45-9708-019B960494DF}">
+                <a14:hiddenLine xmlns:a14="http://schemas.microsoft.com/office/drawing/2010/main" w="9525">
+                  <a:solidFill>
+                    <a:srgbClr val="000000"/>
+                  </a:solidFill>
+                  <a:miter lim="800000"/>
+                  <a:headEnd/>
+                  <a:tailEnd/>
+                </a14:hiddenLine>
+              </a:ext>
+            </a:extLst>
+          </p:spPr>
+          <p:txBody>
+            <a:bodyPr vert="horz" wrap="square" lIns="91440" tIns="45720" rIns="91440" bIns="45720" numCol="1" anchor="t" anchorCtr="0" compatLnSpc="1">
+              <a:prstTxWarp prst="textNoShape">
+                <a:avLst/>
+              </a:prstTxWarp>
+            </a:bodyPr>
+            <a:lstStyle/>
+            <a:p>
+              <a:endParaRPr lang="en-AU"/>
+            </a:p>
+          </p:txBody>
+        </p:sp>
+        <p:sp>
+          <p:nvSpPr>
+            <p:cNvPr id="5" name="Line 5"/>
+            <p:cNvSpPr>
+              <a:spLocks noChangeShapeType="1"/>
+            </p:cNvSpPr>
+            <p:nvPr/>
+          </p:nvSpPr>
+          <p:spPr bwMode="auto">
+            <a:xfrm>
+              <a:off x="2915" y="1991"/>
+              <a:ext cx="2330" cy="0"/>
+            </a:xfrm>
+            <a:prstGeom prst="line">
+              <a:avLst/>
+            </a:prstGeom>
+            <a:noFill/>
+            <a:ln w="34925" cap="flat">
+              <a:solidFill>
+                <a:srgbClr val="262626"/>
+              </a:solidFill>
+              <a:prstDash val="solid"/>
+              <a:round/>
+              <a:headEnd/>
+              <a:tailEnd/>
+            </a:ln>
+            <a:extLst>
+              <a:ext uri="{909E8E84-426E-40DD-AFC4-6F175D3DCCD1}">
+                <a14:hiddenFill xmlns:a14="http://schemas.microsoft.com/office/drawing/2010/main">
+                  <a:noFill/>
+                </a14:hiddenFill>
+              </a:ext>
+            </a:extLst>
+          </p:spPr>
+          <p:txBody>
+            <a:bodyPr vert="horz" wrap="square" lIns="91440" tIns="45720" rIns="91440" bIns="45720" numCol="1" anchor="t" anchorCtr="0" compatLnSpc="1">
+              <a:prstTxWarp prst="textNoShape">
+                <a:avLst/>
+              </a:prstTxWarp>
+            </a:bodyPr>
+            <a:lstStyle/>
+            <a:p>
+              <a:endParaRPr lang="en-AU"/>
+            </a:p>
+          </p:txBody>
+        </p:sp>
+        <p:sp>
+          <p:nvSpPr>
+            <p:cNvPr id="9" name="Line 6"/>
+            <p:cNvSpPr>
+              <a:spLocks noChangeShapeType="1"/>
+            </p:cNvSpPr>
+            <p:nvPr/>
+          </p:nvSpPr>
+          <p:spPr bwMode="auto">
+            <a:xfrm>
+              <a:off x="2915" y="296"/>
+              <a:ext cx="2330" cy="0"/>
+            </a:xfrm>
+            <a:prstGeom prst="line">
+              <a:avLst/>
+            </a:prstGeom>
+            <a:noFill/>
+            <a:ln w="34925" cap="flat">
+              <a:solidFill>
+                <a:srgbClr val="262626"/>
+              </a:solidFill>
+              <a:prstDash val="solid"/>
+              <a:round/>
+              <a:headEnd/>
+              <a:tailEnd/>
+            </a:ln>
+            <a:extLst>
+              <a:ext uri="{909E8E84-426E-40DD-AFC4-6F175D3DCCD1}">
+                <a14:hiddenFill xmlns:a14="http://schemas.microsoft.com/office/drawing/2010/main">
+                  <a:noFill/>
+                </a14:hiddenFill>
+              </a:ext>
+            </a:extLst>
+          </p:spPr>
+          <p:txBody>
+            <a:bodyPr vert="horz" wrap="square" lIns="91440" tIns="45720" rIns="91440" bIns="45720" numCol="1" anchor="t" anchorCtr="0" compatLnSpc="1">
+              <a:prstTxWarp prst="textNoShape">
+                <a:avLst/>
+              </a:prstTxWarp>
+            </a:bodyPr>
+            <a:lstStyle/>
+            <a:p>
+              <a:endParaRPr lang="en-AU"/>
+            </a:p>
+          </p:txBody>
+        </p:sp>
+        <p:sp>
+          <p:nvSpPr>
+            <p:cNvPr id="10" name="Line 7"/>
+            <p:cNvSpPr>
+              <a:spLocks noChangeShapeType="1"/>
+            </p:cNvSpPr>
+            <p:nvPr/>
+          </p:nvSpPr>
+          <p:spPr bwMode="auto">
+            <a:xfrm flipV="1">
+              <a:off x="2915" y="1968"/>
+              <a:ext cx="0" cy="23"/>
+            </a:xfrm>
+            <a:prstGeom prst="line">
+              <a:avLst/>
+            </a:prstGeom>
+            <a:noFill/>
+            <a:ln w="34925" cap="flat">
+              <a:solidFill>
+                <a:srgbClr val="262626"/>
+              </a:solidFill>
+              <a:prstDash val="solid"/>
+              <a:round/>
+              <a:headEnd/>
+              <a:tailEnd/>
+            </a:ln>
+            <a:extLst>
+              <a:ext uri="{909E8E84-426E-40DD-AFC4-6F175D3DCCD1}">
+                <a14:hiddenFill xmlns:a14="http://schemas.microsoft.com/office/drawing/2010/main">
+                  <a:noFill/>
+                </a14:hiddenFill>
+              </a:ext>
+            </a:extLst>
+          </p:spPr>
+          <p:txBody>
+            <a:bodyPr vert="horz" wrap="square" lIns="91440" tIns="45720" rIns="91440" bIns="45720" numCol="1" anchor="t" anchorCtr="0" compatLnSpc="1">
+              <a:prstTxWarp prst="textNoShape">
+                <a:avLst/>
+              </a:prstTxWarp>
+            </a:bodyPr>
+            <a:lstStyle/>
+            <a:p>
+              <a:endParaRPr lang="en-AU"/>
+            </a:p>
+          </p:txBody>
+        </p:sp>
+        <p:sp>
+          <p:nvSpPr>
+            <p:cNvPr id="11" name="Line 8"/>
+            <p:cNvSpPr>
+              <a:spLocks noChangeShapeType="1"/>
+            </p:cNvSpPr>
+            <p:nvPr/>
+          </p:nvSpPr>
+          <p:spPr bwMode="auto">
+            <a:xfrm flipV="1">
+              <a:off x="3381" y="1968"/>
+              <a:ext cx="0" cy="23"/>
+            </a:xfrm>
+            <a:prstGeom prst="line">
+              <a:avLst/>
+            </a:prstGeom>
+            <a:noFill/>
+            <a:ln w="34925" cap="flat">
+              <a:solidFill>
+                <a:srgbClr val="262626"/>
+              </a:solidFill>
+              <a:prstDash val="solid"/>
+              <a:round/>
+              <a:headEnd/>
+              <a:tailEnd/>
+            </a:ln>
+            <a:extLst>
+              <a:ext uri="{909E8E84-426E-40DD-AFC4-6F175D3DCCD1}">
+                <a14:hiddenFill xmlns:a14="http://schemas.microsoft.com/office/drawing/2010/main">
+                  <a:noFill/>
+                </a14:hiddenFill>
+              </a:ext>
+            </a:extLst>
+          </p:spPr>
+          <p:txBody>
+            <a:bodyPr vert="horz" wrap="square" lIns="91440" tIns="45720" rIns="91440" bIns="45720" numCol="1" anchor="t" anchorCtr="0" compatLnSpc="1">
+              <a:prstTxWarp prst="textNoShape">
+                <a:avLst/>
+              </a:prstTxWarp>
+            </a:bodyPr>
+            <a:lstStyle/>
+            <a:p>
+              <a:endParaRPr lang="en-AU"/>
+            </a:p>
+          </p:txBody>
+        </p:sp>
+        <p:sp>
+          <p:nvSpPr>
+            <p:cNvPr id="15" name="Line 9"/>
+            <p:cNvSpPr>
+              <a:spLocks noChangeShapeType="1"/>
+            </p:cNvSpPr>
+            <p:nvPr/>
+          </p:nvSpPr>
+          <p:spPr bwMode="auto">
+            <a:xfrm flipV="1">
+              <a:off x="3847" y="1968"/>
+              <a:ext cx="0" cy="23"/>
+            </a:xfrm>
+            <a:prstGeom prst="line">
+              <a:avLst/>
+            </a:prstGeom>
+            <a:noFill/>
+            <a:ln w="34925" cap="flat">
+              <a:solidFill>
+                <a:srgbClr val="262626"/>
+              </a:solidFill>
+              <a:prstDash val="solid"/>
+              <a:round/>
+              <a:headEnd/>
+              <a:tailEnd/>
+            </a:ln>
+            <a:extLst>
+              <a:ext uri="{909E8E84-426E-40DD-AFC4-6F175D3DCCD1}">
+                <a14:hiddenFill xmlns:a14="http://schemas.microsoft.com/office/drawing/2010/main">
+                  <a:noFill/>
+                </a14:hiddenFill>
+              </a:ext>
+            </a:extLst>
+          </p:spPr>
+          <p:txBody>
+            <a:bodyPr vert="horz" wrap="square" lIns="91440" tIns="45720" rIns="91440" bIns="45720" numCol="1" anchor="t" anchorCtr="0" compatLnSpc="1">
+              <a:prstTxWarp prst="textNoShape">
+                <a:avLst/>
+              </a:prstTxWarp>
+            </a:bodyPr>
+            <a:lstStyle/>
+            <a:p>
+              <a:endParaRPr lang="en-AU"/>
+            </a:p>
+          </p:txBody>
+        </p:sp>
+        <p:sp>
+          <p:nvSpPr>
+            <p:cNvPr id="16" name="Line 10"/>
+            <p:cNvSpPr>
+              <a:spLocks noChangeShapeType="1"/>
+            </p:cNvSpPr>
+            <p:nvPr/>
+          </p:nvSpPr>
+          <p:spPr bwMode="auto">
+            <a:xfrm flipV="1">
+              <a:off x="4313" y="1968"/>
+              <a:ext cx="0" cy="23"/>
+            </a:xfrm>
+            <a:prstGeom prst="line">
+              <a:avLst/>
+            </a:prstGeom>
+            <a:noFill/>
+            <a:ln w="34925" cap="flat">
+              <a:solidFill>
+                <a:srgbClr val="262626"/>
+              </a:solidFill>
+              <a:prstDash val="solid"/>
+              <a:round/>
+              <a:headEnd/>
+              <a:tailEnd/>
+            </a:ln>
+            <a:extLst>
+              <a:ext uri="{909E8E84-426E-40DD-AFC4-6F175D3DCCD1}">
+                <a14:hiddenFill xmlns:a14="http://schemas.microsoft.com/office/drawing/2010/main">
+                  <a:noFill/>
+                </a14:hiddenFill>
+              </a:ext>
+            </a:extLst>
+          </p:spPr>
+          <p:txBody>
+            <a:bodyPr vert="horz" wrap="square" lIns="91440" tIns="45720" rIns="91440" bIns="45720" numCol="1" anchor="t" anchorCtr="0" compatLnSpc="1">
+              <a:prstTxWarp prst="textNoShape">
+                <a:avLst/>
+              </a:prstTxWarp>
+            </a:bodyPr>
+            <a:lstStyle/>
+            <a:p>
+              <a:endParaRPr lang="en-AU"/>
+            </a:p>
+          </p:txBody>
+        </p:sp>
+        <p:sp>
+          <p:nvSpPr>
+            <p:cNvPr id="17" name="Line 11"/>
+            <p:cNvSpPr>
+              <a:spLocks noChangeShapeType="1"/>
+            </p:cNvSpPr>
+            <p:nvPr/>
+          </p:nvSpPr>
+          <p:spPr bwMode="auto">
+            <a:xfrm flipV="1">
+              <a:off x="4779" y="1968"/>
+              <a:ext cx="0" cy="23"/>
+            </a:xfrm>
+            <a:prstGeom prst="line">
+              <a:avLst/>
+            </a:prstGeom>
+            <a:noFill/>
+            <a:ln w="34925" cap="flat">
+              <a:solidFill>
+                <a:srgbClr val="262626"/>
+              </a:solidFill>
+              <a:prstDash val="solid"/>
+              <a:round/>
+              <a:headEnd/>
+              <a:tailEnd/>
+            </a:ln>
+            <a:extLst>
+              <a:ext uri="{909E8E84-426E-40DD-AFC4-6F175D3DCCD1}">
+                <a14:hiddenFill xmlns:a14="http://schemas.microsoft.com/office/drawing/2010/main">
+                  <a:noFill/>
+                </a14:hiddenFill>
+              </a:ext>
+            </a:extLst>
+          </p:spPr>
+          <p:txBody>
+            <a:bodyPr vert="horz" wrap="square" lIns="91440" tIns="45720" rIns="91440" bIns="45720" numCol="1" anchor="t" anchorCtr="0" compatLnSpc="1">
+              <a:prstTxWarp prst="textNoShape">
+                <a:avLst/>
+              </a:prstTxWarp>
+            </a:bodyPr>
+            <a:lstStyle/>
+            <a:p>
+              <a:endParaRPr lang="en-AU"/>
+            </a:p>
+          </p:txBody>
+        </p:sp>
+        <p:sp>
+          <p:nvSpPr>
+            <p:cNvPr id="18" name="Line 12"/>
+            <p:cNvSpPr>
+              <a:spLocks noChangeShapeType="1"/>
+            </p:cNvSpPr>
+            <p:nvPr/>
+          </p:nvSpPr>
+          <p:spPr bwMode="auto">
+            <a:xfrm flipV="1">
+              <a:off x="5245" y="1968"/>
+              <a:ext cx="0" cy="23"/>
+            </a:xfrm>
+            <a:prstGeom prst="line">
+              <a:avLst/>
+            </a:prstGeom>
+            <a:noFill/>
+            <a:ln w="34925" cap="flat">
+              <a:solidFill>
+                <a:srgbClr val="262626"/>
+              </a:solidFill>
+              <a:prstDash val="solid"/>
+              <a:round/>
+              <a:headEnd/>
+              <a:tailEnd/>
+            </a:ln>
+            <a:extLst>
+              <a:ext uri="{909E8E84-426E-40DD-AFC4-6F175D3DCCD1}">
+                <a14:hiddenFill xmlns:a14="http://schemas.microsoft.com/office/drawing/2010/main">
+                  <a:noFill/>
+                </a14:hiddenFill>
+              </a:ext>
+            </a:extLst>
+          </p:spPr>
+          <p:txBody>
+            <a:bodyPr vert="horz" wrap="square" lIns="91440" tIns="45720" rIns="91440" bIns="45720" numCol="1" anchor="t" anchorCtr="0" compatLnSpc="1">
+              <a:prstTxWarp prst="textNoShape">
+                <a:avLst/>
+              </a:prstTxWarp>
+            </a:bodyPr>
+            <a:lstStyle/>
+            <a:p>
+              <a:endParaRPr lang="en-AU"/>
+            </a:p>
+          </p:txBody>
+        </p:sp>
+        <p:sp>
+          <p:nvSpPr>
+            <p:cNvPr id="19" name="Line 13"/>
+            <p:cNvSpPr>
+              <a:spLocks noChangeShapeType="1"/>
+            </p:cNvSpPr>
+            <p:nvPr/>
+          </p:nvSpPr>
+          <p:spPr bwMode="auto">
+            <a:xfrm>
+              <a:off x="2915" y="296"/>
+              <a:ext cx="0" cy="24"/>
+            </a:xfrm>
+            <a:prstGeom prst="line">
+              <a:avLst/>
+            </a:prstGeom>
+            <a:noFill/>
+            <a:ln w="34925" cap="flat">
+              <a:solidFill>
+                <a:srgbClr val="262626"/>
+              </a:solidFill>
+              <a:prstDash val="solid"/>
+              <a:round/>
+              <a:headEnd/>
+              <a:tailEnd/>
+            </a:ln>
+            <a:extLst>
+              <a:ext uri="{909E8E84-426E-40DD-AFC4-6F175D3DCCD1}">
+                <a14:hiddenFill xmlns:a14="http://schemas.microsoft.com/office/drawing/2010/main">
+                  <a:noFill/>
+                </a14:hiddenFill>
+              </a:ext>
+            </a:extLst>
+          </p:spPr>
+          <p:txBody>
+            <a:bodyPr vert="horz" wrap="square" lIns="91440" tIns="45720" rIns="91440" bIns="45720" numCol="1" anchor="t" anchorCtr="0" compatLnSpc="1">
+              <a:prstTxWarp prst="textNoShape">
+                <a:avLst/>
+              </a:prstTxWarp>
+            </a:bodyPr>
+            <a:lstStyle/>
+            <a:p>
+              <a:endParaRPr lang="en-AU"/>
+            </a:p>
+          </p:txBody>
+        </p:sp>
+        <p:sp>
+          <p:nvSpPr>
+            <p:cNvPr id="20" name="Line 14"/>
+            <p:cNvSpPr>
+              <a:spLocks noChangeShapeType="1"/>
+            </p:cNvSpPr>
+            <p:nvPr/>
+          </p:nvSpPr>
+          <p:spPr bwMode="auto">
+            <a:xfrm>
+              <a:off x="3381" y="296"/>
+              <a:ext cx="0" cy="24"/>
+            </a:xfrm>
+            <a:prstGeom prst="line">
+              <a:avLst/>
+            </a:prstGeom>
+            <a:noFill/>
+            <a:ln w="34925" cap="flat">
+              <a:solidFill>
+                <a:srgbClr val="262626"/>
+              </a:solidFill>
+              <a:prstDash val="solid"/>
+              <a:round/>
+              <a:headEnd/>
+              <a:tailEnd/>
+            </a:ln>
+            <a:extLst>
+              <a:ext uri="{909E8E84-426E-40DD-AFC4-6F175D3DCCD1}">
+                <a14:hiddenFill xmlns:a14="http://schemas.microsoft.com/office/drawing/2010/main">
+                  <a:noFill/>
+                </a14:hiddenFill>
+              </a:ext>
+            </a:extLst>
+          </p:spPr>
+          <p:txBody>
+            <a:bodyPr vert="horz" wrap="square" lIns="91440" tIns="45720" rIns="91440" bIns="45720" numCol="1" anchor="t" anchorCtr="0" compatLnSpc="1">
+              <a:prstTxWarp prst="textNoShape">
+                <a:avLst/>
+              </a:prstTxWarp>
+            </a:bodyPr>
+            <a:lstStyle/>
+            <a:p>
+              <a:endParaRPr lang="en-AU"/>
+            </a:p>
+          </p:txBody>
+        </p:sp>
+        <p:sp>
+          <p:nvSpPr>
+            <p:cNvPr id="21" name="Line 15"/>
+            <p:cNvSpPr>
+              <a:spLocks noChangeShapeType="1"/>
+            </p:cNvSpPr>
+            <p:nvPr/>
+          </p:nvSpPr>
+          <p:spPr bwMode="auto">
+            <a:xfrm>
+              <a:off x="3847" y="296"/>
+              <a:ext cx="0" cy="24"/>
+            </a:xfrm>
+            <a:prstGeom prst="line">
+              <a:avLst/>
+            </a:prstGeom>
+            <a:noFill/>
+            <a:ln w="34925" cap="flat">
+              <a:solidFill>
+                <a:srgbClr val="262626"/>
+              </a:solidFill>
+              <a:prstDash val="solid"/>
+              <a:round/>
+              <a:headEnd/>
+              <a:tailEnd/>
+            </a:ln>
+            <a:extLst>
+              <a:ext uri="{909E8E84-426E-40DD-AFC4-6F175D3DCCD1}">
+                <a14:hiddenFill xmlns:a14="http://schemas.microsoft.com/office/drawing/2010/main">
+                  <a:noFill/>
+                </a14:hiddenFill>
+              </a:ext>
+            </a:extLst>
+          </p:spPr>
+          <p:txBody>
+            <a:bodyPr vert="horz" wrap="square" lIns="91440" tIns="45720" rIns="91440" bIns="45720" numCol="1" anchor="t" anchorCtr="0" compatLnSpc="1">
+              <a:prstTxWarp prst="textNoShape">
+                <a:avLst/>
+              </a:prstTxWarp>
+            </a:bodyPr>
+            <a:lstStyle/>
+            <a:p>
+              <a:endParaRPr lang="en-AU"/>
+            </a:p>
+          </p:txBody>
+        </p:sp>
+        <p:sp>
+          <p:nvSpPr>
+            <p:cNvPr id="22" name="Line 16"/>
+            <p:cNvSpPr>
+              <a:spLocks noChangeShapeType="1"/>
+            </p:cNvSpPr>
+            <p:nvPr/>
+          </p:nvSpPr>
+          <p:spPr bwMode="auto">
+            <a:xfrm>
+              <a:off x="4313" y="296"/>
+              <a:ext cx="0" cy="24"/>
+            </a:xfrm>
+            <a:prstGeom prst="line">
+              <a:avLst/>
+            </a:prstGeom>
+            <a:noFill/>
+            <a:ln w="34925" cap="flat">
+              <a:solidFill>
+                <a:srgbClr val="262626"/>
+              </a:solidFill>
+              <a:prstDash val="solid"/>
+              <a:round/>
+              <a:headEnd/>
+              <a:tailEnd/>
+            </a:ln>
+            <a:extLst>
+              <a:ext uri="{909E8E84-426E-40DD-AFC4-6F175D3DCCD1}">
+                <a14:hiddenFill xmlns:a14="http://schemas.microsoft.com/office/drawing/2010/main">
+                  <a:noFill/>
+                </a14:hiddenFill>
+              </a:ext>
+            </a:extLst>
+          </p:spPr>
+          <p:txBody>
+            <a:bodyPr vert="horz" wrap="square" lIns="91440" tIns="45720" rIns="91440" bIns="45720" numCol="1" anchor="t" anchorCtr="0" compatLnSpc="1">
+              <a:prstTxWarp prst="textNoShape">
+                <a:avLst/>
+              </a:prstTxWarp>
+            </a:bodyPr>
+            <a:lstStyle/>
+            <a:p>
+              <a:endParaRPr lang="en-AU"/>
+            </a:p>
+          </p:txBody>
+        </p:sp>
+        <p:sp>
+          <p:nvSpPr>
+            <p:cNvPr id="23" name="Line 17"/>
+            <p:cNvSpPr>
+              <a:spLocks noChangeShapeType="1"/>
+            </p:cNvSpPr>
+            <p:nvPr/>
+          </p:nvSpPr>
+          <p:spPr bwMode="auto">
+            <a:xfrm>
+              <a:off x="4779" y="296"/>
+              <a:ext cx="0" cy="24"/>
+            </a:xfrm>
+            <a:prstGeom prst="line">
+              <a:avLst/>
+            </a:prstGeom>
+            <a:noFill/>
+            <a:ln w="34925" cap="flat">
+              <a:solidFill>
+                <a:srgbClr val="262626"/>
+              </a:solidFill>
+              <a:prstDash val="solid"/>
+              <a:round/>
+              <a:headEnd/>
+              <a:tailEnd/>
+            </a:ln>
+            <a:extLst>
+              <a:ext uri="{909E8E84-426E-40DD-AFC4-6F175D3DCCD1}">
+                <a14:hiddenFill xmlns:a14="http://schemas.microsoft.com/office/drawing/2010/main">
+                  <a:noFill/>
+                </a14:hiddenFill>
+              </a:ext>
+            </a:extLst>
+          </p:spPr>
+          <p:txBody>
+            <a:bodyPr vert="horz" wrap="square" lIns="91440" tIns="45720" rIns="91440" bIns="45720" numCol="1" anchor="t" anchorCtr="0" compatLnSpc="1">
+              <a:prstTxWarp prst="textNoShape">
+                <a:avLst/>
+              </a:prstTxWarp>
+            </a:bodyPr>
+            <a:lstStyle/>
+            <a:p>
+              <a:endParaRPr lang="en-AU"/>
+            </a:p>
+          </p:txBody>
+        </p:sp>
+        <p:sp>
+          <p:nvSpPr>
+            <p:cNvPr id="24" name="Line 18"/>
+            <p:cNvSpPr>
+              <a:spLocks noChangeShapeType="1"/>
+            </p:cNvSpPr>
+            <p:nvPr/>
+          </p:nvSpPr>
+          <p:spPr bwMode="auto">
+            <a:xfrm>
+              <a:off x="5245" y="296"/>
+              <a:ext cx="0" cy="24"/>
+            </a:xfrm>
+            <a:prstGeom prst="line">
+              <a:avLst/>
+            </a:prstGeom>
+            <a:noFill/>
+            <a:ln w="34925" cap="flat">
+              <a:solidFill>
+                <a:srgbClr val="262626"/>
+              </a:solidFill>
+              <a:prstDash val="solid"/>
+              <a:round/>
+              <a:headEnd/>
+              <a:tailEnd/>
+            </a:ln>
+            <a:extLst>
+              <a:ext uri="{909E8E84-426E-40DD-AFC4-6F175D3DCCD1}">
+                <a14:hiddenFill xmlns:a14="http://schemas.microsoft.com/office/drawing/2010/main">
+                  <a:noFill/>
+                </a14:hiddenFill>
+              </a:ext>
+            </a:extLst>
+          </p:spPr>
+          <p:txBody>
+            <a:bodyPr vert="horz" wrap="square" lIns="91440" tIns="45720" rIns="91440" bIns="45720" numCol="1" anchor="t" anchorCtr="0" compatLnSpc="1">
+              <a:prstTxWarp prst="textNoShape">
+                <a:avLst/>
+              </a:prstTxWarp>
+            </a:bodyPr>
+            <a:lstStyle/>
+            <a:p>
+              <a:endParaRPr lang="en-AU"/>
+            </a:p>
+          </p:txBody>
+        </p:sp>
+        <p:sp>
+          <p:nvSpPr>
+            <p:cNvPr id="25" name="Rectangle 19"/>
+            <p:cNvSpPr>
+              <a:spLocks noChangeArrowheads="1"/>
+            </p:cNvSpPr>
+            <p:nvPr/>
+          </p:nvSpPr>
+          <p:spPr bwMode="auto">
+            <a:xfrm>
+              <a:off x="2877" y="2044"/>
+              <a:ext cx="134" cy="182"/>
+            </a:xfrm>
+            <a:prstGeom prst="rect">
+              <a:avLst/>
+            </a:prstGeom>
+            <a:noFill/>
+            <a:ln>
+              <a:noFill/>
+            </a:ln>
+            <a:extLst>
+              <a:ext uri="{909E8E84-426E-40DD-AFC4-6F175D3DCCD1}">
+                <a14:hiddenFill xmlns:a14="http://schemas.microsoft.com/office/drawing/2010/main">
+                  <a:solidFill>
+                    <a:srgbClr val="FFFFFF"/>
+                  </a:solidFill>
+                </a14:hiddenFill>
+              </a:ext>
+              <a:ext uri="{91240B29-F687-4F45-9708-019B960494DF}">
+                <a14:hiddenLine xmlns:a14="http://schemas.microsoft.com/office/drawing/2010/main" w="9525">
+                  <a:solidFill>
+                    <a:srgbClr val="000000"/>
+                  </a:solidFill>
+                  <a:miter lim="800000"/>
+                  <a:headEnd/>
+                  <a:tailEnd/>
+                </a14:hiddenLine>
+              </a:ext>
+            </a:extLst>
+          </p:spPr>
+          <p:txBody>
+            <a:bodyPr vert="horz" wrap="none" lIns="0" tIns="0" rIns="0" bIns="0" numCol="1" anchor="t" anchorCtr="0" compatLnSpc="1">
+              <a:prstTxWarp prst="textNoShape">
+                <a:avLst/>
+              </a:prstTxWarp>
+              <a:spAutoFit/>
+            </a:bodyPr>
+            <a:lstStyle>
+              <a:lvl1pPr eaLnBrk="0" fontAlgn="base" hangingPunct="0">
+                <a:spcBef>
+                  <a:spcPct val="0"/>
+                </a:spcBef>
+                <a:spcAft>
+                  <a:spcPct val="0"/>
+                </a:spcAft>
+                <a:defRPr>
+                  <a:solidFill>
+                    <a:schemeClr val="tx1"/>
+                  </a:solidFill>
+                  <a:latin typeface="Arial" panose="020B0604020202020204" pitchFamily="34" charset="0"/>
+                </a:defRPr>
+              </a:lvl1pPr>
+              <a:lvl2pPr marL="457200" eaLnBrk="0" fontAlgn="base" hangingPunct="0">
+                <a:spcBef>
+                  <a:spcPct val="0"/>
+                </a:spcBef>
+                <a:spcAft>
+                  <a:spcPct val="0"/>
+                </a:spcAft>
+                <a:defRPr>
+                  <a:solidFill>
+                    <a:schemeClr val="tx1"/>
+                  </a:solidFill>
+                  <a:latin typeface="Arial" panose="020B0604020202020204" pitchFamily="34" charset="0"/>
+                </a:defRPr>
+              </a:lvl2pPr>
+              <a:lvl3pPr marL="914400" eaLnBrk="0" fontAlgn="base" hangingPunct="0">
+                <a:spcBef>
+                  <a:spcPct val="0"/>
+                </a:spcBef>
+                <a:spcAft>
+                  <a:spcPct val="0"/>
+                </a:spcAft>
+                <a:defRPr>
+                  <a:solidFill>
+                    <a:schemeClr val="tx1"/>
+                  </a:solidFill>
+                  <a:latin typeface="Arial" panose="020B0604020202020204" pitchFamily="34" charset="0"/>
+                </a:defRPr>
+              </a:lvl3pPr>
+              <a:lvl4pPr marL="1371600" eaLnBrk="0" fontAlgn="base" hangingPunct="0">
+                <a:spcBef>
+                  <a:spcPct val="0"/>
+                </a:spcBef>
+                <a:spcAft>
+                  <a:spcPct val="0"/>
+                </a:spcAft>
+                <a:defRPr>
+                  <a:solidFill>
+                    <a:schemeClr val="tx1"/>
+                  </a:solidFill>
+                  <a:latin typeface="Arial" panose="020B0604020202020204" pitchFamily="34" charset="0"/>
+                </a:defRPr>
+              </a:lvl4pPr>
+              <a:lvl5pPr marL="1828800" eaLnBrk="0" fontAlgn="base" hangingPunct="0">
+                <a:spcBef>
+                  <a:spcPct val="0"/>
+                </a:spcBef>
+                <a:spcAft>
+                  <a:spcPct val="0"/>
+                </a:spcAft>
+                <a:defRPr>
+                  <a:solidFill>
+                    <a:schemeClr val="tx1"/>
+                  </a:solidFill>
+                  <a:latin typeface="Arial" panose="020B0604020202020204" pitchFamily="34" charset="0"/>
+                </a:defRPr>
+              </a:lvl5pPr>
+              <a:lvl6pPr marL="2286000" eaLnBrk="0" fontAlgn="base" hangingPunct="0">
+                <a:spcBef>
+                  <a:spcPct val="0"/>
+                </a:spcBef>
+                <a:spcAft>
+                  <a:spcPct val="0"/>
+                </a:spcAft>
+                <a:defRPr>
+                  <a:solidFill>
+                    <a:schemeClr val="tx1"/>
+                  </a:solidFill>
+                  <a:latin typeface="Arial" panose="020B0604020202020204" pitchFamily="34" charset="0"/>
+                </a:defRPr>
+              </a:lvl6pPr>
+              <a:lvl7pPr marL="2743200" eaLnBrk="0" fontAlgn="base" hangingPunct="0">
+                <a:spcBef>
+                  <a:spcPct val="0"/>
+                </a:spcBef>
+                <a:spcAft>
+                  <a:spcPct val="0"/>
+                </a:spcAft>
+                <a:defRPr>
+                  <a:solidFill>
+                    <a:schemeClr val="tx1"/>
+                  </a:solidFill>
+                  <a:latin typeface="Arial" panose="020B0604020202020204" pitchFamily="34" charset="0"/>
+                </a:defRPr>
+              </a:lvl7pPr>
+              <a:lvl8pPr marL="3200400" eaLnBrk="0" fontAlgn="base" hangingPunct="0">
+                <a:spcBef>
+                  <a:spcPct val="0"/>
+                </a:spcBef>
+                <a:spcAft>
+                  <a:spcPct val="0"/>
+                </a:spcAft>
+                <a:defRPr>
+                  <a:solidFill>
+                    <a:schemeClr val="tx1"/>
+                  </a:solidFill>
+                  <a:latin typeface="Arial" panose="020B0604020202020204" pitchFamily="34" charset="0"/>
+                </a:defRPr>
+              </a:lvl8pPr>
+              <a:lvl9pPr marL="3657600" eaLnBrk="0" fontAlgn="base" hangingPunct="0">
+                <a:spcBef>
+                  <a:spcPct val="0"/>
+                </a:spcBef>
+                <a:spcAft>
+                  <a:spcPct val="0"/>
+                </a:spcAft>
+                <a:defRPr>
+                  <a:solidFill>
+                    <a:schemeClr val="tx1"/>
+                  </a:solidFill>
+                  <a:latin typeface="Arial" panose="020B0604020202020204" pitchFamily="34" charset="0"/>
+                </a:defRPr>
+              </a:lvl9pPr>
+            </a:lstStyle>
+            <a:p>
+              <a:pPr marL="0" marR="0" lvl="0" indent="0" algn="l" defTabSz="914400" rtl="0" eaLnBrk="0" fontAlgn="base" latinLnBrk="0" hangingPunct="0">
+                <a:lnSpc>
+                  <a:spcPct val="100000"/>
+                </a:lnSpc>
+                <a:spcBef>
+                  <a:spcPct val="0"/>
+                </a:spcBef>
+                <a:spcAft>
+                  <a:spcPct val="0"/>
+                </a:spcAft>
+                <a:buClrTx/>
+                <a:buSzTx/>
+                <a:buFontTx/>
+                <a:buNone/>
+                <a:tabLst/>
+              </a:pPr>
+              <a:r>
+                <a:rPr kumimoji="0" lang="en-US" altLang="en-US" sz="1600" b="0" i="0" u="none" strike="noStrike" cap="none" normalizeH="0" baseline="0" smtClean="0">
+                  <a:ln>
+                    <a:noFill/>
+                  </a:ln>
+                  <a:solidFill>
+                    <a:srgbClr val="262626"/>
+                  </a:solidFill>
+                  <a:effectLst/>
+                  <a:latin typeface="Arial" panose="020B0604020202020204" pitchFamily="34" charset="0"/>
+                </a:rPr>
+                <a:t>0</a:t>
+              </a:r>
+              <a:endParaRPr kumimoji="0" lang="en-US" altLang="en-US" sz="1800" b="0" i="0" u="none" strike="noStrike" cap="none" normalizeH="0" baseline="0" smtClean="0">
+                <a:ln>
+                  <a:noFill/>
+                </a:ln>
+                <a:solidFill>
+                  <a:schemeClr val="tx1"/>
+                </a:solidFill>
+                <a:effectLst/>
+                <a:latin typeface="Arial" panose="020B0604020202020204" pitchFamily="34" charset="0"/>
+              </a:endParaRPr>
+            </a:p>
+          </p:txBody>
+        </p:sp>
+        <p:sp>
+          <p:nvSpPr>
+            <p:cNvPr id="26" name="Rectangle 20"/>
+            <p:cNvSpPr>
+              <a:spLocks noChangeArrowheads="1"/>
+            </p:cNvSpPr>
+            <p:nvPr/>
+          </p:nvSpPr>
+          <p:spPr bwMode="auto">
+            <a:xfrm>
+              <a:off x="3312" y="2044"/>
+              <a:ext cx="209" cy="182"/>
+            </a:xfrm>
+            <a:prstGeom prst="rect">
+              <a:avLst/>
+            </a:prstGeom>
+            <a:noFill/>
+            <a:ln>
+              <a:noFill/>
+            </a:ln>
+            <a:extLst>
+              <a:ext uri="{909E8E84-426E-40DD-AFC4-6F175D3DCCD1}">
+                <a14:hiddenFill xmlns:a14="http://schemas.microsoft.com/office/drawing/2010/main">
+                  <a:solidFill>
+                    <a:srgbClr val="FFFFFF"/>
+                  </a:solidFill>
+                </a14:hiddenFill>
+              </a:ext>
+              <a:ext uri="{91240B29-F687-4F45-9708-019B960494DF}">
+                <a14:hiddenLine xmlns:a14="http://schemas.microsoft.com/office/drawing/2010/main" w="9525">
+                  <a:solidFill>
+                    <a:srgbClr val="000000"/>
+                  </a:solidFill>
+                  <a:miter lim="800000"/>
+                  <a:headEnd/>
+                  <a:tailEnd/>
+                </a14:hiddenLine>
+              </a:ext>
+            </a:extLst>
+          </p:spPr>
+          <p:txBody>
+            <a:bodyPr vert="horz" wrap="none" lIns="0" tIns="0" rIns="0" bIns="0" numCol="1" anchor="t" anchorCtr="0" compatLnSpc="1">
+              <a:prstTxWarp prst="textNoShape">
+                <a:avLst/>
+              </a:prstTxWarp>
+              <a:spAutoFit/>
+            </a:bodyPr>
+            <a:lstStyle>
+              <a:lvl1pPr eaLnBrk="0" fontAlgn="base" hangingPunct="0">
+                <a:spcBef>
+                  <a:spcPct val="0"/>
+                </a:spcBef>
+                <a:spcAft>
+                  <a:spcPct val="0"/>
+                </a:spcAft>
+                <a:defRPr>
+                  <a:solidFill>
+                    <a:schemeClr val="tx1"/>
+                  </a:solidFill>
+                  <a:latin typeface="Arial" panose="020B0604020202020204" pitchFamily="34" charset="0"/>
+                </a:defRPr>
+              </a:lvl1pPr>
+              <a:lvl2pPr marL="457200" eaLnBrk="0" fontAlgn="base" hangingPunct="0">
+                <a:spcBef>
+                  <a:spcPct val="0"/>
+                </a:spcBef>
+                <a:spcAft>
+                  <a:spcPct val="0"/>
+                </a:spcAft>
+                <a:defRPr>
+                  <a:solidFill>
+                    <a:schemeClr val="tx1"/>
+                  </a:solidFill>
+                  <a:latin typeface="Arial" panose="020B0604020202020204" pitchFamily="34" charset="0"/>
+                </a:defRPr>
+              </a:lvl2pPr>
+              <a:lvl3pPr marL="914400" eaLnBrk="0" fontAlgn="base" hangingPunct="0">
+                <a:spcBef>
+                  <a:spcPct val="0"/>
+                </a:spcBef>
+                <a:spcAft>
+                  <a:spcPct val="0"/>
+                </a:spcAft>
+                <a:defRPr>
+                  <a:solidFill>
+                    <a:schemeClr val="tx1"/>
+                  </a:solidFill>
+                  <a:latin typeface="Arial" panose="020B0604020202020204" pitchFamily="34" charset="0"/>
+                </a:defRPr>
+              </a:lvl3pPr>
+              <a:lvl4pPr marL="1371600" eaLnBrk="0" fontAlgn="base" hangingPunct="0">
+                <a:spcBef>
+                  <a:spcPct val="0"/>
+                </a:spcBef>
+                <a:spcAft>
+                  <a:spcPct val="0"/>
+                </a:spcAft>
+                <a:defRPr>
+                  <a:solidFill>
+                    <a:schemeClr val="tx1"/>
+                  </a:solidFill>
+                  <a:latin typeface="Arial" panose="020B0604020202020204" pitchFamily="34" charset="0"/>
+                </a:defRPr>
+              </a:lvl4pPr>
+              <a:lvl5pPr marL="1828800" eaLnBrk="0" fontAlgn="base" hangingPunct="0">
+                <a:spcBef>
+                  <a:spcPct val="0"/>
+                </a:spcBef>
+                <a:spcAft>
+                  <a:spcPct val="0"/>
+                </a:spcAft>
+                <a:defRPr>
+                  <a:solidFill>
+                    <a:schemeClr val="tx1"/>
+                  </a:solidFill>
+                  <a:latin typeface="Arial" panose="020B0604020202020204" pitchFamily="34" charset="0"/>
+                </a:defRPr>
+              </a:lvl5pPr>
+              <a:lvl6pPr marL="2286000" eaLnBrk="0" fontAlgn="base" hangingPunct="0">
+                <a:spcBef>
+                  <a:spcPct val="0"/>
+                </a:spcBef>
+                <a:spcAft>
+                  <a:spcPct val="0"/>
+                </a:spcAft>
+                <a:defRPr>
+                  <a:solidFill>
+                    <a:schemeClr val="tx1"/>
+                  </a:solidFill>
+                  <a:latin typeface="Arial" panose="020B0604020202020204" pitchFamily="34" charset="0"/>
+                </a:defRPr>
+              </a:lvl6pPr>
+              <a:lvl7pPr marL="2743200" eaLnBrk="0" fontAlgn="base" hangingPunct="0">
+                <a:spcBef>
+                  <a:spcPct val="0"/>
+                </a:spcBef>
+                <a:spcAft>
+                  <a:spcPct val="0"/>
+                </a:spcAft>
+                <a:defRPr>
+                  <a:solidFill>
+                    <a:schemeClr val="tx1"/>
+                  </a:solidFill>
+                  <a:latin typeface="Arial" panose="020B0604020202020204" pitchFamily="34" charset="0"/>
+                </a:defRPr>
+              </a:lvl7pPr>
+              <a:lvl8pPr marL="3200400" eaLnBrk="0" fontAlgn="base" hangingPunct="0">
+                <a:spcBef>
+                  <a:spcPct val="0"/>
+                </a:spcBef>
+                <a:spcAft>
+                  <a:spcPct val="0"/>
+                </a:spcAft>
+                <a:defRPr>
+                  <a:solidFill>
+                    <a:schemeClr val="tx1"/>
+                  </a:solidFill>
+                  <a:latin typeface="Arial" panose="020B0604020202020204" pitchFamily="34" charset="0"/>
+                </a:defRPr>
+              </a:lvl8pPr>
+              <a:lvl9pPr marL="3657600" eaLnBrk="0" fontAlgn="base" hangingPunct="0">
+                <a:spcBef>
+                  <a:spcPct val="0"/>
+                </a:spcBef>
+                <a:spcAft>
+                  <a:spcPct val="0"/>
+                </a:spcAft>
+                <a:defRPr>
+                  <a:solidFill>
+                    <a:schemeClr val="tx1"/>
+                  </a:solidFill>
+                  <a:latin typeface="Arial" panose="020B0604020202020204" pitchFamily="34" charset="0"/>
+                </a:defRPr>
+              </a:lvl9pPr>
+            </a:lstStyle>
+            <a:p>
+              <a:pPr marL="0" marR="0" lvl="0" indent="0" algn="l" defTabSz="914400" rtl="0" eaLnBrk="0" fontAlgn="base" latinLnBrk="0" hangingPunct="0">
+                <a:lnSpc>
+                  <a:spcPct val="100000"/>
+                </a:lnSpc>
+                <a:spcBef>
+                  <a:spcPct val="0"/>
+                </a:spcBef>
+                <a:spcAft>
+                  <a:spcPct val="0"/>
+                </a:spcAft>
+                <a:buClrTx/>
+                <a:buSzTx/>
+                <a:buFontTx/>
+                <a:buNone/>
+                <a:tabLst/>
+              </a:pPr>
+              <a:r>
+                <a:rPr kumimoji="0" lang="en-US" altLang="en-US" sz="1600" b="0" i="0" u="none" strike="noStrike" cap="none" normalizeH="0" baseline="0" smtClean="0">
+                  <a:ln>
+                    <a:noFill/>
+                  </a:ln>
+                  <a:solidFill>
+                    <a:srgbClr val="262626"/>
+                  </a:solidFill>
+                  <a:effectLst/>
+                  <a:latin typeface="Arial" panose="020B0604020202020204" pitchFamily="34" charset="0"/>
+                </a:rPr>
+                <a:t>10</a:t>
+              </a:r>
+              <a:endParaRPr kumimoji="0" lang="en-US" altLang="en-US" sz="1800" b="0" i="0" u="none" strike="noStrike" cap="none" normalizeH="0" baseline="0" smtClean="0">
+                <a:ln>
+                  <a:noFill/>
+                </a:ln>
+                <a:solidFill>
+                  <a:schemeClr val="tx1"/>
+                </a:solidFill>
+                <a:effectLst/>
+                <a:latin typeface="Arial" panose="020B0604020202020204" pitchFamily="34" charset="0"/>
+              </a:endParaRPr>
+            </a:p>
+          </p:txBody>
+        </p:sp>
+        <p:sp>
+          <p:nvSpPr>
+            <p:cNvPr id="27" name="Rectangle 21"/>
+            <p:cNvSpPr>
+              <a:spLocks noChangeArrowheads="1"/>
+            </p:cNvSpPr>
+            <p:nvPr/>
+          </p:nvSpPr>
+          <p:spPr bwMode="auto">
+            <a:xfrm>
+              <a:off x="3779" y="2044"/>
+              <a:ext cx="209" cy="182"/>
+            </a:xfrm>
+            <a:prstGeom prst="rect">
+              <a:avLst/>
+            </a:prstGeom>
+            <a:noFill/>
+            <a:ln>
+              <a:noFill/>
+            </a:ln>
+            <a:extLst>
+              <a:ext uri="{909E8E84-426E-40DD-AFC4-6F175D3DCCD1}">
+                <a14:hiddenFill xmlns:a14="http://schemas.microsoft.com/office/drawing/2010/main">
+                  <a:solidFill>
+                    <a:srgbClr val="FFFFFF"/>
+                  </a:solidFill>
+                </a14:hiddenFill>
+              </a:ext>
+              <a:ext uri="{91240B29-F687-4F45-9708-019B960494DF}">
+                <a14:hiddenLine xmlns:a14="http://schemas.microsoft.com/office/drawing/2010/main" w="9525">
+                  <a:solidFill>
+                    <a:srgbClr val="000000"/>
+                  </a:solidFill>
+                  <a:miter lim="800000"/>
+                  <a:headEnd/>
+                  <a:tailEnd/>
+                </a14:hiddenLine>
+              </a:ext>
+            </a:extLst>
+          </p:spPr>
+          <p:txBody>
+            <a:bodyPr vert="horz" wrap="none" lIns="0" tIns="0" rIns="0" bIns="0" numCol="1" anchor="t" anchorCtr="0" compatLnSpc="1">
+              <a:prstTxWarp prst="textNoShape">
+                <a:avLst/>
+              </a:prstTxWarp>
+              <a:spAutoFit/>
+            </a:bodyPr>
+            <a:lstStyle>
+              <a:lvl1pPr eaLnBrk="0" fontAlgn="base" hangingPunct="0">
+                <a:spcBef>
+                  <a:spcPct val="0"/>
+                </a:spcBef>
+                <a:spcAft>
+                  <a:spcPct val="0"/>
+                </a:spcAft>
+                <a:defRPr>
+                  <a:solidFill>
+                    <a:schemeClr val="tx1"/>
+                  </a:solidFill>
+                  <a:latin typeface="Arial" panose="020B0604020202020204" pitchFamily="34" charset="0"/>
+                </a:defRPr>
+              </a:lvl1pPr>
+              <a:lvl2pPr marL="457200" eaLnBrk="0" fontAlgn="base" hangingPunct="0">
+                <a:spcBef>
+                  <a:spcPct val="0"/>
+                </a:spcBef>
+                <a:spcAft>
+                  <a:spcPct val="0"/>
+                </a:spcAft>
+                <a:defRPr>
+                  <a:solidFill>
+                    <a:schemeClr val="tx1"/>
+                  </a:solidFill>
+                  <a:latin typeface="Arial" panose="020B0604020202020204" pitchFamily="34" charset="0"/>
+                </a:defRPr>
+              </a:lvl2pPr>
+              <a:lvl3pPr marL="914400" eaLnBrk="0" fontAlgn="base" hangingPunct="0">
+                <a:spcBef>
+                  <a:spcPct val="0"/>
+                </a:spcBef>
+                <a:spcAft>
+                  <a:spcPct val="0"/>
+                </a:spcAft>
+                <a:defRPr>
+                  <a:solidFill>
+                    <a:schemeClr val="tx1"/>
+                  </a:solidFill>
+                  <a:latin typeface="Arial" panose="020B0604020202020204" pitchFamily="34" charset="0"/>
+                </a:defRPr>
+              </a:lvl3pPr>
+              <a:lvl4pPr marL="1371600" eaLnBrk="0" fontAlgn="base" hangingPunct="0">
+                <a:spcBef>
+                  <a:spcPct val="0"/>
+                </a:spcBef>
+                <a:spcAft>
+                  <a:spcPct val="0"/>
+                </a:spcAft>
+                <a:defRPr>
+                  <a:solidFill>
+                    <a:schemeClr val="tx1"/>
+                  </a:solidFill>
+                  <a:latin typeface="Arial" panose="020B0604020202020204" pitchFamily="34" charset="0"/>
+                </a:defRPr>
+              </a:lvl4pPr>
+              <a:lvl5pPr marL="1828800" eaLnBrk="0" fontAlgn="base" hangingPunct="0">
+                <a:spcBef>
+                  <a:spcPct val="0"/>
+                </a:spcBef>
+                <a:spcAft>
+                  <a:spcPct val="0"/>
+                </a:spcAft>
+                <a:defRPr>
+                  <a:solidFill>
+                    <a:schemeClr val="tx1"/>
+                  </a:solidFill>
+                  <a:latin typeface="Arial" panose="020B0604020202020204" pitchFamily="34" charset="0"/>
+                </a:defRPr>
+              </a:lvl5pPr>
+              <a:lvl6pPr marL="2286000" eaLnBrk="0" fontAlgn="base" hangingPunct="0">
+                <a:spcBef>
+                  <a:spcPct val="0"/>
+                </a:spcBef>
+                <a:spcAft>
+                  <a:spcPct val="0"/>
+                </a:spcAft>
+                <a:defRPr>
+                  <a:solidFill>
+                    <a:schemeClr val="tx1"/>
+                  </a:solidFill>
+                  <a:latin typeface="Arial" panose="020B0604020202020204" pitchFamily="34" charset="0"/>
+                </a:defRPr>
+              </a:lvl6pPr>
+              <a:lvl7pPr marL="2743200" eaLnBrk="0" fontAlgn="base" hangingPunct="0">
+                <a:spcBef>
+                  <a:spcPct val="0"/>
+                </a:spcBef>
+                <a:spcAft>
+                  <a:spcPct val="0"/>
+                </a:spcAft>
+                <a:defRPr>
+                  <a:solidFill>
+                    <a:schemeClr val="tx1"/>
+                  </a:solidFill>
+                  <a:latin typeface="Arial" panose="020B0604020202020204" pitchFamily="34" charset="0"/>
+                </a:defRPr>
+              </a:lvl7pPr>
+              <a:lvl8pPr marL="3200400" eaLnBrk="0" fontAlgn="base" hangingPunct="0">
+                <a:spcBef>
+                  <a:spcPct val="0"/>
+                </a:spcBef>
+                <a:spcAft>
+                  <a:spcPct val="0"/>
+                </a:spcAft>
+                <a:defRPr>
+                  <a:solidFill>
+                    <a:schemeClr val="tx1"/>
+                  </a:solidFill>
+                  <a:latin typeface="Arial" panose="020B0604020202020204" pitchFamily="34" charset="0"/>
+                </a:defRPr>
+              </a:lvl8pPr>
+              <a:lvl9pPr marL="3657600" eaLnBrk="0" fontAlgn="base" hangingPunct="0">
+                <a:spcBef>
+                  <a:spcPct val="0"/>
+                </a:spcBef>
+                <a:spcAft>
+                  <a:spcPct val="0"/>
+                </a:spcAft>
+                <a:defRPr>
+                  <a:solidFill>
+                    <a:schemeClr val="tx1"/>
+                  </a:solidFill>
+                  <a:latin typeface="Arial" panose="020B0604020202020204" pitchFamily="34" charset="0"/>
+                </a:defRPr>
+              </a:lvl9pPr>
+            </a:lstStyle>
+            <a:p>
+              <a:pPr marL="0" marR="0" lvl="0" indent="0" algn="l" defTabSz="914400" rtl="0" eaLnBrk="0" fontAlgn="base" latinLnBrk="0" hangingPunct="0">
+                <a:lnSpc>
+                  <a:spcPct val="100000"/>
+                </a:lnSpc>
+                <a:spcBef>
+                  <a:spcPct val="0"/>
+                </a:spcBef>
+                <a:spcAft>
+                  <a:spcPct val="0"/>
+                </a:spcAft>
+                <a:buClrTx/>
+                <a:buSzTx/>
+                <a:buFontTx/>
+                <a:buNone/>
+                <a:tabLst/>
+              </a:pPr>
+              <a:r>
+                <a:rPr kumimoji="0" lang="en-US" altLang="en-US" sz="1600" b="0" i="0" u="none" strike="noStrike" cap="none" normalizeH="0" baseline="0" smtClean="0">
+                  <a:ln>
+                    <a:noFill/>
+                  </a:ln>
+                  <a:solidFill>
+                    <a:srgbClr val="262626"/>
+                  </a:solidFill>
+                  <a:effectLst/>
+                  <a:latin typeface="Arial" panose="020B0604020202020204" pitchFamily="34" charset="0"/>
+                </a:rPr>
+                <a:t>20</a:t>
+              </a:r>
+              <a:endParaRPr kumimoji="0" lang="en-US" altLang="en-US" sz="1800" b="0" i="0" u="none" strike="noStrike" cap="none" normalizeH="0" baseline="0" smtClean="0">
+                <a:ln>
+                  <a:noFill/>
+                </a:ln>
+                <a:solidFill>
+                  <a:schemeClr val="tx1"/>
+                </a:solidFill>
+                <a:effectLst/>
+                <a:latin typeface="Arial" panose="020B0604020202020204" pitchFamily="34" charset="0"/>
+              </a:endParaRPr>
+            </a:p>
+          </p:txBody>
+        </p:sp>
+        <p:sp>
+          <p:nvSpPr>
+            <p:cNvPr id="28" name="Rectangle 22"/>
+            <p:cNvSpPr>
+              <a:spLocks noChangeArrowheads="1"/>
+            </p:cNvSpPr>
+            <p:nvPr/>
+          </p:nvSpPr>
+          <p:spPr bwMode="auto">
+            <a:xfrm>
+              <a:off x="4241" y="2044"/>
+              <a:ext cx="209" cy="182"/>
+            </a:xfrm>
+            <a:prstGeom prst="rect">
+              <a:avLst/>
+            </a:prstGeom>
+            <a:noFill/>
+            <a:ln>
+              <a:noFill/>
+            </a:ln>
+            <a:extLst>
+              <a:ext uri="{909E8E84-426E-40DD-AFC4-6F175D3DCCD1}">
+                <a14:hiddenFill xmlns:a14="http://schemas.microsoft.com/office/drawing/2010/main">
+                  <a:solidFill>
+                    <a:srgbClr val="FFFFFF"/>
+                  </a:solidFill>
+                </a14:hiddenFill>
+              </a:ext>
+              <a:ext uri="{91240B29-F687-4F45-9708-019B960494DF}">
+                <a14:hiddenLine xmlns:a14="http://schemas.microsoft.com/office/drawing/2010/main" w="9525">
+                  <a:solidFill>
+                    <a:srgbClr val="000000"/>
+                  </a:solidFill>
+                  <a:miter lim="800000"/>
+                  <a:headEnd/>
+                  <a:tailEnd/>
+                </a14:hiddenLine>
+              </a:ext>
+            </a:extLst>
+          </p:spPr>
+          <p:txBody>
+            <a:bodyPr vert="horz" wrap="none" lIns="0" tIns="0" rIns="0" bIns="0" numCol="1" anchor="t" anchorCtr="0" compatLnSpc="1">
+              <a:prstTxWarp prst="textNoShape">
+                <a:avLst/>
+              </a:prstTxWarp>
+              <a:spAutoFit/>
+            </a:bodyPr>
+            <a:lstStyle>
+              <a:lvl1pPr eaLnBrk="0" fontAlgn="base" hangingPunct="0">
+                <a:spcBef>
+                  <a:spcPct val="0"/>
+                </a:spcBef>
+                <a:spcAft>
+                  <a:spcPct val="0"/>
+                </a:spcAft>
+                <a:defRPr>
+                  <a:solidFill>
+                    <a:schemeClr val="tx1"/>
+                  </a:solidFill>
+                  <a:latin typeface="Arial" panose="020B0604020202020204" pitchFamily="34" charset="0"/>
+                </a:defRPr>
+              </a:lvl1pPr>
+              <a:lvl2pPr marL="457200" eaLnBrk="0" fontAlgn="base" hangingPunct="0">
+                <a:spcBef>
+                  <a:spcPct val="0"/>
+                </a:spcBef>
+                <a:spcAft>
+                  <a:spcPct val="0"/>
+                </a:spcAft>
+                <a:defRPr>
+                  <a:solidFill>
+                    <a:schemeClr val="tx1"/>
+                  </a:solidFill>
+                  <a:latin typeface="Arial" panose="020B0604020202020204" pitchFamily="34" charset="0"/>
+                </a:defRPr>
+              </a:lvl2pPr>
+              <a:lvl3pPr marL="914400" eaLnBrk="0" fontAlgn="base" hangingPunct="0">
+                <a:spcBef>
+                  <a:spcPct val="0"/>
+                </a:spcBef>
+                <a:spcAft>
+                  <a:spcPct val="0"/>
+                </a:spcAft>
+                <a:defRPr>
+                  <a:solidFill>
+                    <a:schemeClr val="tx1"/>
+                  </a:solidFill>
+                  <a:latin typeface="Arial" panose="020B0604020202020204" pitchFamily="34" charset="0"/>
+                </a:defRPr>
+              </a:lvl3pPr>
+              <a:lvl4pPr marL="1371600" eaLnBrk="0" fontAlgn="base" hangingPunct="0">
+                <a:spcBef>
+                  <a:spcPct val="0"/>
+                </a:spcBef>
+                <a:spcAft>
+                  <a:spcPct val="0"/>
+                </a:spcAft>
+                <a:defRPr>
+                  <a:solidFill>
+                    <a:schemeClr val="tx1"/>
+                  </a:solidFill>
+                  <a:latin typeface="Arial" panose="020B0604020202020204" pitchFamily="34" charset="0"/>
+                </a:defRPr>
+              </a:lvl4pPr>
+              <a:lvl5pPr marL="1828800" eaLnBrk="0" fontAlgn="base" hangingPunct="0">
+                <a:spcBef>
+                  <a:spcPct val="0"/>
+                </a:spcBef>
+                <a:spcAft>
+                  <a:spcPct val="0"/>
+                </a:spcAft>
+                <a:defRPr>
+                  <a:solidFill>
+                    <a:schemeClr val="tx1"/>
+                  </a:solidFill>
+                  <a:latin typeface="Arial" panose="020B0604020202020204" pitchFamily="34" charset="0"/>
+                </a:defRPr>
+              </a:lvl5pPr>
+              <a:lvl6pPr marL="2286000" eaLnBrk="0" fontAlgn="base" hangingPunct="0">
+                <a:spcBef>
+                  <a:spcPct val="0"/>
+                </a:spcBef>
+                <a:spcAft>
+                  <a:spcPct val="0"/>
+                </a:spcAft>
+                <a:defRPr>
+                  <a:solidFill>
+                    <a:schemeClr val="tx1"/>
+                  </a:solidFill>
+                  <a:latin typeface="Arial" panose="020B0604020202020204" pitchFamily="34" charset="0"/>
+                </a:defRPr>
+              </a:lvl6pPr>
+              <a:lvl7pPr marL="2743200" eaLnBrk="0" fontAlgn="base" hangingPunct="0">
+                <a:spcBef>
+                  <a:spcPct val="0"/>
+                </a:spcBef>
+                <a:spcAft>
+                  <a:spcPct val="0"/>
+                </a:spcAft>
+                <a:defRPr>
+                  <a:solidFill>
+                    <a:schemeClr val="tx1"/>
+                  </a:solidFill>
+                  <a:latin typeface="Arial" panose="020B0604020202020204" pitchFamily="34" charset="0"/>
+                </a:defRPr>
+              </a:lvl7pPr>
+              <a:lvl8pPr marL="3200400" eaLnBrk="0" fontAlgn="base" hangingPunct="0">
+                <a:spcBef>
+                  <a:spcPct val="0"/>
+                </a:spcBef>
+                <a:spcAft>
+                  <a:spcPct val="0"/>
+                </a:spcAft>
+                <a:defRPr>
+                  <a:solidFill>
+                    <a:schemeClr val="tx1"/>
+                  </a:solidFill>
+                  <a:latin typeface="Arial" panose="020B0604020202020204" pitchFamily="34" charset="0"/>
+                </a:defRPr>
+              </a:lvl8pPr>
+              <a:lvl9pPr marL="3657600" eaLnBrk="0" fontAlgn="base" hangingPunct="0">
+                <a:spcBef>
+                  <a:spcPct val="0"/>
+                </a:spcBef>
+                <a:spcAft>
+                  <a:spcPct val="0"/>
+                </a:spcAft>
+                <a:defRPr>
+                  <a:solidFill>
+                    <a:schemeClr val="tx1"/>
+                  </a:solidFill>
+                  <a:latin typeface="Arial" panose="020B0604020202020204" pitchFamily="34" charset="0"/>
+                </a:defRPr>
+              </a:lvl9pPr>
+            </a:lstStyle>
+            <a:p>
+              <a:pPr marL="0" marR="0" lvl="0" indent="0" algn="l" defTabSz="914400" rtl="0" eaLnBrk="0" fontAlgn="base" latinLnBrk="0" hangingPunct="0">
+                <a:lnSpc>
+                  <a:spcPct val="100000"/>
+                </a:lnSpc>
+                <a:spcBef>
+                  <a:spcPct val="0"/>
+                </a:spcBef>
+                <a:spcAft>
+                  <a:spcPct val="0"/>
+                </a:spcAft>
+                <a:buClrTx/>
+                <a:buSzTx/>
+                <a:buFontTx/>
+                <a:buNone/>
+                <a:tabLst/>
+              </a:pPr>
+              <a:r>
+                <a:rPr kumimoji="0" lang="en-US" altLang="en-US" sz="1600" b="0" i="0" u="none" strike="noStrike" cap="none" normalizeH="0" baseline="0" smtClean="0">
+                  <a:ln>
+                    <a:noFill/>
+                  </a:ln>
+                  <a:solidFill>
+                    <a:srgbClr val="262626"/>
+                  </a:solidFill>
+                  <a:effectLst/>
+                  <a:latin typeface="Arial" panose="020B0604020202020204" pitchFamily="34" charset="0"/>
+                </a:rPr>
+                <a:t>30</a:t>
+              </a:r>
+              <a:endParaRPr kumimoji="0" lang="en-US" altLang="en-US" sz="1800" b="0" i="0" u="none" strike="noStrike" cap="none" normalizeH="0" baseline="0" smtClean="0">
+                <a:ln>
+                  <a:noFill/>
+                </a:ln>
+                <a:solidFill>
+                  <a:schemeClr val="tx1"/>
+                </a:solidFill>
+                <a:effectLst/>
+                <a:latin typeface="Arial" panose="020B0604020202020204" pitchFamily="34" charset="0"/>
+              </a:endParaRPr>
+            </a:p>
+          </p:txBody>
+        </p:sp>
+        <p:sp>
+          <p:nvSpPr>
+            <p:cNvPr id="29" name="Rectangle 23"/>
+            <p:cNvSpPr>
+              <a:spLocks noChangeArrowheads="1"/>
+            </p:cNvSpPr>
+            <p:nvPr/>
+          </p:nvSpPr>
+          <p:spPr bwMode="auto">
+            <a:xfrm>
+              <a:off x="4708" y="2044"/>
+              <a:ext cx="209" cy="182"/>
+            </a:xfrm>
+            <a:prstGeom prst="rect">
+              <a:avLst/>
+            </a:prstGeom>
+            <a:noFill/>
+            <a:ln>
+              <a:noFill/>
+            </a:ln>
+            <a:extLst>
+              <a:ext uri="{909E8E84-426E-40DD-AFC4-6F175D3DCCD1}">
+                <a14:hiddenFill xmlns:a14="http://schemas.microsoft.com/office/drawing/2010/main">
+                  <a:solidFill>
+                    <a:srgbClr val="FFFFFF"/>
+                  </a:solidFill>
+                </a14:hiddenFill>
+              </a:ext>
+              <a:ext uri="{91240B29-F687-4F45-9708-019B960494DF}">
+                <a14:hiddenLine xmlns:a14="http://schemas.microsoft.com/office/drawing/2010/main" w="9525">
+                  <a:solidFill>
+                    <a:srgbClr val="000000"/>
+                  </a:solidFill>
+                  <a:miter lim="800000"/>
+                  <a:headEnd/>
+                  <a:tailEnd/>
+                </a14:hiddenLine>
+              </a:ext>
+            </a:extLst>
+          </p:spPr>
+          <p:txBody>
+            <a:bodyPr vert="horz" wrap="none" lIns="0" tIns="0" rIns="0" bIns="0" numCol="1" anchor="t" anchorCtr="0" compatLnSpc="1">
+              <a:prstTxWarp prst="textNoShape">
+                <a:avLst/>
+              </a:prstTxWarp>
+              <a:spAutoFit/>
+            </a:bodyPr>
+            <a:lstStyle>
+              <a:lvl1pPr eaLnBrk="0" fontAlgn="base" hangingPunct="0">
+                <a:spcBef>
+                  <a:spcPct val="0"/>
+                </a:spcBef>
+                <a:spcAft>
+                  <a:spcPct val="0"/>
+                </a:spcAft>
+                <a:defRPr>
+                  <a:solidFill>
+                    <a:schemeClr val="tx1"/>
+                  </a:solidFill>
+                  <a:latin typeface="Arial" panose="020B0604020202020204" pitchFamily="34" charset="0"/>
+                </a:defRPr>
+              </a:lvl1pPr>
+              <a:lvl2pPr marL="457200" eaLnBrk="0" fontAlgn="base" hangingPunct="0">
+                <a:spcBef>
+                  <a:spcPct val="0"/>
+                </a:spcBef>
+                <a:spcAft>
+                  <a:spcPct val="0"/>
+                </a:spcAft>
+                <a:defRPr>
+                  <a:solidFill>
+                    <a:schemeClr val="tx1"/>
+                  </a:solidFill>
+                  <a:latin typeface="Arial" panose="020B0604020202020204" pitchFamily="34" charset="0"/>
+                </a:defRPr>
+              </a:lvl2pPr>
+              <a:lvl3pPr marL="914400" eaLnBrk="0" fontAlgn="base" hangingPunct="0">
+                <a:spcBef>
+                  <a:spcPct val="0"/>
+                </a:spcBef>
+                <a:spcAft>
+                  <a:spcPct val="0"/>
+                </a:spcAft>
+                <a:defRPr>
+                  <a:solidFill>
+                    <a:schemeClr val="tx1"/>
+                  </a:solidFill>
+                  <a:latin typeface="Arial" panose="020B0604020202020204" pitchFamily="34" charset="0"/>
+                </a:defRPr>
+              </a:lvl3pPr>
+              <a:lvl4pPr marL="1371600" eaLnBrk="0" fontAlgn="base" hangingPunct="0">
+                <a:spcBef>
+                  <a:spcPct val="0"/>
+                </a:spcBef>
+                <a:spcAft>
+                  <a:spcPct val="0"/>
+                </a:spcAft>
+                <a:defRPr>
+                  <a:solidFill>
+                    <a:schemeClr val="tx1"/>
+                  </a:solidFill>
+                  <a:latin typeface="Arial" panose="020B0604020202020204" pitchFamily="34" charset="0"/>
+                </a:defRPr>
+              </a:lvl4pPr>
+              <a:lvl5pPr marL="1828800" eaLnBrk="0" fontAlgn="base" hangingPunct="0">
+                <a:spcBef>
+                  <a:spcPct val="0"/>
+                </a:spcBef>
+                <a:spcAft>
+                  <a:spcPct val="0"/>
+                </a:spcAft>
+                <a:defRPr>
+                  <a:solidFill>
+                    <a:schemeClr val="tx1"/>
+                  </a:solidFill>
+                  <a:latin typeface="Arial" panose="020B0604020202020204" pitchFamily="34" charset="0"/>
+                </a:defRPr>
+              </a:lvl5pPr>
+              <a:lvl6pPr marL="2286000" eaLnBrk="0" fontAlgn="base" hangingPunct="0">
+                <a:spcBef>
+                  <a:spcPct val="0"/>
+                </a:spcBef>
+                <a:spcAft>
+                  <a:spcPct val="0"/>
+                </a:spcAft>
+                <a:defRPr>
+                  <a:solidFill>
+                    <a:schemeClr val="tx1"/>
+                  </a:solidFill>
+                  <a:latin typeface="Arial" panose="020B0604020202020204" pitchFamily="34" charset="0"/>
+                </a:defRPr>
+              </a:lvl6pPr>
+              <a:lvl7pPr marL="2743200" eaLnBrk="0" fontAlgn="base" hangingPunct="0">
+                <a:spcBef>
+                  <a:spcPct val="0"/>
+                </a:spcBef>
+                <a:spcAft>
+                  <a:spcPct val="0"/>
+                </a:spcAft>
+                <a:defRPr>
+                  <a:solidFill>
+                    <a:schemeClr val="tx1"/>
+                  </a:solidFill>
+                  <a:latin typeface="Arial" panose="020B0604020202020204" pitchFamily="34" charset="0"/>
+                </a:defRPr>
+              </a:lvl7pPr>
+              <a:lvl8pPr marL="3200400" eaLnBrk="0" fontAlgn="base" hangingPunct="0">
+                <a:spcBef>
+                  <a:spcPct val="0"/>
+                </a:spcBef>
+                <a:spcAft>
+                  <a:spcPct val="0"/>
+                </a:spcAft>
+                <a:defRPr>
+                  <a:solidFill>
+                    <a:schemeClr val="tx1"/>
+                  </a:solidFill>
+                  <a:latin typeface="Arial" panose="020B0604020202020204" pitchFamily="34" charset="0"/>
+                </a:defRPr>
+              </a:lvl8pPr>
+              <a:lvl9pPr marL="3657600" eaLnBrk="0" fontAlgn="base" hangingPunct="0">
+                <a:spcBef>
+                  <a:spcPct val="0"/>
+                </a:spcBef>
+                <a:spcAft>
+                  <a:spcPct val="0"/>
+                </a:spcAft>
+                <a:defRPr>
+                  <a:solidFill>
+                    <a:schemeClr val="tx1"/>
+                  </a:solidFill>
+                  <a:latin typeface="Arial" panose="020B0604020202020204" pitchFamily="34" charset="0"/>
+                </a:defRPr>
+              </a:lvl9pPr>
+            </a:lstStyle>
+            <a:p>
+              <a:pPr marL="0" marR="0" lvl="0" indent="0" algn="l" defTabSz="914400" rtl="0" eaLnBrk="0" fontAlgn="base" latinLnBrk="0" hangingPunct="0">
+                <a:lnSpc>
+                  <a:spcPct val="100000"/>
+                </a:lnSpc>
+                <a:spcBef>
+                  <a:spcPct val="0"/>
+                </a:spcBef>
+                <a:spcAft>
+                  <a:spcPct val="0"/>
+                </a:spcAft>
+                <a:buClrTx/>
+                <a:buSzTx/>
+                <a:buFontTx/>
+                <a:buNone/>
+                <a:tabLst/>
+              </a:pPr>
+              <a:r>
+                <a:rPr kumimoji="0" lang="en-US" altLang="en-US" sz="1600" b="0" i="0" u="none" strike="noStrike" cap="none" normalizeH="0" baseline="0" smtClean="0">
+                  <a:ln>
+                    <a:noFill/>
+                  </a:ln>
+                  <a:solidFill>
+                    <a:srgbClr val="262626"/>
+                  </a:solidFill>
+                  <a:effectLst/>
+                  <a:latin typeface="Arial" panose="020B0604020202020204" pitchFamily="34" charset="0"/>
+                </a:rPr>
+                <a:t>40</a:t>
+              </a:r>
+              <a:endParaRPr kumimoji="0" lang="en-US" altLang="en-US" sz="1800" b="0" i="0" u="none" strike="noStrike" cap="none" normalizeH="0" baseline="0" smtClean="0">
+                <a:ln>
+                  <a:noFill/>
+                </a:ln>
+                <a:solidFill>
+                  <a:schemeClr val="tx1"/>
+                </a:solidFill>
+                <a:effectLst/>
+                <a:latin typeface="Arial" panose="020B0604020202020204" pitchFamily="34" charset="0"/>
+              </a:endParaRPr>
+            </a:p>
+          </p:txBody>
+        </p:sp>
+        <p:sp>
+          <p:nvSpPr>
+            <p:cNvPr id="30" name="Rectangle 24"/>
+            <p:cNvSpPr>
+              <a:spLocks noChangeArrowheads="1"/>
+            </p:cNvSpPr>
+            <p:nvPr/>
+          </p:nvSpPr>
+          <p:spPr bwMode="auto">
+            <a:xfrm>
+              <a:off x="5175" y="2044"/>
+              <a:ext cx="209" cy="182"/>
+            </a:xfrm>
+            <a:prstGeom prst="rect">
+              <a:avLst/>
+            </a:prstGeom>
+            <a:noFill/>
+            <a:ln>
+              <a:noFill/>
+            </a:ln>
+            <a:extLst>
+              <a:ext uri="{909E8E84-426E-40DD-AFC4-6F175D3DCCD1}">
+                <a14:hiddenFill xmlns:a14="http://schemas.microsoft.com/office/drawing/2010/main">
+                  <a:solidFill>
+                    <a:srgbClr val="FFFFFF"/>
+                  </a:solidFill>
+                </a14:hiddenFill>
+              </a:ext>
+              <a:ext uri="{91240B29-F687-4F45-9708-019B960494DF}">
+                <a14:hiddenLine xmlns:a14="http://schemas.microsoft.com/office/drawing/2010/main" w="9525">
+                  <a:solidFill>
+                    <a:srgbClr val="000000"/>
+                  </a:solidFill>
+                  <a:miter lim="800000"/>
+                  <a:headEnd/>
+                  <a:tailEnd/>
+                </a14:hiddenLine>
+              </a:ext>
+            </a:extLst>
+          </p:spPr>
+          <p:txBody>
+            <a:bodyPr vert="horz" wrap="none" lIns="0" tIns="0" rIns="0" bIns="0" numCol="1" anchor="t" anchorCtr="0" compatLnSpc="1">
+              <a:prstTxWarp prst="textNoShape">
+                <a:avLst/>
+              </a:prstTxWarp>
+              <a:spAutoFit/>
+            </a:bodyPr>
+            <a:lstStyle>
+              <a:lvl1pPr eaLnBrk="0" fontAlgn="base" hangingPunct="0">
+                <a:spcBef>
+                  <a:spcPct val="0"/>
+                </a:spcBef>
+                <a:spcAft>
+                  <a:spcPct val="0"/>
+                </a:spcAft>
+                <a:defRPr>
+                  <a:solidFill>
+                    <a:schemeClr val="tx1"/>
+                  </a:solidFill>
+                  <a:latin typeface="Arial" panose="020B0604020202020204" pitchFamily="34" charset="0"/>
+                </a:defRPr>
+              </a:lvl1pPr>
+              <a:lvl2pPr marL="457200" eaLnBrk="0" fontAlgn="base" hangingPunct="0">
+                <a:spcBef>
+                  <a:spcPct val="0"/>
+                </a:spcBef>
+                <a:spcAft>
+                  <a:spcPct val="0"/>
+                </a:spcAft>
+                <a:defRPr>
+                  <a:solidFill>
+                    <a:schemeClr val="tx1"/>
+                  </a:solidFill>
+                  <a:latin typeface="Arial" panose="020B0604020202020204" pitchFamily="34" charset="0"/>
+                </a:defRPr>
+              </a:lvl2pPr>
+              <a:lvl3pPr marL="914400" eaLnBrk="0" fontAlgn="base" hangingPunct="0">
+                <a:spcBef>
+                  <a:spcPct val="0"/>
+                </a:spcBef>
+                <a:spcAft>
+                  <a:spcPct val="0"/>
+                </a:spcAft>
+                <a:defRPr>
+                  <a:solidFill>
+                    <a:schemeClr val="tx1"/>
+                  </a:solidFill>
+                  <a:latin typeface="Arial" panose="020B0604020202020204" pitchFamily="34" charset="0"/>
+                </a:defRPr>
+              </a:lvl3pPr>
+              <a:lvl4pPr marL="1371600" eaLnBrk="0" fontAlgn="base" hangingPunct="0">
+                <a:spcBef>
+                  <a:spcPct val="0"/>
+                </a:spcBef>
+                <a:spcAft>
+                  <a:spcPct val="0"/>
+                </a:spcAft>
+                <a:defRPr>
+                  <a:solidFill>
+                    <a:schemeClr val="tx1"/>
+                  </a:solidFill>
+                  <a:latin typeface="Arial" panose="020B0604020202020204" pitchFamily="34" charset="0"/>
+                </a:defRPr>
+              </a:lvl4pPr>
+              <a:lvl5pPr marL="1828800" eaLnBrk="0" fontAlgn="base" hangingPunct="0">
+                <a:spcBef>
+                  <a:spcPct val="0"/>
+                </a:spcBef>
+                <a:spcAft>
+                  <a:spcPct val="0"/>
+                </a:spcAft>
+                <a:defRPr>
+                  <a:solidFill>
+                    <a:schemeClr val="tx1"/>
+                  </a:solidFill>
+                  <a:latin typeface="Arial" panose="020B0604020202020204" pitchFamily="34" charset="0"/>
+                </a:defRPr>
+              </a:lvl5pPr>
+              <a:lvl6pPr marL="2286000" eaLnBrk="0" fontAlgn="base" hangingPunct="0">
+                <a:spcBef>
+                  <a:spcPct val="0"/>
+                </a:spcBef>
+                <a:spcAft>
+                  <a:spcPct val="0"/>
+                </a:spcAft>
+                <a:defRPr>
+                  <a:solidFill>
+                    <a:schemeClr val="tx1"/>
+                  </a:solidFill>
+                  <a:latin typeface="Arial" panose="020B0604020202020204" pitchFamily="34" charset="0"/>
+                </a:defRPr>
+              </a:lvl6pPr>
+              <a:lvl7pPr marL="2743200" eaLnBrk="0" fontAlgn="base" hangingPunct="0">
+                <a:spcBef>
+                  <a:spcPct val="0"/>
+                </a:spcBef>
+                <a:spcAft>
+                  <a:spcPct val="0"/>
+                </a:spcAft>
+                <a:defRPr>
+                  <a:solidFill>
+                    <a:schemeClr val="tx1"/>
+                  </a:solidFill>
+                  <a:latin typeface="Arial" panose="020B0604020202020204" pitchFamily="34" charset="0"/>
+                </a:defRPr>
+              </a:lvl7pPr>
+              <a:lvl8pPr marL="3200400" eaLnBrk="0" fontAlgn="base" hangingPunct="0">
+                <a:spcBef>
+                  <a:spcPct val="0"/>
+                </a:spcBef>
+                <a:spcAft>
+                  <a:spcPct val="0"/>
+                </a:spcAft>
+                <a:defRPr>
+                  <a:solidFill>
+                    <a:schemeClr val="tx1"/>
+                  </a:solidFill>
+                  <a:latin typeface="Arial" panose="020B0604020202020204" pitchFamily="34" charset="0"/>
+                </a:defRPr>
+              </a:lvl8pPr>
+              <a:lvl9pPr marL="3657600" eaLnBrk="0" fontAlgn="base" hangingPunct="0">
+                <a:spcBef>
+                  <a:spcPct val="0"/>
+                </a:spcBef>
+                <a:spcAft>
+                  <a:spcPct val="0"/>
+                </a:spcAft>
+                <a:defRPr>
+                  <a:solidFill>
+                    <a:schemeClr val="tx1"/>
+                  </a:solidFill>
+                  <a:latin typeface="Arial" panose="020B0604020202020204" pitchFamily="34" charset="0"/>
+                </a:defRPr>
+              </a:lvl9pPr>
+            </a:lstStyle>
+            <a:p>
+              <a:pPr marL="0" marR="0" lvl="0" indent="0" algn="l" defTabSz="914400" rtl="0" eaLnBrk="0" fontAlgn="base" latinLnBrk="0" hangingPunct="0">
+                <a:lnSpc>
+                  <a:spcPct val="100000"/>
+                </a:lnSpc>
+                <a:spcBef>
+                  <a:spcPct val="0"/>
+                </a:spcBef>
+                <a:spcAft>
+                  <a:spcPct val="0"/>
+                </a:spcAft>
+                <a:buClrTx/>
+                <a:buSzTx/>
+                <a:buFontTx/>
+                <a:buNone/>
+                <a:tabLst/>
+              </a:pPr>
+              <a:r>
+                <a:rPr kumimoji="0" lang="en-US" altLang="en-US" sz="1600" b="0" i="0" u="none" strike="noStrike" cap="none" normalizeH="0" baseline="0" smtClean="0">
+                  <a:ln>
+                    <a:noFill/>
+                  </a:ln>
+                  <a:solidFill>
+                    <a:srgbClr val="262626"/>
+                  </a:solidFill>
+                  <a:effectLst/>
+                  <a:latin typeface="Arial" panose="020B0604020202020204" pitchFamily="34" charset="0"/>
+                </a:rPr>
+                <a:t>50</a:t>
+              </a:r>
+              <a:endParaRPr kumimoji="0" lang="en-US" altLang="en-US" sz="1800" b="0" i="0" u="none" strike="noStrike" cap="none" normalizeH="0" baseline="0" smtClean="0">
+                <a:ln>
+                  <a:noFill/>
+                </a:ln>
+                <a:solidFill>
+                  <a:schemeClr val="tx1"/>
+                </a:solidFill>
+                <a:effectLst/>
+                <a:latin typeface="Arial" panose="020B0604020202020204" pitchFamily="34" charset="0"/>
+              </a:endParaRPr>
+            </a:p>
+          </p:txBody>
+        </p:sp>
+        <p:sp>
+          <p:nvSpPr>
+            <p:cNvPr id="31" name="Rectangle 25"/>
+            <p:cNvSpPr>
+              <a:spLocks noChangeArrowheads="1"/>
+            </p:cNvSpPr>
+            <p:nvPr/>
+          </p:nvSpPr>
+          <p:spPr bwMode="auto">
+            <a:xfrm>
+              <a:off x="3892" y="2227"/>
+              <a:ext cx="451" cy="193"/>
+            </a:xfrm>
+            <a:prstGeom prst="rect">
+              <a:avLst/>
+            </a:prstGeom>
+            <a:noFill/>
+            <a:ln>
+              <a:noFill/>
+            </a:ln>
+            <a:extLst>
+              <a:ext uri="{909E8E84-426E-40DD-AFC4-6F175D3DCCD1}">
+                <a14:hiddenFill xmlns:a14="http://schemas.microsoft.com/office/drawing/2010/main">
+                  <a:solidFill>
+                    <a:srgbClr val="FFFFFF"/>
+                  </a:solidFill>
+                </a14:hiddenFill>
+              </a:ext>
+              <a:ext uri="{91240B29-F687-4F45-9708-019B960494DF}">
+                <a14:hiddenLine xmlns:a14="http://schemas.microsoft.com/office/drawing/2010/main" w="9525">
+                  <a:solidFill>
+                    <a:srgbClr val="000000"/>
+                  </a:solidFill>
+                  <a:miter lim="800000"/>
+                  <a:headEnd/>
+                  <a:tailEnd/>
+                </a14:hiddenLine>
+              </a:ext>
+            </a:extLst>
+          </p:spPr>
+          <p:txBody>
+            <a:bodyPr vert="horz" wrap="none" lIns="0" tIns="0" rIns="0" bIns="0" numCol="1" anchor="t" anchorCtr="0" compatLnSpc="1">
+              <a:prstTxWarp prst="textNoShape">
+                <a:avLst/>
+              </a:prstTxWarp>
+              <a:spAutoFit/>
+            </a:bodyPr>
+            <a:lstStyle>
+              <a:lvl1pPr eaLnBrk="0" fontAlgn="base" hangingPunct="0">
+                <a:spcBef>
+                  <a:spcPct val="0"/>
+                </a:spcBef>
+                <a:spcAft>
+                  <a:spcPct val="0"/>
+                </a:spcAft>
+                <a:defRPr>
+                  <a:solidFill>
+                    <a:schemeClr val="tx1"/>
+                  </a:solidFill>
+                  <a:latin typeface="Arial" panose="020B0604020202020204" pitchFamily="34" charset="0"/>
+                </a:defRPr>
+              </a:lvl1pPr>
+              <a:lvl2pPr marL="457200" eaLnBrk="0" fontAlgn="base" hangingPunct="0">
+                <a:spcBef>
+                  <a:spcPct val="0"/>
+                </a:spcBef>
+                <a:spcAft>
+                  <a:spcPct val="0"/>
+                </a:spcAft>
+                <a:defRPr>
+                  <a:solidFill>
+                    <a:schemeClr val="tx1"/>
+                  </a:solidFill>
+                  <a:latin typeface="Arial" panose="020B0604020202020204" pitchFamily="34" charset="0"/>
+                </a:defRPr>
+              </a:lvl2pPr>
+              <a:lvl3pPr marL="914400" eaLnBrk="0" fontAlgn="base" hangingPunct="0">
+                <a:spcBef>
+                  <a:spcPct val="0"/>
+                </a:spcBef>
+                <a:spcAft>
+                  <a:spcPct val="0"/>
+                </a:spcAft>
+                <a:defRPr>
+                  <a:solidFill>
+                    <a:schemeClr val="tx1"/>
+                  </a:solidFill>
+                  <a:latin typeface="Arial" panose="020B0604020202020204" pitchFamily="34" charset="0"/>
+                </a:defRPr>
+              </a:lvl3pPr>
+              <a:lvl4pPr marL="1371600" eaLnBrk="0" fontAlgn="base" hangingPunct="0">
+                <a:spcBef>
+                  <a:spcPct val="0"/>
+                </a:spcBef>
+                <a:spcAft>
+                  <a:spcPct val="0"/>
+                </a:spcAft>
+                <a:defRPr>
+                  <a:solidFill>
+                    <a:schemeClr val="tx1"/>
+                  </a:solidFill>
+                  <a:latin typeface="Arial" panose="020B0604020202020204" pitchFamily="34" charset="0"/>
+                </a:defRPr>
+              </a:lvl4pPr>
+              <a:lvl5pPr marL="1828800" eaLnBrk="0" fontAlgn="base" hangingPunct="0">
+                <a:spcBef>
+                  <a:spcPct val="0"/>
+                </a:spcBef>
+                <a:spcAft>
+                  <a:spcPct val="0"/>
+                </a:spcAft>
+                <a:defRPr>
+                  <a:solidFill>
+                    <a:schemeClr val="tx1"/>
+                  </a:solidFill>
+                  <a:latin typeface="Arial" panose="020B0604020202020204" pitchFamily="34" charset="0"/>
+                </a:defRPr>
+              </a:lvl5pPr>
+              <a:lvl6pPr marL="2286000" eaLnBrk="0" fontAlgn="base" hangingPunct="0">
+                <a:spcBef>
+                  <a:spcPct val="0"/>
+                </a:spcBef>
+                <a:spcAft>
+                  <a:spcPct val="0"/>
+                </a:spcAft>
+                <a:defRPr>
+                  <a:solidFill>
+                    <a:schemeClr val="tx1"/>
+                  </a:solidFill>
+                  <a:latin typeface="Arial" panose="020B0604020202020204" pitchFamily="34" charset="0"/>
+                </a:defRPr>
+              </a:lvl6pPr>
+              <a:lvl7pPr marL="2743200" eaLnBrk="0" fontAlgn="base" hangingPunct="0">
+                <a:spcBef>
+                  <a:spcPct val="0"/>
+                </a:spcBef>
+                <a:spcAft>
+                  <a:spcPct val="0"/>
+                </a:spcAft>
+                <a:defRPr>
+                  <a:solidFill>
+                    <a:schemeClr val="tx1"/>
+                  </a:solidFill>
+                  <a:latin typeface="Arial" panose="020B0604020202020204" pitchFamily="34" charset="0"/>
+                </a:defRPr>
+              </a:lvl7pPr>
+              <a:lvl8pPr marL="3200400" eaLnBrk="0" fontAlgn="base" hangingPunct="0">
+                <a:spcBef>
+                  <a:spcPct val="0"/>
+                </a:spcBef>
+                <a:spcAft>
+                  <a:spcPct val="0"/>
+                </a:spcAft>
+                <a:defRPr>
+                  <a:solidFill>
+                    <a:schemeClr val="tx1"/>
+                  </a:solidFill>
+                  <a:latin typeface="Arial" panose="020B0604020202020204" pitchFamily="34" charset="0"/>
+                </a:defRPr>
+              </a:lvl8pPr>
+              <a:lvl9pPr marL="3657600" eaLnBrk="0" fontAlgn="base" hangingPunct="0">
+                <a:spcBef>
+                  <a:spcPct val="0"/>
+                </a:spcBef>
+                <a:spcAft>
+                  <a:spcPct val="0"/>
+                </a:spcAft>
+                <a:defRPr>
+                  <a:solidFill>
+                    <a:schemeClr val="tx1"/>
+                  </a:solidFill>
+                  <a:latin typeface="Arial" panose="020B0604020202020204" pitchFamily="34" charset="0"/>
+                </a:defRPr>
+              </a:lvl9pPr>
+            </a:lstStyle>
+            <a:p>
+              <a:pPr marL="0" marR="0" lvl="0" indent="0" algn="l" defTabSz="914400" rtl="0" eaLnBrk="0" fontAlgn="base" latinLnBrk="0" hangingPunct="0">
+                <a:lnSpc>
+                  <a:spcPct val="100000"/>
+                </a:lnSpc>
+                <a:spcBef>
+                  <a:spcPct val="0"/>
+                </a:spcBef>
+                <a:spcAft>
+                  <a:spcPct val="0"/>
+                </a:spcAft>
+                <a:buClrTx/>
+                <a:buSzTx/>
+                <a:buFontTx/>
+                <a:buNone/>
+                <a:tabLst/>
+              </a:pPr>
+              <a:r>
+                <a:rPr kumimoji="0" lang="en-US" altLang="en-US" sz="1700" b="0" i="0" u="none" strike="noStrike" cap="none" normalizeH="0" baseline="0" smtClean="0">
+                  <a:ln>
+                    <a:noFill/>
+                  </a:ln>
+                  <a:solidFill>
+                    <a:srgbClr val="262626"/>
+                  </a:solidFill>
+                  <a:effectLst/>
+                  <a:latin typeface="Arial" panose="020B0604020202020204" pitchFamily="34" charset="0"/>
+                </a:rPr>
+                <a:t>r (nm)</a:t>
+              </a:r>
+              <a:endParaRPr kumimoji="0" lang="en-US" altLang="en-US" sz="1800" b="0" i="0" u="none" strike="noStrike" cap="none" normalizeH="0" baseline="0" smtClean="0">
+                <a:ln>
+                  <a:noFill/>
+                </a:ln>
+                <a:solidFill>
+                  <a:schemeClr val="tx1"/>
+                </a:solidFill>
+                <a:effectLst/>
+                <a:latin typeface="Arial" panose="020B0604020202020204" pitchFamily="34" charset="0"/>
+              </a:endParaRPr>
+            </a:p>
+          </p:txBody>
+        </p:sp>
+        <p:sp>
+          <p:nvSpPr>
+            <p:cNvPr id="32" name="Line 26"/>
+            <p:cNvSpPr>
+              <a:spLocks noChangeShapeType="1"/>
+            </p:cNvSpPr>
+            <p:nvPr/>
+          </p:nvSpPr>
+          <p:spPr bwMode="auto">
+            <a:xfrm flipV="1">
+              <a:off x="2915" y="296"/>
+              <a:ext cx="0" cy="1695"/>
+            </a:xfrm>
+            <a:prstGeom prst="line">
+              <a:avLst/>
+            </a:prstGeom>
+            <a:noFill/>
+            <a:ln w="34925" cap="flat">
+              <a:solidFill>
+                <a:srgbClr val="262626"/>
+              </a:solidFill>
+              <a:prstDash val="solid"/>
+              <a:round/>
+              <a:headEnd/>
+              <a:tailEnd/>
+            </a:ln>
+            <a:extLst>
+              <a:ext uri="{909E8E84-426E-40DD-AFC4-6F175D3DCCD1}">
+                <a14:hiddenFill xmlns:a14="http://schemas.microsoft.com/office/drawing/2010/main">
+                  <a:noFill/>
+                </a14:hiddenFill>
+              </a:ext>
+            </a:extLst>
+          </p:spPr>
+          <p:txBody>
+            <a:bodyPr vert="horz" wrap="square" lIns="91440" tIns="45720" rIns="91440" bIns="45720" numCol="1" anchor="t" anchorCtr="0" compatLnSpc="1">
+              <a:prstTxWarp prst="textNoShape">
+                <a:avLst/>
+              </a:prstTxWarp>
+            </a:bodyPr>
+            <a:lstStyle/>
+            <a:p>
+              <a:endParaRPr lang="en-AU"/>
+            </a:p>
+          </p:txBody>
+        </p:sp>
+        <p:sp>
+          <p:nvSpPr>
+            <p:cNvPr id="33" name="Line 27"/>
+            <p:cNvSpPr>
+              <a:spLocks noChangeShapeType="1"/>
+            </p:cNvSpPr>
+            <p:nvPr/>
+          </p:nvSpPr>
+          <p:spPr bwMode="auto">
+            <a:xfrm flipV="1">
+              <a:off x="5245" y="296"/>
+              <a:ext cx="0" cy="1695"/>
+            </a:xfrm>
+            <a:prstGeom prst="line">
+              <a:avLst/>
+            </a:prstGeom>
+            <a:noFill/>
+            <a:ln w="34925" cap="flat">
+              <a:solidFill>
+                <a:srgbClr val="262626"/>
+              </a:solidFill>
+              <a:prstDash val="solid"/>
+              <a:round/>
+              <a:headEnd/>
+              <a:tailEnd/>
+            </a:ln>
+            <a:extLst>
+              <a:ext uri="{909E8E84-426E-40DD-AFC4-6F175D3DCCD1}">
+                <a14:hiddenFill xmlns:a14="http://schemas.microsoft.com/office/drawing/2010/main">
+                  <a:noFill/>
+                </a14:hiddenFill>
+              </a:ext>
+            </a:extLst>
+          </p:spPr>
+          <p:txBody>
+            <a:bodyPr vert="horz" wrap="square" lIns="91440" tIns="45720" rIns="91440" bIns="45720" numCol="1" anchor="t" anchorCtr="0" compatLnSpc="1">
+              <a:prstTxWarp prst="textNoShape">
+                <a:avLst/>
+              </a:prstTxWarp>
+            </a:bodyPr>
+            <a:lstStyle/>
+            <a:p>
+              <a:endParaRPr lang="en-AU"/>
+            </a:p>
+          </p:txBody>
+        </p:sp>
+        <p:sp>
+          <p:nvSpPr>
+            <p:cNvPr id="34" name="Line 28"/>
+            <p:cNvSpPr>
+              <a:spLocks noChangeShapeType="1"/>
+            </p:cNvSpPr>
+            <p:nvPr/>
+          </p:nvSpPr>
+          <p:spPr bwMode="auto">
+            <a:xfrm>
+              <a:off x="2915" y="1991"/>
+              <a:ext cx="23" cy="0"/>
+            </a:xfrm>
+            <a:prstGeom prst="line">
+              <a:avLst/>
+            </a:prstGeom>
+            <a:noFill/>
+            <a:ln w="34925" cap="flat">
+              <a:solidFill>
+                <a:srgbClr val="262626"/>
+              </a:solidFill>
+              <a:prstDash val="solid"/>
+              <a:round/>
+              <a:headEnd/>
+              <a:tailEnd/>
+            </a:ln>
+            <a:extLst>
+              <a:ext uri="{909E8E84-426E-40DD-AFC4-6F175D3DCCD1}">
+                <a14:hiddenFill xmlns:a14="http://schemas.microsoft.com/office/drawing/2010/main">
+                  <a:noFill/>
+                </a14:hiddenFill>
+              </a:ext>
+            </a:extLst>
+          </p:spPr>
+          <p:txBody>
+            <a:bodyPr vert="horz" wrap="square" lIns="91440" tIns="45720" rIns="91440" bIns="45720" numCol="1" anchor="t" anchorCtr="0" compatLnSpc="1">
+              <a:prstTxWarp prst="textNoShape">
+                <a:avLst/>
+              </a:prstTxWarp>
+            </a:bodyPr>
+            <a:lstStyle/>
+            <a:p>
+              <a:endParaRPr lang="en-AU"/>
+            </a:p>
+          </p:txBody>
+        </p:sp>
+        <p:sp>
+          <p:nvSpPr>
+            <p:cNvPr id="35" name="Line 29"/>
+            <p:cNvSpPr>
+              <a:spLocks noChangeShapeType="1"/>
+            </p:cNvSpPr>
+            <p:nvPr/>
+          </p:nvSpPr>
+          <p:spPr bwMode="auto">
+            <a:xfrm>
+              <a:off x="2915" y="1567"/>
+              <a:ext cx="23" cy="0"/>
+            </a:xfrm>
+            <a:prstGeom prst="line">
+              <a:avLst/>
+            </a:prstGeom>
+            <a:noFill/>
+            <a:ln w="34925" cap="flat">
+              <a:solidFill>
+                <a:srgbClr val="262626"/>
+              </a:solidFill>
+              <a:prstDash val="solid"/>
+              <a:round/>
+              <a:headEnd/>
+              <a:tailEnd/>
+            </a:ln>
+            <a:extLst>
+              <a:ext uri="{909E8E84-426E-40DD-AFC4-6F175D3DCCD1}">
+                <a14:hiddenFill xmlns:a14="http://schemas.microsoft.com/office/drawing/2010/main">
+                  <a:noFill/>
+                </a14:hiddenFill>
+              </a:ext>
+            </a:extLst>
+          </p:spPr>
+          <p:txBody>
+            <a:bodyPr vert="horz" wrap="square" lIns="91440" tIns="45720" rIns="91440" bIns="45720" numCol="1" anchor="t" anchorCtr="0" compatLnSpc="1">
+              <a:prstTxWarp prst="textNoShape">
+                <a:avLst/>
+              </a:prstTxWarp>
+            </a:bodyPr>
+            <a:lstStyle/>
+            <a:p>
+              <a:endParaRPr lang="en-AU"/>
+            </a:p>
+          </p:txBody>
+        </p:sp>
+        <p:sp>
+          <p:nvSpPr>
+            <p:cNvPr id="36" name="Line 30"/>
+            <p:cNvSpPr>
+              <a:spLocks noChangeShapeType="1"/>
+            </p:cNvSpPr>
+            <p:nvPr/>
+          </p:nvSpPr>
+          <p:spPr bwMode="auto">
+            <a:xfrm>
+              <a:off x="2915" y="1144"/>
+              <a:ext cx="23" cy="0"/>
+            </a:xfrm>
+            <a:prstGeom prst="line">
+              <a:avLst/>
+            </a:prstGeom>
+            <a:noFill/>
+            <a:ln w="34925" cap="flat">
+              <a:solidFill>
+                <a:srgbClr val="262626"/>
+              </a:solidFill>
+              <a:prstDash val="solid"/>
+              <a:round/>
+              <a:headEnd/>
+              <a:tailEnd/>
+            </a:ln>
+            <a:extLst>
+              <a:ext uri="{909E8E84-426E-40DD-AFC4-6F175D3DCCD1}">
+                <a14:hiddenFill xmlns:a14="http://schemas.microsoft.com/office/drawing/2010/main">
+                  <a:noFill/>
+                </a14:hiddenFill>
+              </a:ext>
+            </a:extLst>
+          </p:spPr>
+          <p:txBody>
+            <a:bodyPr vert="horz" wrap="square" lIns="91440" tIns="45720" rIns="91440" bIns="45720" numCol="1" anchor="t" anchorCtr="0" compatLnSpc="1">
+              <a:prstTxWarp prst="textNoShape">
+                <a:avLst/>
+              </a:prstTxWarp>
+            </a:bodyPr>
+            <a:lstStyle/>
+            <a:p>
+              <a:endParaRPr lang="en-AU"/>
+            </a:p>
+          </p:txBody>
+        </p:sp>
+        <p:sp>
+          <p:nvSpPr>
+            <p:cNvPr id="37" name="Line 31"/>
+            <p:cNvSpPr>
+              <a:spLocks noChangeShapeType="1"/>
+            </p:cNvSpPr>
+            <p:nvPr/>
+          </p:nvSpPr>
+          <p:spPr bwMode="auto">
+            <a:xfrm>
+              <a:off x="2915" y="720"/>
+              <a:ext cx="23" cy="0"/>
+            </a:xfrm>
+            <a:prstGeom prst="line">
+              <a:avLst/>
+            </a:prstGeom>
+            <a:noFill/>
+            <a:ln w="34925" cap="flat">
+              <a:solidFill>
+                <a:srgbClr val="262626"/>
+              </a:solidFill>
+              <a:prstDash val="solid"/>
+              <a:round/>
+              <a:headEnd/>
+              <a:tailEnd/>
+            </a:ln>
+            <a:extLst>
+              <a:ext uri="{909E8E84-426E-40DD-AFC4-6F175D3DCCD1}">
+                <a14:hiddenFill xmlns:a14="http://schemas.microsoft.com/office/drawing/2010/main">
+                  <a:noFill/>
+                </a14:hiddenFill>
+              </a:ext>
+            </a:extLst>
+          </p:spPr>
+          <p:txBody>
+            <a:bodyPr vert="horz" wrap="square" lIns="91440" tIns="45720" rIns="91440" bIns="45720" numCol="1" anchor="t" anchorCtr="0" compatLnSpc="1">
+              <a:prstTxWarp prst="textNoShape">
+                <a:avLst/>
+              </a:prstTxWarp>
+            </a:bodyPr>
+            <a:lstStyle/>
+            <a:p>
+              <a:endParaRPr lang="en-AU"/>
+            </a:p>
+          </p:txBody>
+        </p:sp>
+        <p:sp>
+          <p:nvSpPr>
+            <p:cNvPr id="38" name="Line 32"/>
+            <p:cNvSpPr>
+              <a:spLocks noChangeShapeType="1"/>
+            </p:cNvSpPr>
+            <p:nvPr/>
+          </p:nvSpPr>
+          <p:spPr bwMode="auto">
+            <a:xfrm>
+              <a:off x="2915" y="296"/>
+              <a:ext cx="23" cy="0"/>
+            </a:xfrm>
+            <a:prstGeom prst="line">
+              <a:avLst/>
+            </a:prstGeom>
+            <a:noFill/>
+            <a:ln w="34925" cap="flat">
+              <a:solidFill>
+                <a:srgbClr val="262626"/>
+              </a:solidFill>
+              <a:prstDash val="solid"/>
+              <a:round/>
+              <a:headEnd/>
+              <a:tailEnd/>
+            </a:ln>
+            <a:extLst>
+              <a:ext uri="{909E8E84-426E-40DD-AFC4-6F175D3DCCD1}">
+                <a14:hiddenFill xmlns:a14="http://schemas.microsoft.com/office/drawing/2010/main">
+                  <a:noFill/>
+                </a14:hiddenFill>
+              </a:ext>
+            </a:extLst>
+          </p:spPr>
+          <p:txBody>
+            <a:bodyPr vert="horz" wrap="square" lIns="91440" tIns="45720" rIns="91440" bIns="45720" numCol="1" anchor="t" anchorCtr="0" compatLnSpc="1">
+              <a:prstTxWarp prst="textNoShape">
+                <a:avLst/>
+              </a:prstTxWarp>
+            </a:bodyPr>
+            <a:lstStyle/>
+            <a:p>
+              <a:endParaRPr lang="en-AU"/>
+            </a:p>
+          </p:txBody>
+        </p:sp>
+        <p:sp>
+          <p:nvSpPr>
+            <p:cNvPr id="39" name="Line 33"/>
+            <p:cNvSpPr>
+              <a:spLocks noChangeShapeType="1"/>
+            </p:cNvSpPr>
+            <p:nvPr/>
+          </p:nvSpPr>
+          <p:spPr bwMode="auto">
+            <a:xfrm flipH="1">
+              <a:off x="5222" y="1991"/>
+              <a:ext cx="23" cy="0"/>
+            </a:xfrm>
+            <a:prstGeom prst="line">
+              <a:avLst/>
+            </a:prstGeom>
+            <a:noFill/>
+            <a:ln w="34925" cap="flat">
+              <a:solidFill>
+                <a:srgbClr val="262626"/>
+              </a:solidFill>
+              <a:prstDash val="solid"/>
+              <a:round/>
+              <a:headEnd/>
+              <a:tailEnd/>
+            </a:ln>
+            <a:extLst>
+              <a:ext uri="{909E8E84-426E-40DD-AFC4-6F175D3DCCD1}">
+                <a14:hiddenFill xmlns:a14="http://schemas.microsoft.com/office/drawing/2010/main">
+                  <a:noFill/>
+                </a14:hiddenFill>
+              </a:ext>
+            </a:extLst>
+          </p:spPr>
+          <p:txBody>
+            <a:bodyPr vert="horz" wrap="square" lIns="91440" tIns="45720" rIns="91440" bIns="45720" numCol="1" anchor="t" anchorCtr="0" compatLnSpc="1">
+              <a:prstTxWarp prst="textNoShape">
+                <a:avLst/>
+              </a:prstTxWarp>
+            </a:bodyPr>
+            <a:lstStyle/>
+            <a:p>
+              <a:endParaRPr lang="en-AU"/>
+            </a:p>
+          </p:txBody>
+        </p:sp>
+        <p:sp>
+          <p:nvSpPr>
+            <p:cNvPr id="40" name="Line 34"/>
+            <p:cNvSpPr>
+              <a:spLocks noChangeShapeType="1"/>
+            </p:cNvSpPr>
+            <p:nvPr/>
+          </p:nvSpPr>
+          <p:spPr bwMode="auto">
+            <a:xfrm flipH="1">
+              <a:off x="5222" y="1567"/>
+              <a:ext cx="23" cy="0"/>
+            </a:xfrm>
+            <a:prstGeom prst="line">
+              <a:avLst/>
+            </a:prstGeom>
+            <a:noFill/>
+            <a:ln w="34925" cap="flat">
+              <a:solidFill>
+                <a:srgbClr val="262626"/>
+              </a:solidFill>
+              <a:prstDash val="solid"/>
+              <a:round/>
+              <a:headEnd/>
+              <a:tailEnd/>
+            </a:ln>
+            <a:extLst>
+              <a:ext uri="{909E8E84-426E-40DD-AFC4-6F175D3DCCD1}">
+                <a14:hiddenFill xmlns:a14="http://schemas.microsoft.com/office/drawing/2010/main">
+                  <a:noFill/>
+                </a14:hiddenFill>
+              </a:ext>
+            </a:extLst>
+          </p:spPr>
+          <p:txBody>
+            <a:bodyPr vert="horz" wrap="square" lIns="91440" tIns="45720" rIns="91440" bIns="45720" numCol="1" anchor="t" anchorCtr="0" compatLnSpc="1">
+              <a:prstTxWarp prst="textNoShape">
+                <a:avLst/>
+              </a:prstTxWarp>
+            </a:bodyPr>
+            <a:lstStyle/>
+            <a:p>
+              <a:endParaRPr lang="en-AU"/>
+            </a:p>
+          </p:txBody>
+        </p:sp>
+        <p:sp>
+          <p:nvSpPr>
+            <p:cNvPr id="41" name="Line 35"/>
+            <p:cNvSpPr>
+              <a:spLocks noChangeShapeType="1"/>
+            </p:cNvSpPr>
+            <p:nvPr/>
+          </p:nvSpPr>
+          <p:spPr bwMode="auto">
+            <a:xfrm flipH="1">
+              <a:off x="5222" y="1144"/>
+              <a:ext cx="23" cy="0"/>
+            </a:xfrm>
+            <a:prstGeom prst="line">
+              <a:avLst/>
+            </a:prstGeom>
+            <a:noFill/>
+            <a:ln w="34925" cap="flat">
+              <a:solidFill>
+                <a:srgbClr val="262626"/>
+              </a:solidFill>
+              <a:prstDash val="solid"/>
+              <a:round/>
+              <a:headEnd/>
+              <a:tailEnd/>
+            </a:ln>
+            <a:extLst>
+              <a:ext uri="{909E8E84-426E-40DD-AFC4-6F175D3DCCD1}">
+                <a14:hiddenFill xmlns:a14="http://schemas.microsoft.com/office/drawing/2010/main">
+                  <a:noFill/>
+                </a14:hiddenFill>
+              </a:ext>
+            </a:extLst>
+          </p:spPr>
+          <p:txBody>
+            <a:bodyPr vert="horz" wrap="square" lIns="91440" tIns="45720" rIns="91440" bIns="45720" numCol="1" anchor="t" anchorCtr="0" compatLnSpc="1">
+              <a:prstTxWarp prst="textNoShape">
+                <a:avLst/>
+              </a:prstTxWarp>
+            </a:bodyPr>
+            <a:lstStyle/>
+            <a:p>
+              <a:endParaRPr lang="en-AU"/>
+            </a:p>
+          </p:txBody>
+        </p:sp>
+        <p:sp>
+          <p:nvSpPr>
+            <p:cNvPr id="42" name="Line 36"/>
+            <p:cNvSpPr>
+              <a:spLocks noChangeShapeType="1"/>
+            </p:cNvSpPr>
+            <p:nvPr/>
+          </p:nvSpPr>
+          <p:spPr bwMode="auto">
+            <a:xfrm flipH="1">
+              <a:off x="5222" y="720"/>
+              <a:ext cx="23" cy="0"/>
+            </a:xfrm>
+            <a:prstGeom prst="line">
+              <a:avLst/>
+            </a:prstGeom>
+            <a:noFill/>
+            <a:ln w="34925" cap="flat">
+              <a:solidFill>
+                <a:srgbClr val="262626"/>
+              </a:solidFill>
+              <a:prstDash val="solid"/>
+              <a:round/>
+              <a:headEnd/>
+              <a:tailEnd/>
+            </a:ln>
+            <a:extLst>
+              <a:ext uri="{909E8E84-426E-40DD-AFC4-6F175D3DCCD1}">
+                <a14:hiddenFill xmlns:a14="http://schemas.microsoft.com/office/drawing/2010/main">
+                  <a:noFill/>
+                </a14:hiddenFill>
+              </a:ext>
+            </a:extLst>
+          </p:spPr>
+          <p:txBody>
+            <a:bodyPr vert="horz" wrap="square" lIns="91440" tIns="45720" rIns="91440" bIns="45720" numCol="1" anchor="t" anchorCtr="0" compatLnSpc="1">
+              <a:prstTxWarp prst="textNoShape">
+                <a:avLst/>
+              </a:prstTxWarp>
+            </a:bodyPr>
+            <a:lstStyle/>
+            <a:p>
+              <a:endParaRPr lang="en-AU"/>
+            </a:p>
+          </p:txBody>
+        </p:sp>
+        <p:sp>
+          <p:nvSpPr>
+            <p:cNvPr id="43" name="Line 37"/>
+            <p:cNvSpPr>
+              <a:spLocks noChangeShapeType="1"/>
+            </p:cNvSpPr>
+            <p:nvPr/>
+          </p:nvSpPr>
+          <p:spPr bwMode="auto">
+            <a:xfrm flipH="1">
+              <a:off x="5222" y="296"/>
+              <a:ext cx="23" cy="0"/>
+            </a:xfrm>
+            <a:prstGeom prst="line">
+              <a:avLst/>
+            </a:prstGeom>
+            <a:noFill/>
+            <a:ln w="34925" cap="flat">
+              <a:solidFill>
+                <a:srgbClr val="262626"/>
+              </a:solidFill>
+              <a:prstDash val="solid"/>
+              <a:round/>
+              <a:headEnd/>
+              <a:tailEnd/>
+            </a:ln>
+            <a:extLst>
+              <a:ext uri="{909E8E84-426E-40DD-AFC4-6F175D3DCCD1}">
+                <a14:hiddenFill xmlns:a14="http://schemas.microsoft.com/office/drawing/2010/main">
+                  <a:noFill/>
+                </a14:hiddenFill>
+              </a:ext>
+            </a:extLst>
+          </p:spPr>
+          <p:txBody>
+            <a:bodyPr vert="horz" wrap="square" lIns="91440" tIns="45720" rIns="91440" bIns="45720" numCol="1" anchor="t" anchorCtr="0" compatLnSpc="1">
+              <a:prstTxWarp prst="textNoShape">
+                <a:avLst/>
+              </a:prstTxWarp>
+            </a:bodyPr>
+            <a:lstStyle/>
+            <a:p>
+              <a:endParaRPr lang="en-AU"/>
+            </a:p>
+          </p:txBody>
+        </p:sp>
+        <p:sp>
+          <p:nvSpPr>
+            <p:cNvPr id="44" name="Rectangle 38"/>
+            <p:cNvSpPr>
+              <a:spLocks noChangeArrowheads="1"/>
+            </p:cNvSpPr>
+            <p:nvPr/>
+          </p:nvSpPr>
+          <p:spPr bwMode="auto">
+            <a:xfrm>
+              <a:off x="2802" y="1921"/>
+              <a:ext cx="134" cy="182"/>
+            </a:xfrm>
+            <a:prstGeom prst="rect">
+              <a:avLst/>
+            </a:prstGeom>
+            <a:noFill/>
+            <a:ln>
+              <a:noFill/>
+            </a:ln>
+            <a:extLst>
+              <a:ext uri="{909E8E84-426E-40DD-AFC4-6F175D3DCCD1}">
+                <a14:hiddenFill xmlns:a14="http://schemas.microsoft.com/office/drawing/2010/main">
+                  <a:solidFill>
+                    <a:srgbClr val="FFFFFF"/>
+                  </a:solidFill>
+                </a14:hiddenFill>
+              </a:ext>
+              <a:ext uri="{91240B29-F687-4F45-9708-019B960494DF}">
+                <a14:hiddenLine xmlns:a14="http://schemas.microsoft.com/office/drawing/2010/main" w="9525">
+                  <a:solidFill>
+                    <a:srgbClr val="000000"/>
+                  </a:solidFill>
+                  <a:miter lim="800000"/>
+                  <a:headEnd/>
+                  <a:tailEnd/>
+                </a14:hiddenLine>
+              </a:ext>
+            </a:extLst>
+          </p:spPr>
+          <p:txBody>
+            <a:bodyPr vert="horz" wrap="none" lIns="0" tIns="0" rIns="0" bIns="0" numCol="1" anchor="t" anchorCtr="0" compatLnSpc="1">
+              <a:prstTxWarp prst="textNoShape">
+                <a:avLst/>
+              </a:prstTxWarp>
+              <a:spAutoFit/>
+            </a:bodyPr>
+            <a:lstStyle>
+              <a:lvl1pPr eaLnBrk="0" fontAlgn="base" hangingPunct="0">
+                <a:spcBef>
+                  <a:spcPct val="0"/>
+                </a:spcBef>
+                <a:spcAft>
+                  <a:spcPct val="0"/>
+                </a:spcAft>
+                <a:defRPr>
+                  <a:solidFill>
+                    <a:schemeClr val="tx1"/>
+                  </a:solidFill>
+                  <a:latin typeface="Arial" panose="020B0604020202020204" pitchFamily="34" charset="0"/>
+                </a:defRPr>
+              </a:lvl1pPr>
+              <a:lvl2pPr marL="457200" eaLnBrk="0" fontAlgn="base" hangingPunct="0">
+                <a:spcBef>
+                  <a:spcPct val="0"/>
+                </a:spcBef>
+                <a:spcAft>
+                  <a:spcPct val="0"/>
+                </a:spcAft>
+                <a:defRPr>
+                  <a:solidFill>
+                    <a:schemeClr val="tx1"/>
+                  </a:solidFill>
+                  <a:latin typeface="Arial" panose="020B0604020202020204" pitchFamily="34" charset="0"/>
+                </a:defRPr>
+              </a:lvl2pPr>
+              <a:lvl3pPr marL="914400" eaLnBrk="0" fontAlgn="base" hangingPunct="0">
+                <a:spcBef>
+                  <a:spcPct val="0"/>
+                </a:spcBef>
+                <a:spcAft>
+                  <a:spcPct val="0"/>
+                </a:spcAft>
+                <a:defRPr>
+                  <a:solidFill>
+                    <a:schemeClr val="tx1"/>
+                  </a:solidFill>
+                  <a:latin typeface="Arial" panose="020B0604020202020204" pitchFamily="34" charset="0"/>
+                </a:defRPr>
+              </a:lvl3pPr>
+              <a:lvl4pPr marL="1371600" eaLnBrk="0" fontAlgn="base" hangingPunct="0">
+                <a:spcBef>
+                  <a:spcPct val="0"/>
+                </a:spcBef>
+                <a:spcAft>
+                  <a:spcPct val="0"/>
+                </a:spcAft>
+                <a:defRPr>
+                  <a:solidFill>
+                    <a:schemeClr val="tx1"/>
+                  </a:solidFill>
+                  <a:latin typeface="Arial" panose="020B0604020202020204" pitchFamily="34" charset="0"/>
+                </a:defRPr>
+              </a:lvl4pPr>
+              <a:lvl5pPr marL="1828800" eaLnBrk="0" fontAlgn="base" hangingPunct="0">
+                <a:spcBef>
+                  <a:spcPct val="0"/>
+                </a:spcBef>
+                <a:spcAft>
+                  <a:spcPct val="0"/>
+                </a:spcAft>
+                <a:defRPr>
+                  <a:solidFill>
+                    <a:schemeClr val="tx1"/>
+                  </a:solidFill>
+                  <a:latin typeface="Arial" panose="020B0604020202020204" pitchFamily="34" charset="0"/>
+                </a:defRPr>
+              </a:lvl5pPr>
+              <a:lvl6pPr marL="2286000" eaLnBrk="0" fontAlgn="base" hangingPunct="0">
+                <a:spcBef>
+                  <a:spcPct val="0"/>
+                </a:spcBef>
+                <a:spcAft>
+                  <a:spcPct val="0"/>
+                </a:spcAft>
+                <a:defRPr>
+                  <a:solidFill>
+                    <a:schemeClr val="tx1"/>
+                  </a:solidFill>
+                  <a:latin typeface="Arial" panose="020B0604020202020204" pitchFamily="34" charset="0"/>
+                </a:defRPr>
+              </a:lvl6pPr>
+              <a:lvl7pPr marL="2743200" eaLnBrk="0" fontAlgn="base" hangingPunct="0">
+                <a:spcBef>
+                  <a:spcPct val="0"/>
+                </a:spcBef>
+                <a:spcAft>
+                  <a:spcPct val="0"/>
+                </a:spcAft>
+                <a:defRPr>
+                  <a:solidFill>
+                    <a:schemeClr val="tx1"/>
+                  </a:solidFill>
+                  <a:latin typeface="Arial" panose="020B0604020202020204" pitchFamily="34" charset="0"/>
+                </a:defRPr>
+              </a:lvl7pPr>
+              <a:lvl8pPr marL="3200400" eaLnBrk="0" fontAlgn="base" hangingPunct="0">
+                <a:spcBef>
+                  <a:spcPct val="0"/>
+                </a:spcBef>
+                <a:spcAft>
+                  <a:spcPct val="0"/>
+                </a:spcAft>
+                <a:defRPr>
+                  <a:solidFill>
+                    <a:schemeClr val="tx1"/>
+                  </a:solidFill>
+                  <a:latin typeface="Arial" panose="020B0604020202020204" pitchFamily="34" charset="0"/>
+                </a:defRPr>
+              </a:lvl8pPr>
+              <a:lvl9pPr marL="3657600" eaLnBrk="0" fontAlgn="base" hangingPunct="0">
+                <a:spcBef>
+                  <a:spcPct val="0"/>
+                </a:spcBef>
+                <a:spcAft>
+                  <a:spcPct val="0"/>
+                </a:spcAft>
+                <a:defRPr>
+                  <a:solidFill>
+                    <a:schemeClr val="tx1"/>
+                  </a:solidFill>
+                  <a:latin typeface="Arial" panose="020B0604020202020204" pitchFamily="34" charset="0"/>
+                </a:defRPr>
+              </a:lvl9pPr>
+            </a:lstStyle>
+            <a:p>
+              <a:pPr marL="0" marR="0" lvl="0" indent="0" algn="l" defTabSz="914400" rtl="0" eaLnBrk="0" fontAlgn="base" latinLnBrk="0" hangingPunct="0">
+                <a:lnSpc>
+                  <a:spcPct val="100000"/>
+                </a:lnSpc>
+                <a:spcBef>
+                  <a:spcPct val="0"/>
+                </a:spcBef>
+                <a:spcAft>
+                  <a:spcPct val="0"/>
+                </a:spcAft>
+                <a:buClrTx/>
+                <a:buSzTx/>
+                <a:buFontTx/>
+                <a:buNone/>
+                <a:tabLst/>
+              </a:pPr>
+              <a:r>
+                <a:rPr kumimoji="0" lang="en-US" altLang="en-US" sz="1600" b="0" i="0" u="none" strike="noStrike" cap="none" normalizeH="0" baseline="0" smtClean="0">
+                  <a:ln>
+                    <a:noFill/>
+                  </a:ln>
+                  <a:solidFill>
+                    <a:srgbClr val="262626"/>
+                  </a:solidFill>
+                  <a:effectLst/>
+                  <a:latin typeface="Arial" panose="020B0604020202020204" pitchFamily="34" charset="0"/>
+                </a:rPr>
+                <a:t>0</a:t>
+              </a:r>
+              <a:endParaRPr kumimoji="0" lang="en-US" altLang="en-US" sz="1800" b="0" i="0" u="none" strike="noStrike" cap="none" normalizeH="0" baseline="0" smtClean="0">
+                <a:ln>
+                  <a:noFill/>
+                </a:ln>
+                <a:solidFill>
+                  <a:schemeClr val="tx1"/>
+                </a:solidFill>
+                <a:effectLst/>
+                <a:latin typeface="Arial" panose="020B0604020202020204" pitchFamily="34" charset="0"/>
+              </a:endParaRPr>
+            </a:p>
+          </p:txBody>
+        </p:sp>
+        <p:sp>
+          <p:nvSpPr>
+            <p:cNvPr id="45" name="Rectangle 39"/>
+            <p:cNvSpPr>
+              <a:spLocks noChangeArrowheads="1"/>
+            </p:cNvSpPr>
+            <p:nvPr/>
+          </p:nvSpPr>
+          <p:spPr bwMode="auto">
+            <a:xfrm>
+              <a:off x="2802" y="1497"/>
+              <a:ext cx="134" cy="182"/>
+            </a:xfrm>
+            <a:prstGeom prst="rect">
+              <a:avLst/>
+            </a:prstGeom>
+            <a:noFill/>
+            <a:ln>
+              <a:noFill/>
+            </a:ln>
+            <a:extLst>
+              <a:ext uri="{909E8E84-426E-40DD-AFC4-6F175D3DCCD1}">
+                <a14:hiddenFill xmlns:a14="http://schemas.microsoft.com/office/drawing/2010/main">
+                  <a:solidFill>
+                    <a:srgbClr val="FFFFFF"/>
+                  </a:solidFill>
+                </a14:hiddenFill>
+              </a:ext>
+              <a:ext uri="{91240B29-F687-4F45-9708-019B960494DF}">
+                <a14:hiddenLine xmlns:a14="http://schemas.microsoft.com/office/drawing/2010/main" w="9525">
+                  <a:solidFill>
+                    <a:srgbClr val="000000"/>
+                  </a:solidFill>
+                  <a:miter lim="800000"/>
+                  <a:headEnd/>
+                  <a:tailEnd/>
+                </a14:hiddenLine>
+              </a:ext>
+            </a:extLst>
+          </p:spPr>
+          <p:txBody>
+            <a:bodyPr vert="horz" wrap="none" lIns="0" tIns="0" rIns="0" bIns="0" numCol="1" anchor="t" anchorCtr="0" compatLnSpc="1">
+              <a:prstTxWarp prst="textNoShape">
+                <a:avLst/>
+              </a:prstTxWarp>
+              <a:spAutoFit/>
+            </a:bodyPr>
+            <a:lstStyle>
+              <a:lvl1pPr eaLnBrk="0" fontAlgn="base" hangingPunct="0">
+                <a:spcBef>
+                  <a:spcPct val="0"/>
+                </a:spcBef>
+                <a:spcAft>
+                  <a:spcPct val="0"/>
+                </a:spcAft>
+                <a:defRPr>
+                  <a:solidFill>
+                    <a:schemeClr val="tx1"/>
+                  </a:solidFill>
+                  <a:latin typeface="Arial" panose="020B0604020202020204" pitchFamily="34" charset="0"/>
+                </a:defRPr>
+              </a:lvl1pPr>
+              <a:lvl2pPr marL="457200" eaLnBrk="0" fontAlgn="base" hangingPunct="0">
+                <a:spcBef>
+                  <a:spcPct val="0"/>
+                </a:spcBef>
+                <a:spcAft>
+                  <a:spcPct val="0"/>
+                </a:spcAft>
+                <a:defRPr>
+                  <a:solidFill>
+                    <a:schemeClr val="tx1"/>
+                  </a:solidFill>
+                  <a:latin typeface="Arial" panose="020B0604020202020204" pitchFamily="34" charset="0"/>
+                </a:defRPr>
+              </a:lvl2pPr>
+              <a:lvl3pPr marL="914400" eaLnBrk="0" fontAlgn="base" hangingPunct="0">
+                <a:spcBef>
+                  <a:spcPct val="0"/>
+                </a:spcBef>
+                <a:spcAft>
+                  <a:spcPct val="0"/>
+                </a:spcAft>
+                <a:defRPr>
+                  <a:solidFill>
+                    <a:schemeClr val="tx1"/>
+                  </a:solidFill>
+                  <a:latin typeface="Arial" panose="020B0604020202020204" pitchFamily="34" charset="0"/>
+                </a:defRPr>
+              </a:lvl3pPr>
+              <a:lvl4pPr marL="1371600" eaLnBrk="0" fontAlgn="base" hangingPunct="0">
+                <a:spcBef>
+                  <a:spcPct val="0"/>
+                </a:spcBef>
+                <a:spcAft>
+                  <a:spcPct val="0"/>
+                </a:spcAft>
+                <a:defRPr>
+                  <a:solidFill>
+                    <a:schemeClr val="tx1"/>
+                  </a:solidFill>
+                  <a:latin typeface="Arial" panose="020B0604020202020204" pitchFamily="34" charset="0"/>
+                </a:defRPr>
+              </a:lvl4pPr>
+              <a:lvl5pPr marL="1828800" eaLnBrk="0" fontAlgn="base" hangingPunct="0">
+                <a:spcBef>
+                  <a:spcPct val="0"/>
+                </a:spcBef>
+                <a:spcAft>
+                  <a:spcPct val="0"/>
+                </a:spcAft>
+                <a:defRPr>
+                  <a:solidFill>
+                    <a:schemeClr val="tx1"/>
+                  </a:solidFill>
+                  <a:latin typeface="Arial" panose="020B0604020202020204" pitchFamily="34" charset="0"/>
+                </a:defRPr>
+              </a:lvl5pPr>
+              <a:lvl6pPr marL="2286000" eaLnBrk="0" fontAlgn="base" hangingPunct="0">
+                <a:spcBef>
+                  <a:spcPct val="0"/>
+                </a:spcBef>
+                <a:spcAft>
+                  <a:spcPct val="0"/>
+                </a:spcAft>
+                <a:defRPr>
+                  <a:solidFill>
+                    <a:schemeClr val="tx1"/>
+                  </a:solidFill>
+                  <a:latin typeface="Arial" panose="020B0604020202020204" pitchFamily="34" charset="0"/>
+                </a:defRPr>
+              </a:lvl6pPr>
+              <a:lvl7pPr marL="2743200" eaLnBrk="0" fontAlgn="base" hangingPunct="0">
+                <a:spcBef>
+                  <a:spcPct val="0"/>
+                </a:spcBef>
+                <a:spcAft>
+                  <a:spcPct val="0"/>
+                </a:spcAft>
+                <a:defRPr>
+                  <a:solidFill>
+                    <a:schemeClr val="tx1"/>
+                  </a:solidFill>
+                  <a:latin typeface="Arial" panose="020B0604020202020204" pitchFamily="34" charset="0"/>
+                </a:defRPr>
+              </a:lvl7pPr>
+              <a:lvl8pPr marL="3200400" eaLnBrk="0" fontAlgn="base" hangingPunct="0">
+                <a:spcBef>
+                  <a:spcPct val="0"/>
+                </a:spcBef>
+                <a:spcAft>
+                  <a:spcPct val="0"/>
+                </a:spcAft>
+                <a:defRPr>
+                  <a:solidFill>
+                    <a:schemeClr val="tx1"/>
+                  </a:solidFill>
+                  <a:latin typeface="Arial" panose="020B0604020202020204" pitchFamily="34" charset="0"/>
+                </a:defRPr>
+              </a:lvl8pPr>
+              <a:lvl9pPr marL="3657600" eaLnBrk="0" fontAlgn="base" hangingPunct="0">
+                <a:spcBef>
+                  <a:spcPct val="0"/>
+                </a:spcBef>
+                <a:spcAft>
+                  <a:spcPct val="0"/>
+                </a:spcAft>
+                <a:defRPr>
+                  <a:solidFill>
+                    <a:schemeClr val="tx1"/>
+                  </a:solidFill>
+                  <a:latin typeface="Arial" panose="020B0604020202020204" pitchFamily="34" charset="0"/>
+                </a:defRPr>
+              </a:lvl9pPr>
+            </a:lstStyle>
+            <a:p>
+              <a:pPr marL="0" marR="0" lvl="0" indent="0" algn="l" defTabSz="914400" rtl="0" eaLnBrk="0" fontAlgn="base" latinLnBrk="0" hangingPunct="0">
+                <a:lnSpc>
+                  <a:spcPct val="100000"/>
+                </a:lnSpc>
+                <a:spcBef>
+                  <a:spcPct val="0"/>
+                </a:spcBef>
+                <a:spcAft>
+                  <a:spcPct val="0"/>
+                </a:spcAft>
+                <a:buClrTx/>
+                <a:buSzTx/>
+                <a:buFontTx/>
+                <a:buNone/>
+                <a:tabLst/>
+              </a:pPr>
+              <a:r>
+                <a:rPr kumimoji="0" lang="en-US" altLang="en-US" sz="1600" b="0" i="0" u="none" strike="noStrike" cap="none" normalizeH="0" baseline="0" smtClean="0">
+                  <a:ln>
+                    <a:noFill/>
+                  </a:ln>
+                  <a:solidFill>
+                    <a:srgbClr val="262626"/>
+                  </a:solidFill>
+                  <a:effectLst/>
+                  <a:latin typeface="Arial" panose="020B0604020202020204" pitchFamily="34" charset="0"/>
+                </a:rPr>
+                <a:t>1</a:t>
+              </a:r>
+              <a:endParaRPr kumimoji="0" lang="en-US" altLang="en-US" sz="1800" b="0" i="0" u="none" strike="noStrike" cap="none" normalizeH="0" baseline="0" smtClean="0">
+                <a:ln>
+                  <a:noFill/>
+                </a:ln>
+                <a:solidFill>
+                  <a:schemeClr val="tx1"/>
+                </a:solidFill>
+                <a:effectLst/>
+                <a:latin typeface="Arial" panose="020B0604020202020204" pitchFamily="34" charset="0"/>
+              </a:endParaRPr>
+            </a:p>
+          </p:txBody>
+        </p:sp>
+        <p:sp>
+          <p:nvSpPr>
+            <p:cNvPr id="46" name="Rectangle 40"/>
+            <p:cNvSpPr>
+              <a:spLocks noChangeArrowheads="1"/>
+            </p:cNvSpPr>
+            <p:nvPr/>
+          </p:nvSpPr>
+          <p:spPr bwMode="auto">
+            <a:xfrm>
+              <a:off x="2802" y="1074"/>
+              <a:ext cx="134" cy="182"/>
+            </a:xfrm>
+            <a:prstGeom prst="rect">
+              <a:avLst/>
+            </a:prstGeom>
+            <a:noFill/>
+            <a:ln>
+              <a:noFill/>
+            </a:ln>
+            <a:extLst>
+              <a:ext uri="{909E8E84-426E-40DD-AFC4-6F175D3DCCD1}">
+                <a14:hiddenFill xmlns:a14="http://schemas.microsoft.com/office/drawing/2010/main">
+                  <a:solidFill>
+                    <a:srgbClr val="FFFFFF"/>
+                  </a:solidFill>
+                </a14:hiddenFill>
+              </a:ext>
+              <a:ext uri="{91240B29-F687-4F45-9708-019B960494DF}">
+                <a14:hiddenLine xmlns:a14="http://schemas.microsoft.com/office/drawing/2010/main" w="9525">
+                  <a:solidFill>
+                    <a:srgbClr val="000000"/>
+                  </a:solidFill>
+                  <a:miter lim="800000"/>
+                  <a:headEnd/>
+                  <a:tailEnd/>
+                </a14:hiddenLine>
+              </a:ext>
+            </a:extLst>
+          </p:spPr>
+          <p:txBody>
+            <a:bodyPr vert="horz" wrap="none" lIns="0" tIns="0" rIns="0" bIns="0" numCol="1" anchor="t" anchorCtr="0" compatLnSpc="1">
+              <a:prstTxWarp prst="textNoShape">
+                <a:avLst/>
+              </a:prstTxWarp>
+              <a:spAutoFit/>
+            </a:bodyPr>
+            <a:lstStyle>
+              <a:lvl1pPr eaLnBrk="0" fontAlgn="base" hangingPunct="0">
+                <a:spcBef>
+                  <a:spcPct val="0"/>
+                </a:spcBef>
+                <a:spcAft>
+                  <a:spcPct val="0"/>
+                </a:spcAft>
+                <a:defRPr>
+                  <a:solidFill>
+                    <a:schemeClr val="tx1"/>
+                  </a:solidFill>
+                  <a:latin typeface="Arial" panose="020B0604020202020204" pitchFamily="34" charset="0"/>
+                </a:defRPr>
+              </a:lvl1pPr>
+              <a:lvl2pPr marL="457200" eaLnBrk="0" fontAlgn="base" hangingPunct="0">
+                <a:spcBef>
+                  <a:spcPct val="0"/>
+                </a:spcBef>
+                <a:spcAft>
+                  <a:spcPct val="0"/>
+                </a:spcAft>
+                <a:defRPr>
+                  <a:solidFill>
+                    <a:schemeClr val="tx1"/>
+                  </a:solidFill>
+                  <a:latin typeface="Arial" panose="020B0604020202020204" pitchFamily="34" charset="0"/>
+                </a:defRPr>
+              </a:lvl2pPr>
+              <a:lvl3pPr marL="914400" eaLnBrk="0" fontAlgn="base" hangingPunct="0">
+                <a:spcBef>
+                  <a:spcPct val="0"/>
+                </a:spcBef>
+                <a:spcAft>
+                  <a:spcPct val="0"/>
+                </a:spcAft>
+                <a:defRPr>
+                  <a:solidFill>
+                    <a:schemeClr val="tx1"/>
+                  </a:solidFill>
+                  <a:latin typeface="Arial" panose="020B0604020202020204" pitchFamily="34" charset="0"/>
+                </a:defRPr>
+              </a:lvl3pPr>
+              <a:lvl4pPr marL="1371600" eaLnBrk="0" fontAlgn="base" hangingPunct="0">
+                <a:spcBef>
+                  <a:spcPct val="0"/>
+                </a:spcBef>
+                <a:spcAft>
+                  <a:spcPct val="0"/>
+                </a:spcAft>
+                <a:defRPr>
+                  <a:solidFill>
+                    <a:schemeClr val="tx1"/>
+                  </a:solidFill>
+                  <a:latin typeface="Arial" panose="020B0604020202020204" pitchFamily="34" charset="0"/>
+                </a:defRPr>
+              </a:lvl4pPr>
+              <a:lvl5pPr marL="1828800" eaLnBrk="0" fontAlgn="base" hangingPunct="0">
+                <a:spcBef>
+                  <a:spcPct val="0"/>
+                </a:spcBef>
+                <a:spcAft>
+                  <a:spcPct val="0"/>
+                </a:spcAft>
+                <a:defRPr>
+                  <a:solidFill>
+                    <a:schemeClr val="tx1"/>
+                  </a:solidFill>
+                  <a:latin typeface="Arial" panose="020B0604020202020204" pitchFamily="34" charset="0"/>
+                </a:defRPr>
+              </a:lvl5pPr>
+              <a:lvl6pPr marL="2286000" eaLnBrk="0" fontAlgn="base" hangingPunct="0">
+                <a:spcBef>
+                  <a:spcPct val="0"/>
+                </a:spcBef>
+                <a:spcAft>
+                  <a:spcPct val="0"/>
+                </a:spcAft>
+                <a:defRPr>
+                  <a:solidFill>
+                    <a:schemeClr val="tx1"/>
+                  </a:solidFill>
+                  <a:latin typeface="Arial" panose="020B0604020202020204" pitchFamily="34" charset="0"/>
+                </a:defRPr>
+              </a:lvl6pPr>
+              <a:lvl7pPr marL="2743200" eaLnBrk="0" fontAlgn="base" hangingPunct="0">
+                <a:spcBef>
+                  <a:spcPct val="0"/>
+                </a:spcBef>
+                <a:spcAft>
+                  <a:spcPct val="0"/>
+                </a:spcAft>
+                <a:defRPr>
+                  <a:solidFill>
+                    <a:schemeClr val="tx1"/>
+                  </a:solidFill>
+                  <a:latin typeface="Arial" panose="020B0604020202020204" pitchFamily="34" charset="0"/>
+                </a:defRPr>
+              </a:lvl7pPr>
+              <a:lvl8pPr marL="3200400" eaLnBrk="0" fontAlgn="base" hangingPunct="0">
+                <a:spcBef>
+                  <a:spcPct val="0"/>
+                </a:spcBef>
+                <a:spcAft>
+                  <a:spcPct val="0"/>
+                </a:spcAft>
+                <a:defRPr>
+                  <a:solidFill>
+                    <a:schemeClr val="tx1"/>
+                  </a:solidFill>
+                  <a:latin typeface="Arial" panose="020B0604020202020204" pitchFamily="34" charset="0"/>
+                </a:defRPr>
+              </a:lvl8pPr>
+              <a:lvl9pPr marL="3657600" eaLnBrk="0" fontAlgn="base" hangingPunct="0">
+                <a:spcBef>
+                  <a:spcPct val="0"/>
+                </a:spcBef>
+                <a:spcAft>
+                  <a:spcPct val="0"/>
+                </a:spcAft>
+                <a:defRPr>
+                  <a:solidFill>
+                    <a:schemeClr val="tx1"/>
+                  </a:solidFill>
+                  <a:latin typeface="Arial" panose="020B0604020202020204" pitchFamily="34" charset="0"/>
+                </a:defRPr>
+              </a:lvl9pPr>
+            </a:lstStyle>
+            <a:p>
+              <a:pPr marL="0" marR="0" lvl="0" indent="0" algn="l" defTabSz="914400" rtl="0" eaLnBrk="0" fontAlgn="base" latinLnBrk="0" hangingPunct="0">
+                <a:lnSpc>
+                  <a:spcPct val="100000"/>
+                </a:lnSpc>
+                <a:spcBef>
+                  <a:spcPct val="0"/>
+                </a:spcBef>
+                <a:spcAft>
+                  <a:spcPct val="0"/>
+                </a:spcAft>
+                <a:buClrTx/>
+                <a:buSzTx/>
+                <a:buFontTx/>
+                <a:buNone/>
+                <a:tabLst/>
+              </a:pPr>
+              <a:r>
+                <a:rPr kumimoji="0" lang="en-US" altLang="en-US" sz="1600" b="0" i="0" u="none" strike="noStrike" cap="none" normalizeH="0" baseline="0" smtClean="0">
+                  <a:ln>
+                    <a:noFill/>
+                  </a:ln>
+                  <a:solidFill>
+                    <a:srgbClr val="262626"/>
+                  </a:solidFill>
+                  <a:effectLst/>
+                  <a:latin typeface="Arial" panose="020B0604020202020204" pitchFamily="34" charset="0"/>
+                </a:rPr>
+                <a:t>2</a:t>
+              </a:r>
+              <a:endParaRPr kumimoji="0" lang="en-US" altLang="en-US" sz="1800" b="0" i="0" u="none" strike="noStrike" cap="none" normalizeH="0" baseline="0" smtClean="0">
+                <a:ln>
+                  <a:noFill/>
+                </a:ln>
+                <a:solidFill>
+                  <a:schemeClr val="tx1"/>
+                </a:solidFill>
+                <a:effectLst/>
+                <a:latin typeface="Arial" panose="020B0604020202020204" pitchFamily="34" charset="0"/>
+              </a:endParaRPr>
+            </a:p>
+          </p:txBody>
+        </p:sp>
+        <p:sp>
+          <p:nvSpPr>
+            <p:cNvPr id="47" name="Rectangle 41"/>
+            <p:cNvSpPr>
+              <a:spLocks noChangeArrowheads="1"/>
+            </p:cNvSpPr>
+            <p:nvPr/>
+          </p:nvSpPr>
+          <p:spPr bwMode="auto">
+            <a:xfrm>
+              <a:off x="2802" y="650"/>
+              <a:ext cx="134" cy="182"/>
+            </a:xfrm>
+            <a:prstGeom prst="rect">
+              <a:avLst/>
+            </a:prstGeom>
+            <a:noFill/>
+            <a:ln>
+              <a:noFill/>
+            </a:ln>
+            <a:extLst>
+              <a:ext uri="{909E8E84-426E-40DD-AFC4-6F175D3DCCD1}">
+                <a14:hiddenFill xmlns:a14="http://schemas.microsoft.com/office/drawing/2010/main">
+                  <a:solidFill>
+                    <a:srgbClr val="FFFFFF"/>
+                  </a:solidFill>
+                </a14:hiddenFill>
+              </a:ext>
+              <a:ext uri="{91240B29-F687-4F45-9708-019B960494DF}">
+                <a14:hiddenLine xmlns:a14="http://schemas.microsoft.com/office/drawing/2010/main" w="9525">
+                  <a:solidFill>
+                    <a:srgbClr val="000000"/>
+                  </a:solidFill>
+                  <a:miter lim="800000"/>
+                  <a:headEnd/>
+                  <a:tailEnd/>
+                </a14:hiddenLine>
+              </a:ext>
+            </a:extLst>
+          </p:spPr>
+          <p:txBody>
+            <a:bodyPr vert="horz" wrap="none" lIns="0" tIns="0" rIns="0" bIns="0" numCol="1" anchor="t" anchorCtr="0" compatLnSpc="1">
+              <a:prstTxWarp prst="textNoShape">
+                <a:avLst/>
+              </a:prstTxWarp>
+              <a:spAutoFit/>
+            </a:bodyPr>
+            <a:lstStyle>
+              <a:lvl1pPr eaLnBrk="0" fontAlgn="base" hangingPunct="0">
+                <a:spcBef>
+                  <a:spcPct val="0"/>
+                </a:spcBef>
+                <a:spcAft>
+                  <a:spcPct val="0"/>
+                </a:spcAft>
+                <a:defRPr>
+                  <a:solidFill>
+                    <a:schemeClr val="tx1"/>
+                  </a:solidFill>
+                  <a:latin typeface="Arial" panose="020B0604020202020204" pitchFamily="34" charset="0"/>
+                </a:defRPr>
+              </a:lvl1pPr>
+              <a:lvl2pPr marL="457200" eaLnBrk="0" fontAlgn="base" hangingPunct="0">
+                <a:spcBef>
+                  <a:spcPct val="0"/>
+                </a:spcBef>
+                <a:spcAft>
+                  <a:spcPct val="0"/>
+                </a:spcAft>
+                <a:defRPr>
+                  <a:solidFill>
+                    <a:schemeClr val="tx1"/>
+                  </a:solidFill>
+                  <a:latin typeface="Arial" panose="020B0604020202020204" pitchFamily="34" charset="0"/>
+                </a:defRPr>
+              </a:lvl2pPr>
+              <a:lvl3pPr marL="914400" eaLnBrk="0" fontAlgn="base" hangingPunct="0">
+                <a:spcBef>
+                  <a:spcPct val="0"/>
+                </a:spcBef>
+                <a:spcAft>
+                  <a:spcPct val="0"/>
+                </a:spcAft>
+                <a:defRPr>
+                  <a:solidFill>
+                    <a:schemeClr val="tx1"/>
+                  </a:solidFill>
+                  <a:latin typeface="Arial" panose="020B0604020202020204" pitchFamily="34" charset="0"/>
+                </a:defRPr>
+              </a:lvl3pPr>
+              <a:lvl4pPr marL="1371600" eaLnBrk="0" fontAlgn="base" hangingPunct="0">
+                <a:spcBef>
+                  <a:spcPct val="0"/>
+                </a:spcBef>
+                <a:spcAft>
+                  <a:spcPct val="0"/>
+                </a:spcAft>
+                <a:defRPr>
+                  <a:solidFill>
+                    <a:schemeClr val="tx1"/>
+                  </a:solidFill>
+                  <a:latin typeface="Arial" panose="020B0604020202020204" pitchFamily="34" charset="0"/>
+                </a:defRPr>
+              </a:lvl4pPr>
+              <a:lvl5pPr marL="1828800" eaLnBrk="0" fontAlgn="base" hangingPunct="0">
+                <a:spcBef>
+                  <a:spcPct val="0"/>
+                </a:spcBef>
+                <a:spcAft>
+                  <a:spcPct val="0"/>
+                </a:spcAft>
+                <a:defRPr>
+                  <a:solidFill>
+                    <a:schemeClr val="tx1"/>
+                  </a:solidFill>
+                  <a:latin typeface="Arial" panose="020B0604020202020204" pitchFamily="34" charset="0"/>
+                </a:defRPr>
+              </a:lvl5pPr>
+              <a:lvl6pPr marL="2286000" eaLnBrk="0" fontAlgn="base" hangingPunct="0">
+                <a:spcBef>
+                  <a:spcPct val="0"/>
+                </a:spcBef>
+                <a:spcAft>
+                  <a:spcPct val="0"/>
+                </a:spcAft>
+                <a:defRPr>
+                  <a:solidFill>
+                    <a:schemeClr val="tx1"/>
+                  </a:solidFill>
+                  <a:latin typeface="Arial" panose="020B0604020202020204" pitchFamily="34" charset="0"/>
+                </a:defRPr>
+              </a:lvl6pPr>
+              <a:lvl7pPr marL="2743200" eaLnBrk="0" fontAlgn="base" hangingPunct="0">
+                <a:spcBef>
+                  <a:spcPct val="0"/>
+                </a:spcBef>
+                <a:spcAft>
+                  <a:spcPct val="0"/>
+                </a:spcAft>
+                <a:defRPr>
+                  <a:solidFill>
+                    <a:schemeClr val="tx1"/>
+                  </a:solidFill>
+                  <a:latin typeface="Arial" panose="020B0604020202020204" pitchFamily="34" charset="0"/>
+                </a:defRPr>
+              </a:lvl7pPr>
+              <a:lvl8pPr marL="3200400" eaLnBrk="0" fontAlgn="base" hangingPunct="0">
+                <a:spcBef>
+                  <a:spcPct val="0"/>
+                </a:spcBef>
+                <a:spcAft>
+                  <a:spcPct val="0"/>
+                </a:spcAft>
+                <a:defRPr>
+                  <a:solidFill>
+                    <a:schemeClr val="tx1"/>
+                  </a:solidFill>
+                  <a:latin typeface="Arial" panose="020B0604020202020204" pitchFamily="34" charset="0"/>
+                </a:defRPr>
+              </a:lvl8pPr>
+              <a:lvl9pPr marL="3657600" eaLnBrk="0" fontAlgn="base" hangingPunct="0">
+                <a:spcBef>
+                  <a:spcPct val="0"/>
+                </a:spcBef>
+                <a:spcAft>
+                  <a:spcPct val="0"/>
+                </a:spcAft>
+                <a:defRPr>
+                  <a:solidFill>
+                    <a:schemeClr val="tx1"/>
+                  </a:solidFill>
+                  <a:latin typeface="Arial" panose="020B0604020202020204" pitchFamily="34" charset="0"/>
+                </a:defRPr>
+              </a:lvl9pPr>
+            </a:lstStyle>
+            <a:p>
+              <a:pPr marL="0" marR="0" lvl="0" indent="0" algn="l" defTabSz="914400" rtl="0" eaLnBrk="0" fontAlgn="base" latinLnBrk="0" hangingPunct="0">
+                <a:lnSpc>
+                  <a:spcPct val="100000"/>
+                </a:lnSpc>
+                <a:spcBef>
+                  <a:spcPct val="0"/>
+                </a:spcBef>
+                <a:spcAft>
+                  <a:spcPct val="0"/>
+                </a:spcAft>
+                <a:buClrTx/>
+                <a:buSzTx/>
+                <a:buFontTx/>
+                <a:buNone/>
+                <a:tabLst/>
+              </a:pPr>
+              <a:r>
+                <a:rPr kumimoji="0" lang="en-US" altLang="en-US" sz="1600" b="0" i="0" u="none" strike="noStrike" cap="none" normalizeH="0" baseline="0" smtClean="0">
+                  <a:ln>
+                    <a:noFill/>
+                  </a:ln>
+                  <a:solidFill>
+                    <a:srgbClr val="262626"/>
+                  </a:solidFill>
+                  <a:effectLst/>
+                  <a:latin typeface="Arial" panose="020B0604020202020204" pitchFamily="34" charset="0"/>
+                </a:rPr>
+                <a:t>3</a:t>
+              </a:r>
+              <a:endParaRPr kumimoji="0" lang="en-US" altLang="en-US" sz="1800" b="0" i="0" u="none" strike="noStrike" cap="none" normalizeH="0" baseline="0" smtClean="0">
+                <a:ln>
+                  <a:noFill/>
+                </a:ln>
+                <a:solidFill>
+                  <a:schemeClr val="tx1"/>
+                </a:solidFill>
+                <a:effectLst/>
+                <a:latin typeface="Arial" panose="020B0604020202020204" pitchFamily="34" charset="0"/>
+              </a:endParaRPr>
+            </a:p>
+          </p:txBody>
+        </p:sp>
+        <p:sp>
+          <p:nvSpPr>
+            <p:cNvPr id="48" name="Rectangle 42"/>
+            <p:cNvSpPr>
+              <a:spLocks noChangeArrowheads="1"/>
+            </p:cNvSpPr>
+            <p:nvPr/>
+          </p:nvSpPr>
+          <p:spPr bwMode="auto">
+            <a:xfrm>
+              <a:off x="2802" y="227"/>
+              <a:ext cx="134" cy="182"/>
+            </a:xfrm>
+            <a:prstGeom prst="rect">
+              <a:avLst/>
+            </a:prstGeom>
+            <a:noFill/>
+            <a:ln>
+              <a:noFill/>
+            </a:ln>
+            <a:extLst>
+              <a:ext uri="{909E8E84-426E-40DD-AFC4-6F175D3DCCD1}">
+                <a14:hiddenFill xmlns:a14="http://schemas.microsoft.com/office/drawing/2010/main">
+                  <a:solidFill>
+                    <a:srgbClr val="FFFFFF"/>
+                  </a:solidFill>
+                </a14:hiddenFill>
+              </a:ext>
+              <a:ext uri="{91240B29-F687-4F45-9708-019B960494DF}">
+                <a14:hiddenLine xmlns:a14="http://schemas.microsoft.com/office/drawing/2010/main" w="9525">
+                  <a:solidFill>
+                    <a:srgbClr val="000000"/>
+                  </a:solidFill>
+                  <a:miter lim="800000"/>
+                  <a:headEnd/>
+                  <a:tailEnd/>
+                </a14:hiddenLine>
+              </a:ext>
+            </a:extLst>
+          </p:spPr>
+          <p:txBody>
+            <a:bodyPr vert="horz" wrap="none" lIns="0" tIns="0" rIns="0" bIns="0" numCol="1" anchor="t" anchorCtr="0" compatLnSpc="1">
+              <a:prstTxWarp prst="textNoShape">
+                <a:avLst/>
+              </a:prstTxWarp>
+              <a:spAutoFit/>
+            </a:bodyPr>
+            <a:lstStyle>
+              <a:lvl1pPr eaLnBrk="0" fontAlgn="base" hangingPunct="0">
+                <a:spcBef>
+                  <a:spcPct val="0"/>
+                </a:spcBef>
+                <a:spcAft>
+                  <a:spcPct val="0"/>
+                </a:spcAft>
+                <a:defRPr>
+                  <a:solidFill>
+                    <a:schemeClr val="tx1"/>
+                  </a:solidFill>
+                  <a:latin typeface="Arial" panose="020B0604020202020204" pitchFamily="34" charset="0"/>
+                </a:defRPr>
+              </a:lvl1pPr>
+              <a:lvl2pPr marL="457200" eaLnBrk="0" fontAlgn="base" hangingPunct="0">
+                <a:spcBef>
+                  <a:spcPct val="0"/>
+                </a:spcBef>
+                <a:spcAft>
+                  <a:spcPct val="0"/>
+                </a:spcAft>
+                <a:defRPr>
+                  <a:solidFill>
+                    <a:schemeClr val="tx1"/>
+                  </a:solidFill>
+                  <a:latin typeface="Arial" panose="020B0604020202020204" pitchFamily="34" charset="0"/>
+                </a:defRPr>
+              </a:lvl2pPr>
+              <a:lvl3pPr marL="914400" eaLnBrk="0" fontAlgn="base" hangingPunct="0">
+                <a:spcBef>
+                  <a:spcPct val="0"/>
+                </a:spcBef>
+                <a:spcAft>
+                  <a:spcPct val="0"/>
+                </a:spcAft>
+                <a:defRPr>
+                  <a:solidFill>
+                    <a:schemeClr val="tx1"/>
+                  </a:solidFill>
+                  <a:latin typeface="Arial" panose="020B0604020202020204" pitchFamily="34" charset="0"/>
+                </a:defRPr>
+              </a:lvl3pPr>
+              <a:lvl4pPr marL="1371600" eaLnBrk="0" fontAlgn="base" hangingPunct="0">
+                <a:spcBef>
+                  <a:spcPct val="0"/>
+                </a:spcBef>
+                <a:spcAft>
+                  <a:spcPct val="0"/>
+                </a:spcAft>
+                <a:defRPr>
+                  <a:solidFill>
+                    <a:schemeClr val="tx1"/>
+                  </a:solidFill>
+                  <a:latin typeface="Arial" panose="020B0604020202020204" pitchFamily="34" charset="0"/>
+                </a:defRPr>
+              </a:lvl4pPr>
+              <a:lvl5pPr marL="1828800" eaLnBrk="0" fontAlgn="base" hangingPunct="0">
+                <a:spcBef>
+                  <a:spcPct val="0"/>
+                </a:spcBef>
+                <a:spcAft>
+                  <a:spcPct val="0"/>
+                </a:spcAft>
+                <a:defRPr>
+                  <a:solidFill>
+                    <a:schemeClr val="tx1"/>
+                  </a:solidFill>
+                  <a:latin typeface="Arial" panose="020B0604020202020204" pitchFamily="34" charset="0"/>
+                </a:defRPr>
+              </a:lvl5pPr>
+              <a:lvl6pPr marL="2286000" eaLnBrk="0" fontAlgn="base" hangingPunct="0">
+                <a:spcBef>
+                  <a:spcPct val="0"/>
+                </a:spcBef>
+                <a:spcAft>
+                  <a:spcPct val="0"/>
+                </a:spcAft>
+                <a:defRPr>
+                  <a:solidFill>
+                    <a:schemeClr val="tx1"/>
+                  </a:solidFill>
+                  <a:latin typeface="Arial" panose="020B0604020202020204" pitchFamily="34" charset="0"/>
+                </a:defRPr>
+              </a:lvl6pPr>
+              <a:lvl7pPr marL="2743200" eaLnBrk="0" fontAlgn="base" hangingPunct="0">
+                <a:spcBef>
+                  <a:spcPct val="0"/>
+                </a:spcBef>
+                <a:spcAft>
+                  <a:spcPct val="0"/>
+                </a:spcAft>
+                <a:defRPr>
+                  <a:solidFill>
+                    <a:schemeClr val="tx1"/>
+                  </a:solidFill>
+                  <a:latin typeface="Arial" panose="020B0604020202020204" pitchFamily="34" charset="0"/>
+                </a:defRPr>
+              </a:lvl7pPr>
+              <a:lvl8pPr marL="3200400" eaLnBrk="0" fontAlgn="base" hangingPunct="0">
+                <a:spcBef>
+                  <a:spcPct val="0"/>
+                </a:spcBef>
+                <a:spcAft>
+                  <a:spcPct val="0"/>
+                </a:spcAft>
+                <a:defRPr>
+                  <a:solidFill>
+                    <a:schemeClr val="tx1"/>
+                  </a:solidFill>
+                  <a:latin typeface="Arial" panose="020B0604020202020204" pitchFamily="34" charset="0"/>
+                </a:defRPr>
+              </a:lvl8pPr>
+              <a:lvl9pPr marL="3657600" eaLnBrk="0" fontAlgn="base" hangingPunct="0">
+                <a:spcBef>
+                  <a:spcPct val="0"/>
+                </a:spcBef>
+                <a:spcAft>
+                  <a:spcPct val="0"/>
+                </a:spcAft>
+                <a:defRPr>
+                  <a:solidFill>
+                    <a:schemeClr val="tx1"/>
+                  </a:solidFill>
+                  <a:latin typeface="Arial" panose="020B0604020202020204" pitchFamily="34" charset="0"/>
+                </a:defRPr>
+              </a:lvl9pPr>
+            </a:lstStyle>
+            <a:p>
+              <a:pPr marL="0" marR="0" lvl="0" indent="0" algn="l" defTabSz="914400" rtl="0" eaLnBrk="0" fontAlgn="base" latinLnBrk="0" hangingPunct="0">
+                <a:lnSpc>
+                  <a:spcPct val="100000"/>
+                </a:lnSpc>
+                <a:spcBef>
+                  <a:spcPct val="0"/>
+                </a:spcBef>
+                <a:spcAft>
+                  <a:spcPct val="0"/>
+                </a:spcAft>
+                <a:buClrTx/>
+                <a:buSzTx/>
+                <a:buFontTx/>
+                <a:buNone/>
+                <a:tabLst/>
+              </a:pPr>
+              <a:r>
+                <a:rPr kumimoji="0" lang="en-US" altLang="en-US" sz="1600" b="0" i="0" u="none" strike="noStrike" cap="none" normalizeH="0" baseline="0" smtClean="0">
+                  <a:ln>
+                    <a:noFill/>
+                  </a:ln>
+                  <a:solidFill>
+                    <a:srgbClr val="262626"/>
+                  </a:solidFill>
+                  <a:effectLst/>
+                  <a:latin typeface="Arial" panose="020B0604020202020204" pitchFamily="34" charset="0"/>
+                </a:rPr>
+                <a:t>4</a:t>
+              </a:r>
+              <a:endParaRPr kumimoji="0" lang="en-US" altLang="en-US" sz="1800" b="0" i="0" u="none" strike="noStrike" cap="none" normalizeH="0" baseline="0" smtClean="0">
+                <a:ln>
+                  <a:noFill/>
+                </a:ln>
+                <a:solidFill>
+                  <a:schemeClr val="tx1"/>
+                </a:solidFill>
+                <a:effectLst/>
+                <a:latin typeface="Arial" panose="020B0604020202020204" pitchFamily="34" charset="0"/>
+              </a:endParaRPr>
+            </a:p>
+          </p:txBody>
+        </p:sp>
+        <p:sp>
+          <p:nvSpPr>
+            <p:cNvPr id="49" name="Rectangle 43"/>
+            <p:cNvSpPr>
+              <a:spLocks noChangeArrowheads="1"/>
+            </p:cNvSpPr>
+            <p:nvPr/>
+          </p:nvSpPr>
+          <p:spPr bwMode="auto">
+            <a:xfrm rot="16200000">
+              <a:off x="2636" y="1335"/>
+              <a:ext cx="161" cy="193"/>
+            </a:xfrm>
+            <a:prstGeom prst="rect">
+              <a:avLst/>
+            </a:prstGeom>
+            <a:noFill/>
+            <a:ln>
+              <a:noFill/>
+            </a:ln>
+            <a:extLst>
+              <a:ext uri="{909E8E84-426E-40DD-AFC4-6F175D3DCCD1}">
+                <a14:hiddenFill xmlns:a14="http://schemas.microsoft.com/office/drawing/2010/main">
+                  <a:solidFill>
+                    <a:srgbClr val="FFFFFF"/>
+                  </a:solidFill>
+                </a14:hiddenFill>
+              </a:ext>
+              <a:ext uri="{91240B29-F687-4F45-9708-019B960494DF}">
+                <a14:hiddenLine xmlns:a14="http://schemas.microsoft.com/office/drawing/2010/main" w="9525">
+                  <a:solidFill>
+                    <a:srgbClr val="000000"/>
+                  </a:solidFill>
+                  <a:miter lim="800000"/>
+                  <a:headEnd/>
+                  <a:tailEnd/>
+                </a14:hiddenLine>
+              </a:ext>
+            </a:extLst>
+          </p:spPr>
+          <p:txBody>
+            <a:bodyPr vert="horz" wrap="none" lIns="0" tIns="0" rIns="0" bIns="0" numCol="1" anchor="t" anchorCtr="0" compatLnSpc="1">
+              <a:prstTxWarp prst="textNoShape">
+                <a:avLst/>
+              </a:prstTxWarp>
+              <a:spAutoFit/>
+            </a:bodyPr>
+            <a:lstStyle>
+              <a:lvl1pPr eaLnBrk="0" fontAlgn="base" hangingPunct="0">
+                <a:spcBef>
+                  <a:spcPct val="0"/>
+                </a:spcBef>
+                <a:spcAft>
+                  <a:spcPct val="0"/>
+                </a:spcAft>
+                <a:defRPr>
+                  <a:solidFill>
+                    <a:schemeClr val="tx1"/>
+                  </a:solidFill>
+                  <a:latin typeface="Arial" panose="020B0604020202020204" pitchFamily="34" charset="0"/>
+                </a:defRPr>
+              </a:lvl1pPr>
+              <a:lvl2pPr marL="457200" eaLnBrk="0" fontAlgn="base" hangingPunct="0">
+                <a:spcBef>
+                  <a:spcPct val="0"/>
+                </a:spcBef>
+                <a:spcAft>
+                  <a:spcPct val="0"/>
+                </a:spcAft>
+                <a:defRPr>
+                  <a:solidFill>
+                    <a:schemeClr val="tx1"/>
+                  </a:solidFill>
+                  <a:latin typeface="Arial" panose="020B0604020202020204" pitchFamily="34" charset="0"/>
+                </a:defRPr>
+              </a:lvl2pPr>
+              <a:lvl3pPr marL="914400" eaLnBrk="0" fontAlgn="base" hangingPunct="0">
+                <a:spcBef>
+                  <a:spcPct val="0"/>
+                </a:spcBef>
+                <a:spcAft>
+                  <a:spcPct val="0"/>
+                </a:spcAft>
+                <a:defRPr>
+                  <a:solidFill>
+                    <a:schemeClr val="tx1"/>
+                  </a:solidFill>
+                  <a:latin typeface="Arial" panose="020B0604020202020204" pitchFamily="34" charset="0"/>
+                </a:defRPr>
+              </a:lvl3pPr>
+              <a:lvl4pPr marL="1371600" eaLnBrk="0" fontAlgn="base" hangingPunct="0">
+                <a:spcBef>
+                  <a:spcPct val="0"/>
+                </a:spcBef>
+                <a:spcAft>
+                  <a:spcPct val="0"/>
+                </a:spcAft>
+                <a:defRPr>
+                  <a:solidFill>
+                    <a:schemeClr val="tx1"/>
+                  </a:solidFill>
+                  <a:latin typeface="Arial" panose="020B0604020202020204" pitchFamily="34" charset="0"/>
+                </a:defRPr>
+              </a:lvl4pPr>
+              <a:lvl5pPr marL="1828800" eaLnBrk="0" fontAlgn="base" hangingPunct="0">
+                <a:spcBef>
+                  <a:spcPct val="0"/>
+                </a:spcBef>
+                <a:spcAft>
+                  <a:spcPct val="0"/>
+                </a:spcAft>
+                <a:defRPr>
+                  <a:solidFill>
+                    <a:schemeClr val="tx1"/>
+                  </a:solidFill>
+                  <a:latin typeface="Arial" panose="020B0604020202020204" pitchFamily="34" charset="0"/>
+                </a:defRPr>
+              </a:lvl5pPr>
+              <a:lvl6pPr marL="2286000" eaLnBrk="0" fontAlgn="base" hangingPunct="0">
+                <a:spcBef>
+                  <a:spcPct val="0"/>
+                </a:spcBef>
+                <a:spcAft>
+                  <a:spcPct val="0"/>
+                </a:spcAft>
+                <a:defRPr>
+                  <a:solidFill>
+                    <a:schemeClr val="tx1"/>
+                  </a:solidFill>
+                  <a:latin typeface="Arial" panose="020B0604020202020204" pitchFamily="34" charset="0"/>
+                </a:defRPr>
+              </a:lvl6pPr>
+              <a:lvl7pPr marL="2743200" eaLnBrk="0" fontAlgn="base" hangingPunct="0">
+                <a:spcBef>
+                  <a:spcPct val="0"/>
+                </a:spcBef>
+                <a:spcAft>
+                  <a:spcPct val="0"/>
+                </a:spcAft>
+                <a:defRPr>
+                  <a:solidFill>
+                    <a:schemeClr val="tx1"/>
+                  </a:solidFill>
+                  <a:latin typeface="Arial" panose="020B0604020202020204" pitchFamily="34" charset="0"/>
+                </a:defRPr>
+              </a:lvl7pPr>
+              <a:lvl8pPr marL="3200400" eaLnBrk="0" fontAlgn="base" hangingPunct="0">
+                <a:spcBef>
+                  <a:spcPct val="0"/>
+                </a:spcBef>
+                <a:spcAft>
+                  <a:spcPct val="0"/>
+                </a:spcAft>
+                <a:defRPr>
+                  <a:solidFill>
+                    <a:schemeClr val="tx1"/>
+                  </a:solidFill>
+                  <a:latin typeface="Arial" panose="020B0604020202020204" pitchFamily="34" charset="0"/>
+                </a:defRPr>
+              </a:lvl8pPr>
+              <a:lvl9pPr marL="3657600" eaLnBrk="0" fontAlgn="base" hangingPunct="0">
+                <a:spcBef>
+                  <a:spcPct val="0"/>
+                </a:spcBef>
+                <a:spcAft>
+                  <a:spcPct val="0"/>
+                </a:spcAft>
+                <a:defRPr>
+                  <a:solidFill>
+                    <a:schemeClr val="tx1"/>
+                  </a:solidFill>
+                  <a:latin typeface="Arial" panose="020B0604020202020204" pitchFamily="34" charset="0"/>
+                </a:defRPr>
+              </a:lvl9pPr>
+            </a:lstStyle>
+            <a:p>
+              <a:pPr marL="0" marR="0" lvl="0" indent="0" algn="l" defTabSz="914400" rtl="0" eaLnBrk="0" fontAlgn="base" latinLnBrk="0" hangingPunct="0">
+                <a:lnSpc>
+                  <a:spcPct val="100000"/>
+                </a:lnSpc>
+                <a:spcBef>
+                  <a:spcPct val="0"/>
+                </a:spcBef>
+                <a:spcAft>
+                  <a:spcPct val="0"/>
+                </a:spcAft>
+                <a:buClrTx/>
+                <a:buSzTx/>
+                <a:buFontTx/>
+                <a:buNone/>
+                <a:tabLst/>
+              </a:pPr>
+              <a:r>
+                <a:rPr kumimoji="0" lang="en-US" altLang="en-US" sz="1700" b="0" i="0" u="none" strike="noStrike" cap="none" normalizeH="0" baseline="0" smtClean="0">
+                  <a:ln>
+                    <a:noFill/>
+                  </a:ln>
+                  <a:solidFill>
+                    <a:srgbClr val="262626"/>
+                  </a:solidFill>
+                  <a:effectLst/>
+                  <a:latin typeface="Arial" panose="020B0604020202020204" pitchFamily="34" charset="0"/>
+                </a:rPr>
+                <a:t>A</a:t>
+              </a:r>
+              <a:endParaRPr kumimoji="0" lang="en-US" altLang="en-US" sz="1800" b="0" i="0" u="none" strike="noStrike" cap="none" normalizeH="0" baseline="0" smtClean="0">
+                <a:ln>
+                  <a:noFill/>
+                </a:ln>
+                <a:solidFill>
+                  <a:schemeClr val="tx1"/>
+                </a:solidFill>
+                <a:effectLst/>
+                <a:latin typeface="Arial" panose="020B0604020202020204" pitchFamily="34" charset="0"/>
+              </a:endParaRPr>
+            </a:p>
+          </p:txBody>
+        </p:sp>
+        <p:sp>
+          <p:nvSpPr>
+            <p:cNvPr id="50" name="Rectangle 44"/>
+            <p:cNvSpPr>
+              <a:spLocks noChangeArrowheads="1"/>
+            </p:cNvSpPr>
+            <p:nvPr/>
+          </p:nvSpPr>
+          <p:spPr bwMode="auto">
+            <a:xfrm rot="16200000">
+              <a:off x="2666" y="1273"/>
+              <a:ext cx="102" cy="193"/>
+            </a:xfrm>
+            <a:prstGeom prst="rect">
+              <a:avLst/>
+            </a:prstGeom>
+            <a:noFill/>
+            <a:ln>
+              <a:noFill/>
+            </a:ln>
+            <a:extLst>
+              <a:ext uri="{909E8E84-426E-40DD-AFC4-6F175D3DCCD1}">
+                <a14:hiddenFill xmlns:a14="http://schemas.microsoft.com/office/drawing/2010/main">
+                  <a:solidFill>
+                    <a:srgbClr val="FFFFFF"/>
+                  </a:solidFill>
+                </a14:hiddenFill>
+              </a:ext>
+              <a:ext uri="{91240B29-F687-4F45-9708-019B960494DF}">
+                <a14:hiddenLine xmlns:a14="http://schemas.microsoft.com/office/drawing/2010/main" w="9525">
+                  <a:solidFill>
+                    <a:srgbClr val="000000"/>
+                  </a:solidFill>
+                  <a:miter lim="800000"/>
+                  <a:headEnd/>
+                  <a:tailEnd/>
+                </a14:hiddenLine>
+              </a:ext>
+            </a:extLst>
+          </p:spPr>
+          <p:txBody>
+            <a:bodyPr vert="horz" wrap="none" lIns="0" tIns="0" rIns="0" bIns="0" numCol="1" anchor="t" anchorCtr="0" compatLnSpc="1">
+              <a:prstTxWarp prst="textNoShape">
+                <a:avLst/>
+              </a:prstTxWarp>
+              <a:spAutoFit/>
+            </a:bodyPr>
+            <a:lstStyle>
+              <a:lvl1pPr eaLnBrk="0" fontAlgn="base" hangingPunct="0">
+                <a:spcBef>
+                  <a:spcPct val="0"/>
+                </a:spcBef>
+                <a:spcAft>
+                  <a:spcPct val="0"/>
+                </a:spcAft>
+                <a:defRPr>
+                  <a:solidFill>
+                    <a:schemeClr val="tx1"/>
+                  </a:solidFill>
+                  <a:latin typeface="Arial" panose="020B0604020202020204" pitchFamily="34" charset="0"/>
+                </a:defRPr>
+              </a:lvl1pPr>
+              <a:lvl2pPr marL="457200" eaLnBrk="0" fontAlgn="base" hangingPunct="0">
+                <a:spcBef>
+                  <a:spcPct val="0"/>
+                </a:spcBef>
+                <a:spcAft>
+                  <a:spcPct val="0"/>
+                </a:spcAft>
+                <a:defRPr>
+                  <a:solidFill>
+                    <a:schemeClr val="tx1"/>
+                  </a:solidFill>
+                  <a:latin typeface="Arial" panose="020B0604020202020204" pitchFamily="34" charset="0"/>
+                </a:defRPr>
+              </a:lvl2pPr>
+              <a:lvl3pPr marL="914400" eaLnBrk="0" fontAlgn="base" hangingPunct="0">
+                <a:spcBef>
+                  <a:spcPct val="0"/>
+                </a:spcBef>
+                <a:spcAft>
+                  <a:spcPct val="0"/>
+                </a:spcAft>
+                <a:defRPr>
+                  <a:solidFill>
+                    <a:schemeClr val="tx1"/>
+                  </a:solidFill>
+                  <a:latin typeface="Arial" panose="020B0604020202020204" pitchFamily="34" charset="0"/>
+                </a:defRPr>
+              </a:lvl3pPr>
+              <a:lvl4pPr marL="1371600" eaLnBrk="0" fontAlgn="base" hangingPunct="0">
+                <a:spcBef>
+                  <a:spcPct val="0"/>
+                </a:spcBef>
+                <a:spcAft>
+                  <a:spcPct val="0"/>
+                </a:spcAft>
+                <a:defRPr>
+                  <a:solidFill>
+                    <a:schemeClr val="tx1"/>
+                  </a:solidFill>
+                  <a:latin typeface="Arial" panose="020B0604020202020204" pitchFamily="34" charset="0"/>
+                </a:defRPr>
+              </a:lvl4pPr>
+              <a:lvl5pPr marL="1828800" eaLnBrk="0" fontAlgn="base" hangingPunct="0">
+                <a:spcBef>
+                  <a:spcPct val="0"/>
+                </a:spcBef>
+                <a:spcAft>
+                  <a:spcPct val="0"/>
+                </a:spcAft>
+                <a:defRPr>
+                  <a:solidFill>
+                    <a:schemeClr val="tx1"/>
+                  </a:solidFill>
+                  <a:latin typeface="Arial" panose="020B0604020202020204" pitchFamily="34" charset="0"/>
+                </a:defRPr>
+              </a:lvl5pPr>
+              <a:lvl6pPr marL="2286000" eaLnBrk="0" fontAlgn="base" hangingPunct="0">
+                <a:spcBef>
+                  <a:spcPct val="0"/>
+                </a:spcBef>
+                <a:spcAft>
+                  <a:spcPct val="0"/>
+                </a:spcAft>
+                <a:defRPr>
+                  <a:solidFill>
+                    <a:schemeClr val="tx1"/>
+                  </a:solidFill>
+                  <a:latin typeface="Arial" panose="020B0604020202020204" pitchFamily="34" charset="0"/>
+                </a:defRPr>
+              </a:lvl6pPr>
+              <a:lvl7pPr marL="2743200" eaLnBrk="0" fontAlgn="base" hangingPunct="0">
+                <a:spcBef>
+                  <a:spcPct val="0"/>
+                </a:spcBef>
+                <a:spcAft>
+                  <a:spcPct val="0"/>
+                </a:spcAft>
+                <a:defRPr>
+                  <a:solidFill>
+                    <a:schemeClr val="tx1"/>
+                  </a:solidFill>
+                  <a:latin typeface="Arial" panose="020B0604020202020204" pitchFamily="34" charset="0"/>
+                </a:defRPr>
+              </a:lvl7pPr>
+              <a:lvl8pPr marL="3200400" eaLnBrk="0" fontAlgn="base" hangingPunct="0">
+                <a:spcBef>
+                  <a:spcPct val="0"/>
+                </a:spcBef>
+                <a:spcAft>
+                  <a:spcPct val="0"/>
+                </a:spcAft>
+                <a:defRPr>
+                  <a:solidFill>
+                    <a:schemeClr val="tx1"/>
+                  </a:solidFill>
+                  <a:latin typeface="Arial" panose="020B0604020202020204" pitchFamily="34" charset="0"/>
+                </a:defRPr>
+              </a:lvl8pPr>
+              <a:lvl9pPr marL="3657600" eaLnBrk="0" fontAlgn="base" hangingPunct="0">
+                <a:spcBef>
+                  <a:spcPct val="0"/>
+                </a:spcBef>
+                <a:spcAft>
+                  <a:spcPct val="0"/>
+                </a:spcAft>
+                <a:defRPr>
+                  <a:solidFill>
+                    <a:schemeClr val="tx1"/>
+                  </a:solidFill>
+                  <a:latin typeface="Arial" panose="020B0604020202020204" pitchFamily="34" charset="0"/>
+                </a:defRPr>
+              </a:lvl9pPr>
+            </a:lstStyle>
+            <a:p>
+              <a:pPr marL="0" marR="0" lvl="0" indent="0" algn="l" defTabSz="914400" rtl="0" eaLnBrk="0" fontAlgn="base" latinLnBrk="0" hangingPunct="0">
+                <a:lnSpc>
+                  <a:spcPct val="100000"/>
+                </a:lnSpc>
+                <a:spcBef>
+                  <a:spcPct val="0"/>
+                </a:spcBef>
+                <a:spcAft>
+                  <a:spcPct val="0"/>
+                </a:spcAft>
+                <a:buClrTx/>
+                <a:buSzTx/>
+                <a:buFontTx/>
+                <a:buNone/>
+                <a:tabLst/>
+              </a:pPr>
+              <a:r>
+                <a:rPr kumimoji="0" lang="en-US" altLang="en-US" sz="1700" b="0" i="0" u="none" strike="noStrike" cap="none" normalizeH="0" baseline="0" smtClean="0">
+                  <a:ln>
+                    <a:noFill/>
+                  </a:ln>
+                  <a:solidFill>
+                    <a:srgbClr val="262626"/>
+                  </a:solidFill>
+                  <a:effectLst/>
+                  <a:latin typeface="Arial" panose="020B0604020202020204" pitchFamily="34" charset="0"/>
+                </a:rPr>
+                <a:t>t</a:t>
+              </a:r>
+              <a:endParaRPr kumimoji="0" lang="en-US" altLang="en-US" sz="1800" b="0" i="0" u="none" strike="noStrike" cap="none" normalizeH="0" baseline="0" smtClean="0">
+                <a:ln>
+                  <a:noFill/>
+                </a:ln>
+                <a:solidFill>
+                  <a:schemeClr val="tx1"/>
+                </a:solidFill>
+                <a:effectLst/>
+                <a:latin typeface="Arial" panose="020B0604020202020204" pitchFamily="34" charset="0"/>
+              </a:endParaRPr>
+            </a:p>
+          </p:txBody>
+        </p:sp>
+        <p:sp>
+          <p:nvSpPr>
+            <p:cNvPr id="51" name="Rectangle 45"/>
+            <p:cNvSpPr>
+              <a:spLocks noChangeArrowheads="1"/>
+            </p:cNvSpPr>
+            <p:nvPr/>
+          </p:nvSpPr>
+          <p:spPr bwMode="auto">
+            <a:xfrm rot="16200000">
+              <a:off x="2644" y="1214"/>
+              <a:ext cx="145" cy="193"/>
+            </a:xfrm>
+            <a:prstGeom prst="rect">
+              <a:avLst/>
+            </a:prstGeom>
+            <a:noFill/>
+            <a:ln>
+              <a:noFill/>
+            </a:ln>
+            <a:extLst>
+              <a:ext uri="{909E8E84-426E-40DD-AFC4-6F175D3DCCD1}">
+                <a14:hiddenFill xmlns:a14="http://schemas.microsoft.com/office/drawing/2010/main">
+                  <a:solidFill>
+                    <a:srgbClr val="FFFFFF"/>
+                  </a:solidFill>
+                </a14:hiddenFill>
+              </a:ext>
+              <a:ext uri="{91240B29-F687-4F45-9708-019B960494DF}">
+                <a14:hiddenLine xmlns:a14="http://schemas.microsoft.com/office/drawing/2010/main" w="9525">
+                  <a:solidFill>
+                    <a:srgbClr val="000000"/>
+                  </a:solidFill>
+                  <a:miter lim="800000"/>
+                  <a:headEnd/>
+                  <a:tailEnd/>
+                </a14:hiddenLine>
+              </a:ext>
+            </a:extLst>
+          </p:spPr>
+          <p:txBody>
+            <a:bodyPr vert="horz" wrap="none" lIns="0" tIns="0" rIns="0" bIns="0" numCol="1" anchor="t" anchorCtr="0" compatLnSpc="1">
+              <a:prstTxWarp prst="textNoShape">
+                <a:avLst/>
+              </a:prstTxWarp>
+              <a:spAutoFit/>
+            </a:bodyPr>
+            <a:lstStyle>
+              <a:lvl1pPr eaLnBrk="0" fontAlgn="base" hangingPunct="0">
+                <a:spcBef>
+                  <a:spcPct val="0"/>
+                </a:spcBef>
+                <a:spcAft>
+                  <a:spcPct val="0"/>
+                </a:spcAft>
+                <a:defRPr>
+                  <a:solidFill>
+                    <a:schemeClr val="tx1"/>
+                  </a:solidFill>
+                  <a:latin typeface="Arial" panose="020B0604020202020204" pitchFamily="34" charset="0"/>
+                </a:defRPr>
+              </a:lvl1pPr>
+              <a:lvl2pPr marL="457200" eaLnBrk="0" fontAlgn="base" hangingPunct="0">
+                <a:spcBef>
+                  <a:spcPct val="0"/>
+                </a:spcBef>
+                <a:spcAft>
+                  <a:spcPct val="0"/>
+                </a:spcAft>
+                <a:defRPr>
+                  <a:solidFill>
+                    <a:schemeClr val="tx1"/>
+                  </a:solidFill>
+                  <a:latin typeface="Arial" panose="020B0604020202020204" pitchFamily="34" charset="0"/>
+                </a:defRPr>
+              </a:lvl2pPr>
+              <a:lvl3pPr marL="914400" eaLnBrk="0" fontAlgn="base" hangingPunct="0">
+                <a:spcBef>
+                  <a:spcPct val="0"/>
+                </a:spcBef>
+                <a:spcAft>
+                  <a:spcPct val="0"/>
+                </a:spcAft>
+                <a:defRPr>
+                  <a:solidFill>
+                    <a:schemeClr val="tx1"/>
+                  </a:solidFill>
+                  <a:latin typeface="Arial" panose="020B0604020202020204" pitchFamily="34" charset="0"/>
+                </a:defRPr>
+              </a:lvl3pPr>
+              <a:lvl4pPr marL="1371600" eaLnBrk="0" fontAlgn="base" hangingPunct="0">
+                <a:spcBef>
+                  <a:spcPct val="0"/>
+                </a:spcBef>
+                <a:spcAft>
+                  <a:spcPct val="0"/>
+                </a:spcAft>
+                <a:defRPr>
+                  <a:solidFill>
+                    <a:schemeClr val="tx1"/>
+                  </a:solidFill>
+                  <a:latin typeface="Arial" panose="020B0604020202020204" pitchFamily="34" charset="0"/>
+                </a:defRPr>
+              </a:lvl4pPr>
+              <a:lvl5pPr marL="1828800" eaLnBrk="0" fontAlgn="base" hangingPunct="0">
+                <a:spcBef>
+                  <a:spcPct val="0"/>
+                </a:spcBef>
+                <a:spcAft>
+                  <a:spcPct val="0"/>
+                </a:spcAft>
+                <a:defRPr>
+                  <a:solidFill>
+                    <a:schemeClr val="tx1"/>
+                  </a:solidFill>
+                  <a:latin typeface="Arial" panose="020B0604020202020204" pitchFamily="34" charset="0"/>
+                </a:defRPr>
+              </a:lvl5pPr>
+              <a:lvl6pPr marL="2286000" eaLnBrk="0" fontAlgn="base" hangingPunct="0">
+                <a:spcBef>
+                  <a:spcPct val="0"/>
+                </a:spcBef>
+                <a:spcAft>
+                  <a:spcPct val="0"/>
+                </a:spcAft>
+                <a:defRPr>
+                  <a:solidFill>
+                    <a:schemeClr val="tx1"/>
+                  </a:solidFill>
+                  <a:latin typeface="Arial" panose="020B0604020202020204" pitchFamily="34" charset="0"/>
+                </a:defRPr>
+              </a:lvl6pPr>
+              <a:lvl7pPr marL="2743200" eaLnBrk="0" fontAlgn="base" hangingPunct="0">
+                <a:spcBef>
+                  <a:spcPct val="0"/>
+                </a:spcBef>
+                <a:spcAft>
+                  <a:spcPct val="0"/>
+                </a:spcAft>
+                <a:defRPr>
+                  <a:solidFill>
+                    <a:schemeClr val="tx1"/>
+                  </a:solidFill>
+                  <a:latin typeface="Arial" panose="020B0604020202020204" pitchFamily="34" charset="0"/>
+                </a:defRPr>
+              </a:lvl7pPr>
+              <a:lvl8pPr marL="3200400" eaLnBrk="0" fontAlgn="base" hangingPunct="0">
+                <a:spcBef>
+                  <a:spcPct val="0"/>
+                </a:spcBef>
+                <a:spcAft>
+                  <a:spcPct val="0"/>
+                </a:spcAft>
+                <a:defRPr>
+                  <a:solidFill>
+                    <a:schemeClr val="tx1"/>
+                  </a:solidFill>
+                  <a:latin typeface="Arial" panose="020B0604020202020204" pitchFamily="34" charset="0"/>
+                </a:defRPr>
+              </a:lvl8pPr>
+              <a:lvl9pPr marL="3657600" eaLnBrk="0" fontAlgn="base" hangingPunct="0">
+                <a:spcBef>
+                  <a:spcPct val="0"/>
+                </a:spcBef>
+                <a:spcAft>
+                  <a:spcPct val="0"/>
+                </a:spcAft>
+                <a:defRPr>
+                  <a:solidFill>
+                    <a:schemeClr val="tx1"/>
+                  </a:solidFill>
+                  <a:latin typeface="Arial" panose="020B0604020202020204" pitchFamily="34" charset="0"/>
+                </a:defRPr>
+              </a:lvl9pPr>
+            </a:lstStyle>
+            <a:p>
+              <a:pPr marL="0" marR="0" lvl="0" indent="0" algn="l" defTabSz="914400" rtl="0" eaLnBrk="0" fontAlgn="base" latinLnBrk="0" hangingPunct="0">
+                <a:lnSpc>
+                  <a:spcPct val="100000"/>
+                </a:lnSpc>
+                <a:spcBef>
+                  <a:spcPct val="0"/>
+                </a:spcBef>
+                <a:spcAft>
+                  <a:spcPct val="0"/>
+                </a:spcAft>
+                <a:buClrTx/>
+                <a:buSzTx/>
+                <a:buFontTx/>
+                <a:buNone/>
+                <a:tabLst/>
+              </a:pPr>
+              <a:r>
+                <a:rPr kumimoji="0" lang="en-US" altLang="en-US" sz="1700" b="0" i="0" u="none" strike="noStrike" cap="none" normalizeH="0" baseline="0" smtClean="0">
+                  <a:ln>
+                    <a:noFill/>
+                  </a:ln>
+                  <a:solidFill>
+                    <a:srgbClr val="262626"/>
+                  </a:solidFill>
+                  <a:effectLst/>
+                  <a:latin typeface="Arial" panose="020B0604020202020204" pitchFamily="34" charset="0"/>
+                </a:rPr>
+                <a:t>o</a:t>
+              </a:r>
+              <a:endParaRPr kumimoji="0" lang="en-US" altLang="en-US" sz="1800" b="0" i="0" u="none" strike="noStrike" cap="none" normalizeH="0" baseline="0" smtClean="0">
+                <a:ln>
+                  <a:noFill/>
+                </a:ln>
+                <a:solidFill>
+                  <a:schemeClr val="tx1"/>
+                </a:solidFill>
+                <a:effectLst/>
+                <a:latin typeface="Arial" panose="020B0604020202020204" pitchFamily="34" charset="0"/>
+              </a:endParaRPr>
+            </a:p>
+          </p:txBody>
+        </p:sp>
+        <p:sp>
+          <p:nvSpPr>
+            <p:cNvPr id="52" name="Rectangle 46"/>
+            <p:cNvSpPr>
+              <a:spLocks noChangeArrowheads="1"/>
+            </p:cNvSpPr>
+            <p:nvPr/>
+          </p:nvSpPr>
+          <p:spPr bwMode="auto">
+            <a:xfrm rot="16200000">
+              <a:off x="2623" y="1119"/>
+              <a:ext cx="188" cy="193"/>
+            </a:xfrm>
+            <a:prstGeom prst="rect">
+              <a:avLst/>
+            </a:prstGeom>
+            <a:noFill/>
+            <a:ln>
+              <a:noFill/>
+            </a:ln>
+            <a:extLst>
+              <a:ext uri="{909E8E84-426E-40DD-AFC4-6F175D3DCCD1}">
+                <a14:hiddenFill xmlns:a14="http://schemas.microsoft.com/office/drawing/2010/main">
+                  <a:solidFill>
+                    <a:srgbClr val="FFFFFF"/>
+                  </a:solidFill>
+                </a14:hiddenFill>
+              </a:ext>
+              <a:ext uri="{91240B29-F687-4F45-9708-019B960494DF}">
+                <a14:hiddenLine xmlns:a14="http://schemas.microsoft.com/office/drawing/2010/main" w="9525">
+                  <a:solidFill>
+                    <a:srgbClr val="000000"/>
+                  </a:solidFill>
+                  <a:miter lim="800000"/>
+                  <a:headEnd/>
+                  <a:tailEnd/>
+                </a14:hiddenLine>
+              </a:ext>
+            </a:extLst>
+          </p:spPr>
+          <p:txBody>
+            <a:bodyPr vert="horz" wrap="none" lIns="0" tIns="0" rIns="0" bIns="0" numCol="1" anchor="t" anchorCtr="0" compatLnSpc="1">
+              <a:prstTxWarp prst="textNoShape">
+                <a:avLst/>
+              </a:prstTxWarp>
+              <a:spAutoFit/>
+            </a:bodyPr>
+            <a:lstStyle>
+              <a:lvl1pPr eaLnBrk="0" fontAlgn="base" hangingPunct="0">
+                <a:spcBef>
+                  <a:spcPct val="0"/>
+                </a:spcBef>
+                <a:spcAft>
+                  <a:spcPct val="0"/>
+                </a:spcAft>
+                <a:defRPr>
+                  <a:solidFill>
+                    <a:schemeClr val="tx1"/>
+                  </a:solidFill>
+                  <a:latin typeface="Arial" panose="020B0604020202020204" pitchFamily="34" charset="0"/>
+                </a:defRPr>
+              </a:lvl1pPr>
+              <a:lvl2pPr marL="457200" eaLnBrk="0" fontAlgn="base" hangingPunct="0">
+                <a:spcBef>
+                  <a:spcPct val="0"/>
+                </a:spcBef>
+                <a:spcAft>
+                  <a:spcPct val="0"/>
+                </a:spcAft>
+                <a:defRPr>
+                  <a:solidFill>
+                    <a:schemeClr val="tx1"/>
+                  </a:solidFill>
+                  <a:latin typeface="Arial" panose="020B0604020202020204" pitchFamily="34" charset="0"/>
+                </a:defRPr>
+              </a:lvl2pPr>
+              <a:lvl3pPr marL="914400" eaLnBrk="0" fontAlgn="base" hangingPunct="0">
+                <a:spcBef>
+                  <a:spcPct val="0"/>
+                </a:spcBef>
+                <a:spcAft>
+                  <a:spcPct val="0"/>
+                </a:spcAft>
+                <a:defRPr>
+                  <a:solidFill>
+                    <a:schemeClr val="tx1"/>
+                  </a:solidFill>
+                  <a:latin typeface="Arial" panose="020B0604020202020204" pitchFamily="34" charset="0"/>
+                </a:defRPr>
+              </a:lvl3pPr>
+              <a:lvl4pPr marL="1371600" eaLnBrk="0" fontAlgn="base" hangingPunct="0">
+                <a:spcBef>
+                  <a:spcPct val="0"/>
+                </a:spcBef>
+                <a:spcAft>
+                  <a:spcPct val="0"/>
+                </a:spcAft>
+                <a:defRPr>
+                  <a:solidFill>
+                    <a:schemeClr val="tx1"/>
+                  </a:solidFill>
+                  <a:latin typeface="Arial" panose="020B0604020202020204" pitchFamily="34" charset="0"/>
+                </a:defRPr>
+              </a:lvl4pPr>
+              <a:lvl5pPr marL="1828800" eaLnBrk="0" fontAlgn="base" hangingPunct="0">
+                <a:spcBef>
+                  <a:spcPct val="0"/>
+                </a:spcBef>
+                <a:spcAft>
+                  <a:spcPct val="0"/>
+                </a:spcAft>
+                <a:defRPr>
+                  <a:solidFill>
+                    <a:schemeClr val="tx1"/>
+                  </a:solidFill>
+                  <a:latin typeface="Arial" panose="020B0604020202020204" pitchFamily="34" charset="0"/>
+                </a:defRPr>
+              </a:lvl5pPr>
+              <a:lvl6pPr marL="2286000" eaLnBrk="0" fontAlgn="base" hangingPunct="0">
+                <a:spcBef>
+                  <a:spcPct val="0"/>
+                </a:spcBef>
+                <a:spcAft>
+                  <a:spcPct val="0"/>
+                </a:spcAft>
+                <a:defRPr>
+                  <a:solidFill>
+                    <a:schemeClr val="tx1"/>
+                  </a:solidFill>
+                  <a:latin typeface="Arial" panose="020B0604020202020204" pitchFamily="34" charset="0"/>
+                </a:defRPr>
+              </a:lvl6pPr>
+              <a:lvl7pPr marL="2743200" eaLnBrk="0" fontAlgn="base" hangingPunct="0">
+                <a:spcBef>
+                  <a:spcPct val="0"/>
+                </a:spcBef>
+                <a:spcAft>
+                  <a:spcPct val="0"/>
+                </a:spcAft>
+                <a:defRPr>
+                  <a:solidFill>
+                    <a:schemeClr val="tx1"/>
+                  </a:solidFill>
+                  <a:latin typeface="Arial" panose="020B0604020202020204" pitchFamily="34" charset="0"/>
+                </a:defRPr>
+              </a:lvl7pPr>
+              <a:lvl8pPr marL="3200400" eaLnBrk="0" fontAlgn="base" hangingPunct="0">
+                <a:spcBef>
+                  <a:spcPct val="0"/>
+                </a:spcBef>
+                <a:spcAft>
+                  <a:spcPct val="0"/>
+                </a:spcAft>
+                <a:defRPr>
+                  <a:solidFill>
+                    <a:schemeClr val="tx1"/>
+                  </a:solidFill>
+                  <a:latin typeface="Arial" panose="020B0604020202020204" pitchFamily="34" charset="0"/>
+                </a:defRPr>
+              </a:lvl8pPr>
+              <a:lvl9pPr marL="3657600" eaLnBrk="0" fontAlgn="base" hangingPunct="0">
+                <a:spcBef>
+                  <a:spcPct val="0"/>
+                </a:spcBef>
+                <a:spcAft>
+                  <a:spcPct val="0"/>
+                </a:spcAft>
+                <a:defRPr>
+                  <a:solidFill>
+                    <a:schemeClr val="tx1"/>
+                  </a:solidFill>
+                  <a:latin typeface="Arial" panose="020B0604020202020204" pitchFamily="34" charset="0"/>
+                </a:defRPr>
+              </a:lvl9pPr>
+            </a:lstStyle>
+            <a:p>
+              <a:pPr marL="0" marR="0" lvl="0" indent="0" algn="l" defTabSz="914400" rtl="0" eaLnBrk="0" fontAlgn="base" latinLnBrk="0" hangingPunct="0">
+                <a:lnSpc>
+                  <a:spcPct val="100000"/>
+                </a:lnSpc>
+                <a:spcBef>
+                  <a:spcPct val="0"/>
+                </a:spcBef>
+                <a:spcAft>
+                  <a:spcPct val="0"/>
+                </a:spcAft>
+                <a:buClrTx/>
+                <a:buSzTx/>
+                <a:buFontTx/>
+                <a:buNone/>
+                <a:tabLst/>
+              </a:pPr>
+              <a:r>
+                <a:rPr kumimoji="0" lang="en-US" altLang="en-US" sz="1700" b="0" i="0" u="none" strike="noStrike" cap="none" normalizeH="0" baseline="0" smtClean="0">
+                  <a:ln>
+                    <a:noFill/>
+                  </a:ln>
+                  <a:solidFill>
+                    <a:srgbClr val="262626"/>
+                  </a:solidFill>
+                  <a:effectLst/>
+                  <a:latin typeface="Arial" panose="020B0604020202020204" pitchFamily="34" charset="0"/>
+                </a:rPr>
+                <a:t>m</a:t>
+              </a:r>
+              <a:endParaRPr kumimoji="0" lang="en-US" altLang="en-US" sz="1800" b="0" i="0" u="none" strike="noStrike" cap="none" normalizeH="0" baseline="0" smtClean="0">
+                <a:ln>
+                  <a:noFill/>
+                </a:ln>
+                <a:solidFill>
+                  <a:schemeClr val="tx1"/>
+                </a:solidFill>
+                <a:effectLst/>
+                <a:latin typeface="Arial" panose="020B0604020202020204" pitchFamily="34" charset="0"/>
+              </a:endParaRPr>
+            </a:p>
+          </p:txBody>
+        </p:sp>
+        <p:sp>
+          <p:nvSpPr>
+            <p:cNvPr id="53" name="Rectangle 47"/>
+            <p:cNvSpPr>
+              <a:spLocks noChangeArrowheads="1"/>
+            </p:cNvSpPr>
+            <p:nvPr/>
+          </p:nvSpPr>
+          <p:spPr bwMode="auto">
+            <a:xfrm rot="16200000">
+              <a:off x="2647" y="1025"/>
+              <a:ext cx="140" cy="193"/>
+            </a:xfrm>
+            <a:prstGeom prst="rect">
+              <a:avLst/>
+            </a:prstGeom>
+            <a:noFill/>
+            <a:ln>
+              <a:noFill/>
+            </a:ln>
+            <a:extLst>
+              <a:ext uri="{909E8E84-426E-40DD-AFC4-6F175D3DCCD1}">
+                <a14:hiddenFill xmlns:a14="http://schemas.microsoft.com/office/drawing/2010/main">
+                  <a:solidFill>
+                    <a:srgbClr val="FFFFFF"/>
+                  </a:solidFill>
+                </a14:hiddenFill>
+              </a:ext>
+              <a:ext uri="{91240B29-F687-4F45-9708-019B960494DF}">
+                <a14:hiddenLine xmlns:a14="http://schemas.microsoft.com/office/drawing/2010/main" w="9525">
+                  <a:solidFill>
+                    <a:srgbClr val="000000"/>
+                  </a:solidFill>
+                  <a:miter lim="800000"/>
+                  <a:headEnd/>
+                  <a:tailEnd/>
+                </a14:hiddenLine>
+              </a:ext>
+            </a:extLst>
+          </p:spPr>
+          <p:txBody>
+            <a:bodyPr vert="horz" wrap="none" lIns="0" tIns="0" rIns="0" bIns="0" numCol="1" anchor="t" anchorCtr="0" compatLnSpc="1">
+              <a:prstTxWarp prst="textNoShape">
+                <a:avLst/>
+              </a:prstTxWarp>
+              <a:spAutoFit/>
+            </a:bodyPr>
+            <a:lstStyle>
+              <a:lvl1pPr eaLnBrk="0" fontAlgn="base" hangingPunct="0">
+                <a:spcBef>
+                  <a:spcPct val="0"/>
+                </a:spcBef>
+                <a:spcAft>
+                  <a:spcPct val="0"/>
+                </a:spcAft>
+                <a:defRPr>
+                  <a:solidFill>
+                    <a:schemeClr val="tx1"/>
+                  </a:solidFill>
+                  <a:latin typeface="Arial" panose="020B0604020202020204" pitchFamily="34" charset="0"/>
+                </a:defRPr>
+              </a:lvl1pPr>
+              <a:lvl2pPr marL="457200" eaLnBrk="0" fontAlgn="base" hangingPunct="0">
+                <a:spcBef>
+                  <a:spcPct val="0"/>
+                </a:spcBef>
+                <a:spcAft>
+                  <a:spcPct val="0"/>
+                </a:spcAft>
+                <a:defRPr>
+                  <a:solidFill>
+                    <a:schemeClr val="tx1"/>
+                  </a:solidFill>
+                  <a:latin typeface="Arial" panose="020B0604020202020204" pitchFamily="34" charset="0"/>
+                </a:defRPr>
+              </a:lvl2pPr>
+              <a:lvl3pPr marL="914400" eaLnBrk="0" fontAlgn="base" hangingPunct="0">
+                <a:spcBef>
+                  <a:spcPct val="0"/>
+                </a:spcBef>
+                <a:spcAft>
+                  <a:spcPct val="0"/>
+                </a:spcAft>
+                <a:defRPr>
+                  <a:solidFill>
+                    <a:schemeClr val="tx1"/>
+                  </a:solidFill>
+                  <a:latin typeface="Arial" panose="020B0604020202020204" pitchFamily="34" charset="0"/>
+                </a:defRPr>
+              </a:lvl3pPr>
+              <a:lvl4pPr marL="1371600" eaLnBrk="0" fontAlgn="base" hangingPunct="0">
+                <a:spcBef>
+                  <a:spcPct val="0"/>
+                </a:spcBef>
+                <a:spcAft>
+                  <a:spcPct val="0"/>
+                </a:spcAft>
+                <a:defRPr>
+                  <a:solidFill>
+                    <a:schemeClr val="tx1"/>
+                  </a:solidFill>
+                  <a:latin typeface="Arial" panose="020B0604020202020204" pitchFamily="34" charset="0"/>
+                </a:defRPr>
+              </a:lvl4pPr>
+              <a:lvl5pPr marL="1828800" eaLnBrk="0" fontAlgn="base" hangingPunct="0">
+                <a:spcBef>
+                  <a:spcPct val="0"/>
+                </a:spcBef>
+                <a:spcAft>
+                  <a:spcPct val="0"/>
+                </a:spcAft>
+                <a:defRPr>
+                  <a:solidFill>
+                    <a:schemeClr val="tx1"/>
+                  </a:solidFill>
+                  <a:latin typeface="Arial" panose="020B0604020202020204" pitchFamily="34" charset="0"/>
+                </a:defRPr>
+              </a:lvl5pPr>
+              <a:lvl6pPr marL="2286000" eaLnBrk="0" fontAlgn="base" hangingPunct="0">
+                <a:spcBef>
+                  <a:spcPct val="0"/>
+                </a:spcBef>
+                <a:spcAft>
+                  <a:spcPct val="0"/>
+                </a:spcAft>
+                <a:defRPr>
+                  <a:solidFill>
+                    <a:schemeClr val="tx1"/>
+                  </a:solidFill>
+                  <a:latin typeface="Arial" panose="020B0604020202020204" pitchFamily="34" charset="0"/>
+                </a:defRPr>
+              </a:lvl6pPr>
+              <a:lvl7pPr marL="2743200" eaLnBrk="0" fontAlgn="base" hangingPunct="0">
+                <a:spcBef>
+                  <a:spcPct val="0"/>
+                </a:spcBef>
+                <a:spcAft>
+                  <a:spcPct val="0"/>
+                </a:spcAft>
+                <a:defRPr>
+                  <a:solidFill>
+                    <a:schemeClr val="tx1"/>
+                  </a:solidFill>
+                  <a:latin typeface="Arial" panose="020B0604020202020204" pitchFamily="34" charset="0"/>
+                </a:defRPr>
+              </a:lvl7pPr>
+              <a:lvl8pPr marL="3200400" eaLnBrk="0" fontAlgn="base" hangingPunct="0">
+                <a:spcBef>
+                  <a:spcPct val="0"/>
+                </a:spcBef>
+                <a:spcAft>
+                  <a:spcPct val="0"/>
+                </a:spcAft>
+                <a:defRPr>
+                  <a:solidFill>
+                    <a:schemeClr val="tx1"/>
+                  </a:solidFill>
+                  <a:latin typeface="Arial" panose="020B0604020202020204" pitchFamily="34" charset="0"/>
+                </a:defRPr>
+              </a:lvl8pPr>
+              <a:lvl9pPr marL="3657600" eaLnBrk="0" fontAlgn="base" hangingPunct="0">
+                <a:spcBef>
+                  <a:spcPct val="0"/>
+                </a:spcBef>
+                <a:spcAft>
+                  <a:spcPct val="0"/>
+                </a:spcAft>
+                <a:defRPr>
+                  <a:solidFill>
+                    <a:schemeClr val="tx1"/>
+                  </a:solidFill>
+                  <a:latin typeface="Arial" panose="020B0604020202020204" pitchFamily="34" charset="0"/>
+                </a:defRPr>
+              </a:lvl9pPr>
+            </a:lstStyle>
+            <a:p>
+              <a:pPr marL="0" marR="0" lvl="0" indent="0" algn="l" defTabSz="914400" rtl="0" eaLnBrk="0" fontAlgn="base" latinLnBrk="0" hangingPunct="0">
+                <a:lnSpc>
+                  <a:spcPct val="100000"/>
+                </a:lnSpc>
+                <a:spcBef>
+                  <a:spcPct val="0"/>
+                </a:spcBef>
+                <a:spcAft>
+                  <a:spcPct val="0"/>
+                </a:spcAft>
+                <a:buClrTx/>
+                <a:buSzTx/>
+                <a:buFontTx/>
+                <a:buNone/>
+                <a:tabLst/>
+              </a:pPr>
+              <a:r>
+                <a:rPr kumimoji="0" lang="en-US" altLang="en-US" sz="1700" b="0" i="0" u="none" strike="noStrike" cap="none" normalizeH="0" baseline="0" smtClean="0">
+                  <a:ln>
+                    <a:noFill/>
+                  </a:ln>
+                  <a:solidFill>
+                    <a:srgbClr val="262626"/>
+                  </a:solidFill>
+                  <a:effectLst/>
+                  <a:latin typeface="Arial" panose="020B0604020202020204" pitchFamily="34" charset="0"/>
+                </a:rPr>
+                <a:t>s</a:t>
+              </a:r>
+              <a:endParaRPr kumimoji="0" lang="en-US" altLang="en-US" sz="1800" b="0" i="0" u="none" strike="noStrike" cap="none" normalizeH="0" baseline="0" smtClean="0">
+                <a:ln>
+                  <a:noFill/>
+                </a:ln>
+                <a:solidFill>
+                  <a:schemeClr val="tx1"/>
+                </a:solidFill>
+                <a:effectLst/>
+                <a:latin typeface="Arial" panose="020B0604020202020204" pitchFamily="34" charset="0"/>
+              </a:endParaRPr>
+            </a:p>
+          </p:txBody>
+        </p:sp>
+        <p:sp>
+          <p:nvSpPr>
+            <p:cNvPr id="54" name="Rectangle 48"/>
+            <p:cNvSpPr>
+              <a:spLocks noChangeArrowheads="1"/>
+            </p:cNvSpPr>
+            <p:nvPr/>
+          </p:nvSpPr>
+          <p:spPr bwMode="auto">
+            <a:xfrm rot="16200000">
+              <a:off x="2666" y="974"/>
+              <a:ext cx="102" cy="193"/>
+            </a:xfrm>
+            <a:prstGeom prst="rect">
+              <a:avLst/>
+            </a:prstGeom>
+            <a:noFill/>
+            <a:ln>
+              <a:noFill/>
+            </a:ln>
+            <a:extLst>
+              <a:ext uri="{909E8E84-426E-40DD-AFC4-6F175D3DCCD1}">
+                <a14:hiddenFill xmlns:a14="http://schemas.microsoft.com/office/drawing/2010/main">
+                  <a:solidFill>
+                    <a:srgbClr val="FFFFFF"/>
+                  </a:solidFill>
+                </a14:hiddenFill>
+              </a:ext>
+              <a:ext uri="{91240B29-F687-4F45-9708-019B960494DF}">
+                <a14:hiddenLine xmlns:a14="http://schemas.microsoft.com/office/drawing/2010/main" w="9525">
+                  <a:solidFill>
+                    <a:srgbClr val="000000"/>
+                  </a:solidFill>
+                  <a:miter lim="800000"/>
+                  <a:headEnd/>
+                  <a:tailEnd/>
+                </a14:hiddenLine>
+              </a:ext>
+            </a:extLst>
+          </p:spPr>
+          <p:txBody>
+            <a:bodyPr vert="horz" wrap="none" lIns="0" tIns="0" rIns="0" bIns="0" numCol="1" anchor="t" anchorCtr="0" compatLnSpc="1">
+              <a:prstTxWarp prst="textNoShape">
+                <a:avLst/>
+              </a:prstTxWarp>
+              <a:spAutoFit/>
+            </a:bodyPr>
+            <a:lstStyle>
+              <a:lvl1pPr eaLnBrk="0" fontAlgn="base" hangingPunct="0">
+                <a:spcBef>
+                  <a:spcPct val="0"/>
+                </a:spcBef>
+                <a:spcAft>
+                  <a:spcPct val="0"/>
+                </a:spcAft>
+                <a:defRPr>
+                  <a:solidFill>
+                    <a:schemeClr val="tx1"/>
+                  </a:solidFill>
+                  <a:latin typeface="Arial" panose="020B0604020202020204" pitchFamily="34" charset="0"/>
+                </a:defRPr>
+              </a:lvl1pPr>
+              <a:lvl2pPr marL="457200" eaLnBrk="0" fontAlgn="base" hangingPunct="0">
+                <a:spcBef>
+                  <a:spcPct val="0"/>
+                </a:spcBef>
+                <a:spcAft>
+                  <a:spcPct val="0"/>
+                </a:spcAft>
+                <a:defRPr>
+                  <a:solidFill>
+                    <a:schemeClr val="tx1"/>
+                  </a:solidFill>
+                  <a:latin typeface="Arial" panose="020B0604020202020204" pitchFamily="34" charset="0"/>
+                </a:defRPr>
+              </a:lvl2pPr>
+              <a:lvl3pPr marL="914400" eaLnBrk="0" fontAlgn="base" hangingPunct="0">
+                <a:spcBef>
+                  <a:spcPct val="0"/>
+                </a:spcBef>
+                <a:spcAft>
+                  <a:spcPct val="0"/>
+                </a:spcAft>
+                <a:defRPr>
+                  <a:solidFill>
+                    <a:schemeClr val="tx1"/>
+                  </a:solidFill>
+                  <a:latin typeface="Arial" panose="020B0604020202020204" pitchFamily="34" charset="0"/>
+                </a:defRPr>
+              </a:lvl3pPr>
+              <a:lvl4pPr marL="1371600" eaLnBrk="0" fontAlgn="base" hangingPunct="0">
+                <a:spcBef>
+                  <a:spcPct val="0"/>
+                </a:spcBef>
+                <a:spcAft>
+                  <a:spcPct val="0"/>
+                </a:spcAft>
+                <a:defRPr>
+                  <a:solidFill>
+                    <a:schemeClr val="tx1"/>
+                  </a:solidFill>
+                  <a:latin typeface="Arial" panose="020B0604020202020204" pitchFamily="34" charset="0"/>
+                </a:defRPr>
+              </a:lvl4pPr>
+              <a:lvl5pPr marL="1828800" eaLnBrk="0" fontAlgn="base" hangingPunct="0">
+                <a:spcBef>
+                  <a:spcPct val="0"/>
+                </a:spcBef>
+                <a:spcAft>
+                  <a:spcPct val="0"/>
+                </a:spcAft>
+                <a:defRPr>
+                  <a:solidFill>
+                    <a:schemeClr val="tx1"/>
+                  </a:solidFill>
+                  <a:latin typeface="Arial" panose="020B0604020202020204" pitchFamily="34" charset="0"/>
+                </a:defRPr>
+              </a:lvl5pPr>
+              <a:lvl6pPr marL="2286000" eaLnBrk="0" fontAlgn="base" hangingPunct="0">
+                <a:spcBef>
+                  <a:spcPct val="0"/>
+                </a:spcBef>
+                <a:spcAft>
+                  <a:spcPct val="0"/>
+                </a:spcAft>
+                <a:defRPr>
+                  <a:solidFill>
+                    <a:schemeClr val="tx1"/>
+                  </a:solidFill>
+                  <a:latin typeface="Arial" panose="020B0604020202020204" pitchFamily="34" charset="0"/>
+                </a:defRPr>
+              </a:lvl6pPr>
+              <a:lvl7pPr marL="2743200" eaLnBrk="0" fontAlgn="base" hangingPunct="0">
+                <a:spcBef>
+                  <a:spcPct val="0"/>
+                </a:spcBef>
+                <a:spcAft>
+                  <a:spcPct val="0"/>
+                </a:spcAft>
+                <a:defRPr>
+                  <a:solidFill>
+                    <a:schemeClr val="tx1"/>
+                  </a:solidFill>
+                  <a:latin typeface="Arial" panose="020B0604020202020204" pitchFamily="34" charset="0"/>
+                </a:defRPr>
+              </a:lvl7pPr>
+              <a:lvl8pPr marL="3200400" eaLnBrk="0" fontAlgn="base" hangingPunct="0">
+                <a:spcBef>
+                  <a:spcPct val="0"/>
+                </a:spcBef>
+                <a:spcAft>
+                  <a:spcPct val="0"/>
+                </a:spcAft>
+                <a:defRPr>
+                  <a:solidFill>
+                    <a:schemeClr val="tx1"/>
+                  </a:solidFill>
+                  <a:latin typeface="Arial" panose="020B0604020202020204" pitchFamily="34" charset="0"/>
+                </a:defRPr>
+              </a:lvl8pPr>
+              <a:lvl9pPr marL="3657600" eaLnBrk="0" fontAlgn="base" hangingPunct="0">
+                <a:spcBef>
+                  <a:spcPct val="0"/>
+                </a:spcBef>
+                <a:spcAft>
+                  <a:spcPct val="0"/>
+                </a:spcAft>
+                <a:defRPr>
+                  <a:solidFill>
+                    <a:schemeClr val="tx1"/>
+                  </a:solidFill>
+                  <a:latin typeface="Arial" panose="020B0604020202020204" pitchFamily="34" charset="0"/>
+                </a:defRPr>
+              </a:lvl9pPr>
+            </a:lstStyle>
+            <a:p>
+              <a:pPr marL="0" marR="0" lvl="0" indent="0" algn="l" defTabSz="914400" rtl="0" eaLnBrk="0" fontAlgn="base" latinLnBrk="0" hangingPunct="0">
+                <a:lnSpc>
+                  <a:spcPct val="100000"/>
+                </a:lnSpc>
+                <a:spcBef>
+                  <a:spcPct val="0"/>
+                </a:spcBef>
+                <a:spcAft>
+                  <a:spcPct val="0"/>
+                </a:spcAft>
+                <a:buClrTx/>
+                <a:buSzTx/>
+                <a:buFontTx/>
+                <a:buNone/>
+                <a:tabLst/>
+              </a:pPr>
+              <a:r>
+                <a:rPr kumimoji="0" lang="en-US" altLang="en-US" sz="1700" b="0" i="0" u="none" strike="noStrike" cap="none" normalizeH="0" baseline="0" smtClean="0">
+                  <a:ln>
+                    <a:noFill/>
+                  </a:ln>
+                  <a:solidFill>
+                    <a:srgbClr val="262626"/>
+                  </a:solidFill>
+                  <a:effectLst/>
+                  <a:latin typeface="Arial" panose="020B0604020202020204" pitchFamily="34" charset="0"/>
+                </a:rPr>
+                <a:t>/</a:t>
+              </a:r>
+              <a:endParaRPr kumimoji="0" lang="en-US" altLang="en-US" sz="1800" b="0" i="0" u="none" strike="noStrike" cap="none" normalizeH="0" baseline="0" smtClean="0">
+                <a:ln>
+                  <a:noFill/>
+                </a:ln>
+                <a:solidFill>
+                  <a:schemeClr val="tx1"/>
+                </a:solidFill>
+                <a:effectLst/>
+                <a:latin typeface="Arial" panose="020B0604020202020204" pitchFamily="34" charset="0"/>
+              </a:endParaRPr>
+            </a:p>
+          </p:txBody>
+        </p:sp>
+        <p:sp>
+          <p:nvSpPr>
+            <p:cNvPr id="56" name="Rectangle 50"/>
+            <p:cNvSpPr>
+              <a:spLocks noChangeArrowheads="1"/>
+            </p:cNvSpPr>
+            <p:nvPr/>
+          </p:nvSpPr>
+          <p:spPr bwMode="auto">
+            <a:xfrm rot="16200000">
+              <a:off x="2666" y="845"/>
+              <a:ext cx="102" cy="193"/>
+            </a:xfrm>
+            <a:prstGeom prst="rect">
+              <a:avLst/>
+            </a:prstGeom>
+            <a:noFill/>
+            <a:ln>
+              <a:noFill/>
+            </a:ln>
+            <a:extLst>
+              <a:ext uri="{909E8E84-426E-40DD-AFC4-6F175D3DCCD1}">
+                <a14:hiddenFill xmlns:a14="http://schemas.microsoft.com/office/drawing/2010/main">
+                  <a:solidFill>
+                    <a:srgbClr val="FFFFFF"/>
+                  </a:solidFill>
+                </a14:hiddenFill>
+              </a:ext>
+              <a:ext uri="{91240B29-F687-4F45-9708-019B960494DF}">
+                <a14:hiddenLine xmlns:a14="http://schemas.microsoft.com/office/drawing/2010/main" w="9525">
+                  <a:solidFill>
+                    <a:srgbClr val="000000"/>
+                  </a:solidFill>
+                  <a:miter lim="800000"/>
+                  <a:headEnd/>
+                  <a:tailEnd/>
+                </a14:hiddenLine>
+              </a:ext>
+            </a:extLst>
+          </p:spPr>
+          <p:txBody>
+            <a:bodyPr vert="horz" wrap="none" lIns="0" tIns="0" rIns="0" bIns="0" numCol="1" anchor="t" anchorCtr="0" compatLnSpc="1">
+              <a:prstTxWarp prst="textNoShape">
+                <a:avLst/>
+              </a:prstTxWarp>
+              <a:spAutoFit/>
+            </a:bodyPr>
+            <a:lstStyle>
+              <a:lvl1pPr eaLnBrk="0" fontAlgn="base" hangingPunct="0">
+                <a:spcBef>
+                  <a:spcPct val="0"/>
+                </a:spcBef>
+                <a:spcAft>
+                  <a:spcPct val="0"/>
+                </a:spcAft>
+                <a:defRPr>
+                  <a:solidFill>
+                    <a:schemeClr val="tx1"/>
+                  </a:solidFill>
+                  <a:latin typeface="Arial" panose="020B0604020202020204" pitchFamily="34" charset="0"/>
+                </a:defRPr>
+              </a:lvl1pPr>
+              <a:lvl2pPr marL="457200" eaLnBrk="0" fontAlgn="base" hangingPunct="0">
+                <a:spcBef>
+                  <a:spcPct val="0"/>
+                </a:spcBef>
+                <a:spcAft>
+                  <a:spcPct val="0"/>
+                </a:spcAft>
+                <a:defRPr>
+                  <a:solidFill>
+                    <a:schemeClr val="tx1"/>
+                  </a:solidFill>
+                  <a:latin typeface="Arial" panose="020B0604020202020204" pitchFamily="34" charset="0"/>
+                </a:defRPr>
+              </a:lvl2pPr>
+              <a:lvl3pPr marL="914400" eaLnBrk="0" fontAlgn="base" hangingPunct="0">
+                <a:spcBef>
+                  <a:spcPct val="0"/>
+                </a:spcBef>
+                <a:spcAft>
+                  <a:spcPct val="0"/>
+                </a:spcAft>
+                <a:defRPr>
+                  <a:solidFill>
+                    <a:schemeClr val="tx1"/>
+                  </a:solidFill>
+                  <a:latin typeface="Arial" panose="020B0604020202020204" pitchFamily="34" charset="0"/>
+                </a:defRPr>
+              </a:lvl3pPr>
+              <a:lvl4pPr marL="1371600" eaLnBrk="0" fontAlgn="base" hangingPunct="0">
+                <a:spcBef>
+                  <a:spcPct val="0"/>
+                </a:spcBef>
+                <a:spcAft>
+                  <a:spcPct val="0"/>
+                </a:spcAft>
+                <a:defRPr>
+                  <a:solidFill>
+                    <a:schemeClr val="tx1"/>
+                  </a:solidFill>
+                  <a:latin typeface="Arial" panose="020B0604020202020204" pitchFamily="34" charset="0"/>
+                </a:defRPr>
+              </a:lvl4pPr>
+              <a:lvl5pPr marL="1828800" eaLnBrk="0" fontAlgn="base" hangingPunct="0">
+                <a:spcBef>
+                  <a:spcPct val="0"/>
+                </a:spcBef>
+                <a:spcAft>
+                  <a:spcPct val="0"/>
+                </a:spcAft>
+                <a:defRPr>
+                  <a:solidFill>
+                    <a:schemeClr val="tx1"/>
+                  </a:solidFill>
+                  <a:latin typeface="Arial" panose="020B0604020202020204" pitchFamily="34" charset="0"/>
+                </a:defRPr>
+              </a:lvl5pPr>
+              <a:lvl6pPr marL="2286000" eaLnBrk="0" fontAlgn="base" hangingPunct="0">
+                <a:spcBef>
+                  <a:spcPct val="0"/>
+                </a:spcBef>
+                <a:spcAft>
+                  <a:spcPct val="0"/>
+                </a:spcAft>
+                <a:defRPr>
+                  <a:solidFill>
+                    <a:schemeClr val="tx1"/>
+                  </a:solidFill>
+                  <a:latin typeface="Arial" panose="020B0604020202020204" pitchFamily="34" charset="0"/>
+                </a:defRPr>
+              </a:lvl6pPr>
+              <a:lvl7pPr marL="2743200" eaLnBrk="0" fontAlgn="base" hangingPunct="0">
+                <a:spcBef>
+                  <a:spcPct val="0"/>
+                </a:spcBef>
+                <a:spcAft>
+                  <a:spcPct val="0"/>
+                </a:spcAft>
+                <a:defRPr>
+                  <a:solidFill>
+                    <a:schemeClr val="tx1"/>
+                  </a:solidFill>
+                  <a:latin typeface="Arial" panose="020B0604020202020204" pitchFamily="34" charset="0"/>
+                </a:defRPr>
+              </a:lvl7pPr>
+              <a:lvl8pPr marL="3200400" eaLnBrk="0" fontAlgn="base" hangingPunct="0">
+                <a:spcBef>
+                  <a:spcPct val="0"/>
+                </a:spcBef>
+                <a:spcAft>
+                  <a:spcPct val="0"/>
+                </a:spcAft>
+                <a:defRPr>
+                  <a:solidFill>
+                    <a:schemeClr val="tx1"/>
+                  </a:solidFill>
+                  <a:latin typeface="Arial" panose="020B0604020202020204" pitchFamily="34" charset="0"/>
+                </a:defRPr>
+              </a:lvl8pPr>
+              <a:lvl9pPr marL="3657600" eaLnBrk="0" fontAlgn="base" hangingPunct="0">
+                <a:spcBef>
+                  <a:spcPct val="0"/>
+                </a:spcBef>
+                <a:spcAft>
+                  <a:spcPct val="0"/>
+                </a:spcAft>
+                <a:defRPr>
+                  <a:solidFill>
+                    <a:schemeClr val="tx1"/>
+                  </a:solidFill>
+                  <a:latin typeface="Arial" panose="020B0604020202020204" pitchFamily="34" charset="0"/>
+                </a:defRPr>
+              </a:lvl9pPr>
+            </a:lstStyle>
+            <a:p>
+              <a:pPr marL="0" marR="0" lvl="0" indent="0" algn="l" defTabSz="914400" rtl="0" eaLnBrk="0" fontAlgn="base" latinLnBrk="0" hangingPunct="0">
+                <a:lnSpc>
+                  <a:spcPct val="100000"/>
+                </a:lnSpc>
+                <a:spcBef>
+                  <a:spcPct val="0"/>
+                </a:spcBef>
+                <a:spcAft>
+                  <a:spcPct val="0"/>
+                </a:spcAft>
+                <a:buClrTx/>
+                <a:buSzTx/>
+                <a:buFontTx/>
+                <a:buNone/>
+                <a:tabLst/>
+              </a:pPr>
+              <a:r>
+                <a:rPr kumimoji="0" lang="en-US" altLang="en-US" sz="1700" b="0" i="0" u="none" strike="noStrike" cap="none" normalizeH="0" baseline="0" smtClean="0">
+                  <a:ln>
+                    <a:noFill/>
+                  </a:ln>
+                  <a:solidFill>
+                    <a:srgbClr val="262626"/>
+                  </a:solidFill>
+                  <a:effectLst/>
+                  <a:latin typeface="Arial" panose="020B0604020202020204" pitchFamily="34" charset="0"/>
+                </a:rPr>
+                <a:t> </a:t>
+              </a:r>
+              <a:endParaRPr kumimoji="0" lang="en-US" altLang="en-US" sz="1800" b="0" i="0" u="none" strike="noStrike" cap="none" normalizeH="0" baseline="0" smtClean="0">
+                <a:ln>
+                  <a:noFill/>
+                </a:ln>
+                <a:solidFill>
+                  <a:schemeClr val="tx1"/>
+                </a:solidFill>
+                <a:effectLst/>
+                <a:latin typeface="Arial" panose="020B0604020202020204" pitchFamily="34" charset="0"/>
+              </a:endParaRPr>
+            </a:p>
+          </p:txBody>
+        </p:sp>
+        <mc:AlternateContent xmlns:mc="http://schemas.openxmlformats.org/markup-compatibility/2006">
+          <mc:Choice xmlns:a14="http://schemas.microsoft.com/office/drawing/2010/main" Requires="a14">
+            <p:sp>
+              <p:nvSpPr>
+                <p:cNvPr id="57" name="Rectangle 51"/>
+                <p:cNvSpPr>
+                  <a:spLocks noChangeArrowheads="1"/>
+                </p:cNvSpPr>
+                <p:nvPr/>
+              </p:nvSpPr>
+              <p:spPr bwMode="auto">
+                <a:xfrm rot="16200000">
+                  <a:off x="2593" y="922"/>
+                  <a:ext cx="165" cy="140"/>
+                </a:xfrm>
+                <a:prstGeom prst="rect">
+                  <a:avLst/>
+                </a:prstGeom>
+                <a:noFill/>
+                <a:ln>
+                  <a:noFill/>
+                </a:ln>
+                <a:extLst>
+                  <a:ext uri="{909E8E84-426E-40DD-AFC4-6F175D3DCCD1}">
+                    <a14:hiddenFill>
+                      <a:solidFill>
+                        <a:srgbClr val="FFFFFF"/>
+                      </a:solidFill>
+                    </a14:hiddenFill>
+                  </a:ext>
+                  <a:ext uri="{91240B29-F687-4F45-9708-019B960494DF}">
+                    <a14:hiddenLine w="9525">
+                      <a:solidFill>
+                        <a:srgbClr val="000000"/>
+                      </a:solidFill>
+                      <a:miter lim="800000"/>
+                      <a:headEnd/>
+                      <a:tailEnd/>
+                    </a14:hiddenLine>
+                  </a:ext>
+                </a:extLst>
+              </p:spPr>
+              <p:txBody>
+                <a:bodyPr vert="horz" wrap="none" lIns="0" tIns="0" rIns="0" bIns="0" numCol="1" anchor="t" anchorCtr="0" compatLnSpc="1">
+                  <a:prstTxWarp prst="textNoShape">
+                    <a:avLst/>
+                  </a:prstTxWarp>
+                  <a:spAutoFit/>
+                </a:bodyPr>
+                <a:lstStyle>
+                  <a:lvl1pPr eaLnBrk="0" fontAlgn="base" hangingPunct="0">
+                    <a:spcBef>
+                      <a:spcPct val="0"/>
+                    </a:spcBef>
+                    <a:spcAft>
+                      <a:spcPct val="0"/>
+                    </a:spcAft>
+                    <a:defRPr>
+                      <a:solidFill>
+                        <a:schemeClr val="tx1"/>
+                      </a:solidFill>
+                      <a:latin typeface="Arial" panose="020B0604020202020204" pitchFamily="34" charset="0"/>
+                    </a:defRPr>
+                  </a:lvl1pPr>
+                  <a:lvl2pPr marL="457200" eaLnBrk="0" fontAlgn="base" hangingPunct="0">
+                    <a:spcBef>
+                      <a:spcPct val="0"/>
+                    </a:spcBef>
+                    <a:spcAft>
+                      <a:spcPct val="0"/>
+                    </a:spcAft>
+                    <a:defRPr>
+                      <a:solidFill>
+                        <a:schemeClr val="tx1"/>
+                      </a:solidFill>
+                      <a:latin typeface="Arial" panose="020B0604020202020204" pitchFamily="34" charset="0"/>
+                    </a:defRPr>
+                  </a:lvl2pPr>
+                  <a:lvl3pPr marL="914400" eaLnBrk="0" fontAlgn="base" hangingPunct="0">
+                    <a:spcBef>
+                      <a:spcPct val="0"/>
+                    </a:spcBef>
+                    <a:spcAft>
+                      <a:spcPct val="0"/>
+                    </a:spcAft>
+                    <a:defRPr>
+                      <a:solidFill>
+                        <a:schemeClr val="tx1"/>
+                      </a:solidFill>
+                      <a:latin typeface="Arial" panose="020B0604020202020204" pitchFamily="34" charset="0"/>
+                    </a:defRPr>
+                  </a:lvl3pPr>
+                  <a:lvl4pPr marL="1371600" eaLnBrk="0" fontAlgn="base" hangingPunct="0">
+                    <a:spcBef>
+                      <a:spcPct val="0"/>
+                    </a:spcBef>
+                    <a:spcAft>
+                      <a:spcPct val="0"/>
+                    </a:spcAft>
+                    <a:defRPr>
+                      <a:solidFill>
+                        <a:schemeClr val="tx1"/>
+                      </a:solidFill>
+                      <a:latin typeface="Arial" panose="020B0604020202020204" pitchFamily="34" charset="0"/>
+                    </a:defRPr>
+                  </a:lvl4pPr>
+                  <a:lvl5pPr marL="1828800" eaLnBrk="0" fontAlgn="base" hangingPunct="0">
+                    <a:spcBef>
+                      <a:spcPct val="0"/>
+                    </a:spcBef>
+                    <a:spcAft>
+                      <a:spcPct val="0"/>
+                    </a:spcAft>
+                    <a:defRPr>
+                      <a:solidFill>
+                        <a:schemeClr val="tx1"/>
+                      </a:solidFill>
+                      <a:latin typeface="Arial" panose="020B0604020202020204" pitchFamily="34" charset="0"/>
+                    </a:defRPr>
+                  </a:lvl5pPr>
+                  <a:lvl6pPr marL="2286000" eaLnBrk="0" fontAlgn="base" hangingPunct="0">
+                    <a:spcBef>
+                      <a:spcPct val="0"/>
+                    </a:spcBef>
+                    <a:spcAft>
+                      <a:spcPct val="0"/>
+                    </a:spcAft>
+                    <a:defRPr>
+                      <a:solidFill>
+                        <a:schemeClr val="tx1"/>
+                      </a:solidFill>
+                      <a:latin typeface="Arial" panose="020B0604020202020204" pitchFamily="34" charset="0"/>
+                    </a:defRPr>
+                  </a:lvl6pPr>
+                  <a:lvl7pPr marL="2743200" eaLnBrk="0" fontAlgn="base" hangingPunct="0">
+                    <a:spcBef>
+                      <a:spcPct val="0"/>
+                    </a:spcBef>
+                    <a:spcAft>
+                      <a:spcPct val="0"/>
+                    </a:spcAft>
+                    <a:defRPr>
+                      <a:solidFill>
+                        <a:schemeClr val="tx1"/>
+                      </a:solidFill>
+                      <a:latin typeface="Arial" panose="020B0604020202020204" pitchFamily="34" charset="0"/>
+                    </a:defRPr>
+                  </a:lvl7pPr>
+                  <a:lvl8pPr marL="3200400" eaLnBrk="0" fontAlgn="base" hangingPunct="0">
+                    <a:spcBef>
+                      <a:spcPct val="0"/>
+                    </a:spcBef>
+                    <a:spcAft>
+                      <a:spcPct val="0"/>
+                    </a:spcAft>
+                    <a:defRPr>
+                      <a:solidFill>
+                        <a:schemeClr val="tx1"/>
+                      </a:solidFill>
+                      <a:latin typeface="Arial" panose="020B0604020202020204" pitchFamily="34" charset="0"/>
+                    </a:defRPr>
+                  </a:lvl8pPr>
+                  <a:lvl9pPr marL="3657600" eaLnBrk="0" fontAlgn="base" hangingPunct="0">
+                    <a:spcBef>
+                      <a:spcPct val="0"/>
+                    </a:spcBef>
+                    <a:spcAft>
+                      <a:spcPct val="0"/>
+                    </a:spcAft>
+                    <a:defRPr>
+                      <a:solidFill>
+                        <a:schemeClr val="tx1"/>
+                      </a:solidFill>
+                      <a:latin typeface="Arial" panose="020B0604020202020204" pitchFamily="34" charset="0"/>
+                    </a:defRPr>
+                  </a:lvl9pPr>
+                </a:lstStyle>
+                <a:p>
+                  <a:pPr marL="0" marR="0" lvl="0" indent="0" algn="l" defTabSz="914400" rtl="0" eaLnBrk="0" fontAlgn="base" latinLnBrk="0" hangingPunct="0">
+                    <a:lnSpc>
+                      <a:spcPct val="100000"/>
+                    </a:lnSpc>
+                    <a:spcBef>
+                      <a:spcPct val="0"/>
+                    </a:spcBef>
+                    <a:spcAft>
+                      <a:spcPct val="0"/>
+                    </a:spcAft>
+                    <a:buClrTx/>
+                    <a:buSzTx/>
+                    <a:buFontTx/>
+                    <a:buNone/>
+                    <a:tabLst/>
+                  </a:pPr>
+                  <a14:m>
+                    <m:oMath xmlns:m="http://schemas.openxmlformats.org/officeDocument/2006/math">
+                      <m:r>
+                        <m:rPr>
+                          <m:sty m:val="p"/>
+                        </m:rPr>
+                        <a:rPr kumimoji="0" lang="en-AU" altLang="en-US" sz="1700" b="0" i="0" u="none" strike="noStrike" cap="none" normalizeH="0" baseline="0" smtClean="0">
+                          <a:ln>
+                            <a:noFill/>
+                          </a:ln>
+                          <a:solidFill>
+                            <a:srgbClr val="262626"/>
+                          </a:solidFill>
+                          <a:effectLst/>
+                          <a:latin typeface="Cambria Math" panose="02040503050406030204" pitchFamily="18" charset="0"/>
+                        </a:rPr>
+                        <m:t>μ</m:t>
+                      </m:r>
+                    </m:oMath>
+                  </a14:m>
+                  <a:r>
+                    <a:rPr kumimoji="0" lang="en-US" altLang="en-US" sz="1700" b="0" i="0" u="none" strike="noStrike" cap="none" normalizeH="0" baseline="0" dirty="0" smtClean="0">
+                      <a:ln>
+                        <a:noFill/>
+                      </a:ln>
+                      <a:solidFill>
+                        <a:srgbClr val="262626"/>
+                      </a:solidFill>
+                      <a:effectLst/>
+                      <a:latin typeface="Arial" panose="020B0604020202020204" pitchFamily="34" charset="0"/>
+                    </a:rPr>
+                    <a:t>m</a:t>
+                  </a:r>
+                  <a:endParaRPr kumimoji="0" lang="en-US" altLang="en-US" sz="1800" b="0" i="0" u="none" strike="noStrike" cap="none" normalizeH="0" baseline="0" dirty="0" smtClean="0">
+                    <a:ln>
+                      <a:noFill/>
+                    </a:ln>
+                    <a:solidFill>
+                      <a:schemeClr val="tx1"/>
+                    </a:solidFill>
+                    <a:effectLst/>
+                    <a:latin typeface="Arial" panose="020B0604020202020204" pitchFamily="34" charset="0"/>
+                  </a:endParaRPr>
+                </a:p>
+              </p:txBody>
+            </p:sp>
+          </mc:Choice>
+          <mc:Fallback>
+            <p:sp>
+              <p:nvSpPr>
+                <p:cNvPr id="57" name="Rectangle 51"/>
+                <p:cNvSpPr>
+                  <a:spLocks noRot="1" noChangeAspect="1" noMove="1" noResize="1" noEditPoints="1" noAdjustHandles="1" noChangeArrowheads="1" noChangeShapeType="1" noTextEdit="1"/>
+                </p:cNvSpPr>
+                <p:nvPr/>
+              </p:nvSpPr>
+              <p:spPr bwMode="auto">
+                <a:xfrm rot="16200000">
+                  <a:off x="2593" y="922"/>
+                  <a:ext cx="165" cy="140"/>
+                </a:xfrm>
+                <a:prstGeom prst="rect">
+                  <a:avLst/>
+                </a:prstGeom>
+                <a:blipFill>
+                  <a:blip r:embed="rId2"/>
+                  <a:stretch>
+                    <a:fillRect l="-25581" t="-37255" r="-48837" b="-23529"/>
+                  </a:stretch>
+                </a:blipFill>
+                <a:ln>
+                  <a:noFill/>
+                </a:ln>
+                <a:extLst>
+                  <a:ext uri="{909E8E84-426E-40DD-AFC4-6F175D3DCCD1}">
+                    <a14:hiddenFill xmlns:a14="http://schemas.microsoft.com/office/drawing/2010/main">
+                      <a:solidFill>
+                        <a:srgbClr val="FFFFFF"/>
+                      </a:solidFill>
+                    </a14:hiddenFill>
+                  </a:ext>
+                  <a:ext uri="{91240B29-F687-4F45-9708-019B960494DF}">
+                    <a14:hiddenLine xmlns:a14="http://schemas.microsoft.com/office/drawing/2010/main" w="9525">
+                      <a:solidFill>
+                        <a:srgbClr val="000000"/>
+                      </a:solidFill>
+                      <a:miter lim="800000"/>
+                      <a:headEnd/>
+                      <a:tailEnd/>
+                    </a14:hiddenLine>
+                  </a:ext>
+                </a:extLst>
+              </p:spPr>
+              <p:txBody>
+                <a:bodyPr/>
+                <a:lstStyle/>
+                <a:p>
+                  <a:r>
+                    <a:rPr lang="en-AU">
+                      <a:noFill/>
+                    </a:rPr>
+                    <a:t> </a:t>
+                  </a:r>
+                </a:p>
+              </p:txBody>
+            </p:sp>
+          </mc:Fallback>
+        </mc:AlternateContent>
+        <p:sp>
+          <p:nvSpPr>
+            <p:cNvPr id="58" name="Rectangle 52"/>
+            <p:cNvSpPr>
+              <a:spLocks noChangeArrowheads="1"/>
+            </p:cNvSpPr>
+            <p:nvPr/>
+          </p:nvSpPr>
+          <p:spPr bwMode="auto">
+            <a:xfrm rot="16200000">
+              <a:off x="2601" y="774"/>
+              <a:ext cx="118" cy="161"/>
+            </a:xfrm>
+            <a:prstGeom prst="rect">
+              <a:avLst/>
+            </a:prstGeom>
+            <a:noFill/>
+            <a:ln>
+              <a:noFill/>
+            </a:ln>
+            <a:extLst>
+              <a:ext uri="{909E8E84-426E-40DD-AFC4-6F175D3DCCD1}">
+                <a14:hiddenFill xmlns:a14="http://schemas.microsoft.com/office/drawing/2010/main">
+                  <a:solidFill>
+                    <a:srgbClr val="FFFFFF"/>
+                  </a:solidFill>
+                </a14:hiddenFill>
+              </a:ext>
+              <a:ext uri="{91240B29-F687-4F45-9708-019B960494DF}">
+                <a14:hiddenLine xmlns:a14="http://schemas.microsoft.com/office/drawing/2010/main" w="9525">
+                  <a:solidFill>
+                    <a:srgbClr val="000000"/>
+                  </a:solidFill>
+                  <a:miter lim="800000"/>
+                  <a:headEnd/>
+                  <a:tailEnd/>
+                </a14:hiddenLine>
+              </a:ext>
+            </a:extLst>
+          </p:spPr>
+          <p:txBody>
+            <a:bodyPr vert="horz" wrap="none" lIns="0" tIns="0" rIns="0" bIns="0" numCol="1" anchor="t" anchorCtr="0" compatLnSpc="1">
+              <a:prstTxWarp prst="textNoShape">
+                <a:avLst/>
+              </a:prstTxWarp>
+              <a:spAutoFit/>
+            </a:bodyPr>
+            <a:lstStyle>
+              <a:lvl1pPr eaLnBrk="0" fontAlgn="base" hangingPunct="0">
+                <a:spcBef>
+                  <a:spcPct val="0"/>
+                </a:spcBef>
+                <a:spcAft>
+                  <a:spcPct val="0"/>
+                </a:spcAft>
+                <a:defRPr>
+                  <a:solidFill>
+                    <a:schemeClr val="tx1"/>
+                  </a:solidFill>
+                  <a:latin typeface="Arial" panose="020B0604020202020204" pitchFamily="34" charset="0"/>
+                </a:defRPr>
+              </a:lvl1pPr>
+              <a:lvl2pPr marL="457200" eaLnBrk="0" fontAlgn="base" hangingPunct="0">
+                <a:spcBef>
+                  <a:spcPct val="0"/>
+                </a:spcBef>
+                <a:spcAft>
+                  <a:spcPct val="0"/>
+                </a:spcAft>
+                <a:defRPr>
+                  <a:solidFill>
+                    <a:schemeClr val="tx1"/>
+                  </a:solidFill>
+                  <a:latin typeface="Arial" panose="020B0604020202020204" pitchFamily="34" charset="0"/>
+                </a:defRPr>
+              </a:lvl2pPr>
+              <a:lvl3pPr marL="914400" eaLnBrk="0" fontAlgn="base" hangingPunct="0">
+                <a:spcBef>
+                  <a:spcPct val="0"/>
+                </a:spcBef>
+                <a:spcAft>
+                  <a:spcPct val="0"/>
+                </a:spcAft>
+                <a:defRPr>
+                  <a:solidFill>
+                    <a:schemeClr val="tx1"/>
+                  </a:solidFill>
+                  <a:latin typeface="Arial" panose="020B0604020202020204" pitchFamily="34" charset="0"/>
+                </a:defRPr>
+              </a:lvl3pPr>
+              <a:lvl4pPr marL="1371600" eaLnBrk="0" fontAlgn="base" hangingPunct="0">
+                <a:spcBef>
+                  <a:spcPct val="0"/>
+                </a:spcBef>
+                <a:spcAft>
+                  <a:spcPct val="0"/>
+                </a:spcAft>
+                <a:defRPr>
+                  <a:solidFill>
+                    <a:schemeClr val="tx1"/>
+                  </a:solidFill>
+                  <a:latin typeface="Arial" panose="020B0604020202020204" pitchFamily="34" charset="0"/>
+                </a:defRPr>
+              </a:lvl4pPr>
+              <a:lvl5pPr marL="1828800" eaLnBrk="0" fontAlgn="base" hangingPunct="0">
+                <a:spcBef>
+                  <a:spcPct val="0"/>
+                </a:spcBef>
+                <a:spcAft>
+                  <a:spcPct val="0"/>
+                </a:spcAft>
+                <a:defRPr>
+                  <a:solidFill>
+                    <a:schemeClr val="tx1"/>
+                  </a:solidFill>
+                  <a:latin typeface="Arial" panose="020B0604020202020204" pitchFamily="34" charset="0"/>
+                </a:defRPr>
+              </a:lvl5pPr>
+              <a:lvl6pPr marL="2286000" eaLnBrk="0" fontAlgn="base" hangingPunct="0">
+                <a:spcBef>
+                  <a:spcPct val="0"/>
+                </a:spcBef>
+                <a:spcAft>
+                  <a:spcPct val="0"/>
+                </a:spcAft>
+                <a:defRPr>
+                  <a:solidFill>
+                    <a:schemeClr val="tx1"/>
+                  </a:solidFill>
+                  <a:latin typeface="Arial" panose="020B0604020202020204" pitchFamily="34" charset="0"/>
+                </a:defRPr>
+              </a:lvl6pPr>
+              <a:lvl7pPr marL="2743200" eaLnBrk="0" fontAlgn="base" hangingPunct="0">
+                <a:spcBef>
+                  <a:spcPct val="0"/>
+                </a:spcBef>
+                <a:spcAft>
+                  <a:spcPct val="0"/>
+                </a:spcAft>
+                <a:defRPr>
+                  <a:solidFill>
+                    <a:schemeClr val="tx1"/>
+                  </a:solidFill>
+                  <a:latin typeface="Arial" panose="020B0604020202020204" pitchFamily="34" charset="0"/>
+                </a:defRPr>
+              </a:lvl7pPr>
+              <a:lvl8pPr marL="3200400" eaLnBrk="0" fontAlgn="base" hangingPunct="0">
+                <a:spcBef>
+                  <a:spcPct val="0"/>
+                </a:spcBef>
+                <a:spcAft>
+                  <a:spcPct val="0"/>
+                </a:spcAft>
+                <a:defRPr>
+                  <a:solidFill>
+                    <a:schemeClr val="tx1"/>
+                  </a:solidFill>
+                  <a:latin typeface="Arial" panose="020B0604020202020204" pitchFamily="34" charset="0"/>
+                </a:defRPr>
+              </a:lvl8pPr>
+              <a:lvl9pPr marL="3657600" eaLnBrk="0" fontAlgn="base" hangingPunct="0">
+                <a:spcBef>
+                  <a:spcPct val="0"/>
+                </a:spcBef>
+                <a:spcAft>
+                  <a:spcPct val="0"/>
+                </a:spcAft>
+                <a:defRPr>
+                  <a:solidFill>
+                    <a:schemeClr val="tx1"/>
+                  </a:solidFill>
+                  <a:latin typeface="Arial" panose="020B0604020202020204" pitchFamily="34" charset="0"/>
+                </a:defRPr>
+              </a:lvl9pPr>
+            </a:lstStyle>
+            <a:p>
+              <a:pPr marL="0" marR="0" lvl="0" indent="0" algn="l" defTabSz="914400" rtl="0" eaLnBrk="0" fontAlgn="base" latinLnBrk="0" hangingPunct="0">
+                <a:lnSpc>
+                  <a:spcPct val="100000"/>
+                </a:lnSpc>
+                <a:spcBef>
+                  <a:spcPct val="0"/>
+                </a:spcBef>
+                <a:spcAft>
+                  <a:spcPct val="0"/>
+                </a:spcAft>
+                <a:buClrTx/>
+                <a:buSzTx/>
+                <a:buFontTx/>
+                <a:buNone/>
+                <a:tabLst/>
+              </a:pPr>
+              <a:r>
+                <a:rPr kumimoji="0" lang="en-US" altLang="en-US" sz="1400" b="0" i="0" u="none" strike="noStrike" cap="none" normalizeH="0" baseline="0" dirty="0" smtClean="0">
+                  <a:ln>
+                    <a:noFill/>
+                  </a:ln>
+                  <a:solidFill>
+                    <a:srgbClr val="262626"/>
+                  </a:solidFill>
+                  <a:effectLst/>
+                  <a:latin typeface="Arial" panose="020B0604020202020204" pitchFamily="34" charset="0"/>
+                </a:rPr>
+                <a:t>2</a:t>
+              </a:r>
+              <a:endParaRPr kumimoji="0" lang="en-US" altLang="en-US" sz="1800" b="0" i="0" u="none" strike="noStrike" cap="none" normalizeH="0" baseline="0" dirty="0" smtClean="0">
+                <a:ln>
+                  <a:noFill/>
+                </a:ln>
+                <a:solidFill>
+                  <a:schemeClr val="tx1"/>
+                </a:solidFill>
+                <a:effectLst/>
+                <a:latin typeface="Arial" panose="020B0604020202020204" pitchFamily="34" charset="0"/>
+              </a:endParaRPr>
+            </a:p>
+          </p:txBody>
+        </p:sp>
+        <p:sp>
+          <p:nvSpPr>
+            <p:cNvPr id="59" name="Freeform 53"/>
+            <p:cNvSpPr>
+              <a:spLocks/>
+            </p:cNvSpPr>
+            <p:nvPr/>
+          </p:nvSpPr>
+          <p:spPr bwMode="auto">
+            <a:xfrm>
+              <a:off x="2915" y="505"/>
+              <a:ext cx="2330" cy="1479"/>
+            </a:xfrm>
+            <a:custGeom>
+              <a:avLst/>
+              <a:gdLst>
+                <a:gd name="T0" fmla="*/ 0 w 2330"/>
+                <a:gd name="T1" fmla="*/ 1420 h 1479"/>
+                <a:gd name="T2" fmla="*/ 47 w 2330"/>
+                <a:gd name="T3" fmla="*/ 1371 h 1479"/>
+                <a:gd name="T4" fmla="*/ 93 w 2330"/>
+                <a:gd name="T5" fmla="*/ 1310 h 1479"/>
+                <a:gd name="T6" fmla="*/ 140 w 2330"/>
+                <a:gd name="T7" fmla="*/ 1245 h 1479"/>
+                <a:gd name="T8" fmla="*/ 187 w 2330"/>
+                <a:gd name="T9" fmla="*/ 1177 h 1479"/>
+                <a:gd name="T10" fmla="*/ 233 w 2330"/>
+                <a:gd name="T11" fmla="*/ 1107 h 1479"/>
+                <a:gd name="T12" fmla="*/ 280 w 2330"/>
+                <a:gd name="T13" fmla="*/ 1032 h 1479"/>
+                <a:gd name="T14" fmla="*/ 326 w 2330"/>
+                <a:gd name="T15" fmla="*/ 951 h 1479"/>
+                <a:gd name="T16" fmla="*/ 373 w 2330"/>
+                <a:gd name="T17" fmla="*/ 863 h 1479"/>
+                <a:gd name="T18" fmla="*/ 419 w 2330"/>
+                <a:gd name="T19" fmla="*/ 770 h 1479"/>
+                <a:gd name="T20" fmla="*/ 466 w 2330"/>
+                <a:gd name="T21" fmla="*/ 674 h 1479"/>
+                <a:gd name="T22" fmla="*/ 513 w 2330"/>
+                <a:gd name="T23" fmla="*/ 575 h 1479"/>
+                <a:gd name="T24" fmla="*/ 559 w 2330"/>
+                <a:gd name="T25" fmla="*/ 476 h 1479"/>
+                <a:gd name="T26" fmla="*/ 606 w 2330"/>
+                <a:gd name="T27" fmla="*/ 381 h 1479"/>
+                <a:gd name="T28" fmla="*/ 653 w 2330"/>
+                <a:gd name="T29" fmla="*/ 290 h 1479"/>
+                <a:gd name="T30" fmla="*/ 699 w 2330"/>
+                <a:gd name="T31" fmla="*/ 208 h 1479"/>
+                <a:gd name="T32" fmla="*/ 746 w 2330"/>
+                <a:gd name="T33" fmla="*/ 137 h 1479"/>
+                <a:gd name="T34" fmla="*/ 792 w 2330"/>
+                <a:gd name="T35" fmla="*/ 79 h 1479"/>
+                <a:gd name="T36" fmla="*/ 839 w 2330"/>
+                <a:gd name="T37" fmla="*/ 36 h 1479"/>
+                <a:gd name="T38" fmla="*/ 885 w 2330"/>
+                <a:gd name="T39" fmla="*/ 9 h 1479"/>
+                <a:gd name="T40" fmla="*/ 932 w 2330"/>
+                <a:gd name="T41" fmla="*/ 0 h 1479"/>
+                <a:gd name="T42" fmla="*/ 979 w 2330"/>
+                <a:gd name="T43" fmla="*/ 9 h 1479"/>
+                <a:gd name="T44" fmla="*/ 1025 w 2330"/>
+                <a:gd name="T45" fmla="*/ 36 h 1479"/>
+                <a:gd name="T46" fmla="*/ 1072 w 2330"/>
+                <a:gd name="T47" fmla="*/ 79 h 1479"/>
+                <a:gd name="T48" fmla="*/ 1119 w 2330"/>
+                <a:gd name="T49" fmla="*/ 137 h 1479"/>
+                <a:gd name="T50" fmla="*/ 1165 w 2330"/>
+                <a:gd name="T51" fmla="*/ 208 h 1479"/>
+                <a:gd name="T52" fmla="*/ 1212 w 2330"/>
+                <a:gd name="T53" fmla="*/ 290 h 1479"/>
+                <a:gd name="T54" fmla="*/ 1258 w 2330"/>
+                <a:gd name="T55" fmla="*/ 381 h 1479"/>
+                <a:gd name="T56" fmla="*/ 1305 w 2330"/>
+                <a:gd name="T57" fmla="*/ 476 h 1479"/>
+                <a:gd name="T58" fmla="*/ 1352 w 2330"/>
+                <a:gd name="T59" fmla="*/ 575 h 1479"/>
+                <a:gd name="T60" fmla="*/ 1398 w 2330"/>
+                <a:gd name="T61" fmla="*/ 674 h 1479"/>
+                <a:gd name="T62" fmla="*/ 1445 w 2330"/>
+                <a:gd name="T63" fmla="*/ 770 h 1479"/>
+                <a:gd name="T64" fmla="*/ 1491 w 2330"/>
+                <a:gd name="T65" fmla="*/ 863 h 1479"/>
+                <a:gd name="T66" fmla="*/ 1538 w 2330"/>
+                <a:gd name="T67" fmla="*/ 951 h 1479"/>
+                <a:gd name="T68" fmla="*/ 1584 w 2330"/>
+                <a:gd name="T69" fmla="*/ 1031 h 1479"/>
+                <a:gd name="T70" fmla="*/ 1631 w 2330"/>
+                <a:gd name="T71" fmla="*/ 1104 h 1479"/>
+                <a:gd name="T72" fmla="*/ 1678 w 2330"/>
+                <a:gd name="T73" fmla="*/ 1169 h 1479"/>
+                <a:gd name="T74" fmla="*/ 1724 w 2330"/>
+                <a:gd name="T75" fmla="*/ 1226 h 1479"/>
+                <a:gd name="T76" fmla="*/ 1771 w 2330"/>
+                <a:gd name="T77" fmla="*/ 1276 h 1479"/>
+                <a:gd name="T78" fmla="*/ 1818 w 2330"/>
+                <a:gd name="T79" fmla="*/ 1318 h 1479"/>
+                <a:gd name="T80" fmla="*/ 1864 w 2330"/>
+                <a:gd name="T81" fmla="*/ 1353 h 1479"/>
+                <a:gd name="T82" fmla="*/ 1911 w 2330"/>
+                <a:gd name="T83" fmla="*/ 1382 h 1479"/>
+                <a:gd name="T84" fmla="*/ 1957 w 2330"/>
+                <a:gd name="T85" fmla="*/ 1406 h 1479"/>
+                <a:gd name="T86" fmla="*/ 2004 w 2330"/>
+                <a:gd name="T87" fmla="*/ 1425 h 1479"/>
+                <a:gd name="T88" fmla="*/ 2050 w 2330"/>
+                <a:gd name="T89" fmla="*/ 1440 h 1479"/>
+                <a:gd name="T90" fmla="*/ 2097 w 2330"/>
+                <a:gd name="T91" fmla="*/ 1452 h 1479"/>
+                <a:gd name="T92" fmla="*/ 2144 w 2330"/>
+                <a:gd name="T93" fmla="*/ 1461 h 1479"/>
+                <a:gd name="T94" fmla="*/ 2190 w 2330"/>
+                <a:gd name="T95" fmla="*/ 1468 h 1479"/>
+                <a:gd name="T96" fmla="*/ 2237 w 2330"/>
+                <a:gd name="T97" fmla="*/ 1473 h 1479"/>
+                <a:gd name="T98" fmla="*/ 2284 w 2330"/>
+                <a:gd name="T99" fmla="*/ 1477 h 1479"/>
+                <a:gd name="T100" fmla="*/ 2330 w 2330"/>
+                <a:gd name="T101" fmla="*/ 1479 h 1479"/>
+              </a:gdLst>
+              <a:ahLst/>
+              <a:cxnLst>
+                <a:cxn ang="0">
+                  <a:pos x="T0" y="T1"/>
+                </a:cxn>
+                <a:cxn ang="0">
+                  <a:pos x="T2" y="T3"/>
+                </a:cxn>
+                <a:cxn ang="0">
+                  <a:pos x="T4" y="T5"/>
+                </a:cxn>
+                <a:cxn ang="0">
+                  <a:pos x="T6" y="T7"/>
+                </a:cxn>
+                <a:cxn ang="0">
+                  <a:pos x="T8" y="T9"/>
+                </a:cxn>
+                <a:cxn ang="0">
+                  <a:pos x="T10" y="T11"/>
+                </a:cxn>
+                <a:cxn ang="0">
+                  <a:pos x="T12" y="T13"/>
+                </a:cxn>
+                <a:cxn ang="0">
+                  <a:pos x="T14" y="T15"/>
+                </a:cxn>
+                <a:cxn ang="0">
+                  <a:pos x="T16" y="T17"/>
+                </a:cxn>
+                <a:cxn ang="0">
+                  <a:pos x="T18" y="T19"/>
+                </a:cxn>
+                <a:cxn ang="0">
+                  <a:pos x="T20" y="T21"/>
+                </a:cxn>
+                <a:cxn ang="0">
+                  <a:pos x="T22" y="T23"/>
+                </a:cxn>
+                <a:cxn ang="0">
+                  <a:pos x="T24" y="T25"/>
+                </a:cxn>
+                <a:cxn ang="0">
+                  <a:pos x="T26" y="T27"/>
+                </a:cxn>
+                <a:cxn ang="0">
+                  <a:pos x="T28" y="T29"/>
+                </a:cxn>
+                <a:cxn ang="0">
+                  <a:pos x="T30" y="T31"/>
+                </a:cxn>
+                <a:cxn ang="0">
+                  <a:pos x="T32" y="T33"/>
+                </a:cxn>
+                <a:cxn ang="0">
+                  <a:pos x="T34" y="T35"/>
+                </a:cxn>
+                <a:cxn ang="0">
+                  <a:pos x="T36" y="T37"/>
+                </a:cxn>
+                <a:cxn ang="0">
+                  <a:pos x="T38" y="T39"/>
+                </a:cxn>
+                <a:cxn ang="0">
+                  <a:pos x="T40" y="T41"/>
+                </a:cxn>
+                <a:cxn ang="0">
+                  <a:pos x="T42" y="T43"/>
+                </a:cxn>
+                <a:cxn ang="0">
+                  <a:pos x="T44" y="T45"/>
+                </a:cxn>
+                <a:cxn ang="0">
+                  <a:pos x="T46" y="T47"/>
+                </a:cxn>
+                <a:cxn ang="0">
+                  <a:pos x="T48" y="T49"/>
+                </a:cxn>
+                <a:cxn ang="0">
+                  <a:pos x="T50" y="T51"/>
+                </a:cxn>
+                <a:cxn ang="0">
+                  <a:pos x="T52" y="T53"/>
+                </a:cxn>
+                <a:cxn ang="0">
+                  <a:pos x="T54" y="T55"/>
+                </a:cxn>
+                <a:cxn ang="0">
+                  <a:pos x="T56" y="T57"/>
+                </a:cxn>
+                <a:cxn ang="0">
+                  <a:pos x="T58" y="T59"/>
+                </a:cxn>
+                <a:cxn ang="0">
+                  <a:pos x="T60" y="T61"/>
+                </a:cxn>
+                <a:cxn ang="0">
+                  <a:pos x="T62" y="T63"/>
+                </a:cxn>
+                <a:cxn ang="0">
+                  <a:pos x="T64" y="T65"/>
+                </a:cxn>
+                <a:cxn ang="0">
+                  <a:pos x="T66" y="T67"/>
+                </a:cxn>
+                <a:cxn ang="0">
+                  <a:pos x="T68" y="T69"/>
+                </a:cxn>
+                <a:cxn ang="0">
+                  <a:pos x="T70" y="T71"/>
+                </a:cxn>
+                <a:cxn ang="0">
+                  <a:pos x="T72" y="T73"/>
+                </a:cxn>
+                <a:cxn ang="0">
+                  <a:pos x="T74" y="T75"/>
+                </a:cxn>
+                <a:cxn ang="0">
+                  <a:pos x="T76" y="T77"/>
+                </a:cxn>
+                <a:cxn ang="0">
+                  <a:pos x="T78" y="T79"/>
+                </a:cxn>
+                <a:cxn ang="0">
+                  <a:pos x="T80" y="T81"/>
+                </a:cxn>
+                <a:cxn ang="0">
+                  <a:pos x="T82" y="T83"/>
+                </a:cxn>
+                <a:cxn ang="0">
+                  <a:pos x="T84" y="T85"/>
+                </a:cxn>
+                <a:cxn ang="0">
+                  <a:pos x="T86" y="T87"/>
+                </a:cxn>
+                <a:cxn ang="0">
+                  <a:pos x="T88" y="T89"/>
+                </a:cxn>
+                <a:cxn ang="0">
+                  <a:pos x="T90" y="T91"/>
+                </a:cxn>
+                <a:cxn ang="0">
+                  <a:pos x="T92" y="T93"/>
+                </a:cxn>
+                <a:cxn ang="0">
+                  <a:pos x="T94" y="T95"/>
+                </a:cxn>
+                <a:cxn ang="0">
+                  <a:pos x="T96" y="T97"/>
+                </a:cxn>
+                <a:cxn ang="0">
+                  <a:pos x="T98" y="T99"/>
+                </a:cxn>
+                <a:cxn ang="0">
+                  <a:pos x="T100" y="T101"/>
+                </a:cxn>
+              </a:cxnLst>
+              <a:rect l="0" t="0" r="r" b="b"/>
+              <a:pathLst>
+                <a:path w="2330" h="1479">
+                  <a:moveTo>
+                    <a:pt x="0" y="1420"/>
+                  </a:moveTo>
+                  <a:lnTo>
+                    <a:pt x="47" y="1371"/>
+                  </a:lnTo>
+                  <a:lnTo>
+                    <a:pt x="93" y="1310"/>
+                  </a:lnTo>
+                  <a:lnTo>
+                    <a:pt x="140" y="1245"/>
+                  </a:lnTo>
+                  <a:lnTo>
+                    <a:pt x="187" y="1177"/>
+                  </a:lnTo>
+                  <a:lnTo>
+                    <a:pt x="233" y="1107"/>
+                  </a:lnTo>
+                  <a:lnTo>
+                    <a:pt x="280" y="1032"/>
+                  </a:lnTo>
+                  <a:lnTo>
+                    <a:pt x="326" y="951"/>
+                  </a:lnTo>
+                  <a:lnTo>
+                    <a:pt x="373" y="863"/>
+                  </a:lnTo>
+                  <a:lnTo>
+                    <a:pt x="419" y="770"/>
+                  </a:lnTo>
+                  <a:lnTo>
+                    <a:pt x="466" y="674"/>
+                  </a:lnTo>
+                  <a:lnTo>
+                    <a:pt x="513" y="575"/>
+                  </a:lnTo>
+                  <a:lnTo>
+                    <a:pt x="559" y="476"/>
+                  </a:lnTo>
+                  <a:lnTo>
+                    <a:pt x="606" y="381"/>
+                  </a:lnTo>
+                  <a:lnTo>
+                    <a:pt x="653" y="290"/>
+                  </a:lnTo>
+                  <a:lnTo>
+                    <a:pt x="699" y="208"/>
+                  </a:lnTo>
+                  <a:lnTo>
+                    <a:pt x="746" y="137"/>
+                  </a:lnTo>
+                  <a:lnTo>
+                    <a:pt x="792" y="79"/>
+                  </a:lnTo>
+                  <a:lnTo>
+                    <a:pt x="839" y="36"/>
+                  </a:lnTo>
+                  <a:lnTo>
+                    <a:pt x="885" y="9"/>
+                  </a:lnTo>
+                  <a:lnTo>
+                    <a:pt x="932" y="0"/>
+                  </a:lnTo>
+                  <a:lnTo>
+                    <a:pt x="979" y="9"/>
+                  </a:lnTo>
+                  <a:lnTo>
+                    <a:pt x="1025" y="36"/>
+                  </a:lnTo>
+                  <a:lnTo>
+                    <a:pt x="1072" y="79"/>
+                  </a:lnTo>
+                  <a:lnTo>
+                    <a:pt x="1119" y="137"/>
+                  </a:lnTo>
+                  <a:lnTo>
+                    <a:pt x="1165" y="208"/>
+                  </a:lnTo>
+                  <a:lnTo>
+                    <a:pt x="1212" y="290"/>
+                  </a:lnTo>
+                  <a:lnTo>
+                    <a:pt x="1258" y="381"/>
+                  </a:lnTo>
+                  <a:lnTo>
+                    <a:pt x="1305" y="476"/>
+                  </a:lnTo>
+                  <a:lnTo>
+                    <a:pt x="1352" y="575"/>
+                  </a:lnTo>
+                  <a:lnTo>
+                    <a:pt x="1398" y="674"/>
+                  </a:lnTo>
+                  <a:lnTo>
+                    <a:pt x="1445" y="770"/>
+                  </a:lnTo>
+                  <a:lnTo>
+                    <a:pt x="1491" y="863"/>
+                  </a:lnTo>
+                  <a:lnTo>
+                    <a:pt x="1538" y="951"/>
+                  </a:lnTo>
+                  <a:lnTo>
+                    <a:pt x="1584" y="1031"/>
+                  </a:lnTo>
+                  <a:lnTo>
+                    <a:pt x="1631" y="1104"/>
+                  </a:lnTo>
+                  <a:lnTo>
+                    <a:pt x="1678" y="1169"/>
+                  </a:lnTo>
+                  <a:lnTo>
+                    <a:pt x="1724" y="1226"/>
+                  </a:lnTo>
+                  <a:lnTo>
+                    <a:pt x="1771" y="1276"/>
+                  </a:lnTo>
+                  <a:lnTo>
+                    <a:pt x="1818" y="1318"/>
+                  </a:lnTo>
+                  <a:lnTo>
+                    <a:pt x="1864" y="1353"/>
+                  </a:lnTo>
+                  <a:lnTo>
+                    <a:pt x="1911" y="1382"/>
+                  </a:lnTo>
+                  <a:lnTo>
+                    <a:pt x="1957" y="1406"/>
+                  </a:lnTo>
+                  <a:lnTo>
+                    <a:pt x="2004" y="1425"/>
+                  </a:lnTo>
+                  <a:lnTo>
+                    <a:pt x="2050" y="1440"/>
+                  </a:lnTo>
+                  <a:lnTo>
+                    <a:pt x="2097" y="1452"/>
+                  </a:lnTo>
+                  <a:lnTo>
+                    <a:pt x="2144" y="1461"/>
+                  </a:lnTo>
+                  <a:lnTo>
+                    <a:pt x="2190" y="1468"/>
+                  </a:lnTo>
+                  <a:lnTo>
+                    <a:pt x="2237" y="1473"/>
+                  </a:lnTo>
+                  <a:lnTo>
+                    <a:pt x="2284" y="1477"/>
+                  </a:lnTo>
+                  <a:lnTo>
+                    <a:pt x="2330" y="1479"/>
+                  </a:lnTo>
+                </a:path>
+              </a:pathLst>
+            </a:custGeom>
+            <a:noFill/>
+            <a:ln w="22225" cap="flat">
+              <a:solidFill>
+                <a:srgbClr val="0F5CDD"/>
+              </a:solidFill>
+              <a:prstDash val="solid"/>
+              <a:round/>
+              <a:headEnd/>
+              <a:tailEnd/>
+            </a:ln>
+            <a:extLst>
+              <a:ext uri="{909E8E84-426E-40DD-AFC4-6F175D3DCCD1}">
+                <a14:hiddenFill xmlns:a14="http://schemas.microsoft.com/office/drawing/2010/main">
+                  <a:solidFill>
+                    <a:srgbClr val="FFFFFF"/>
+                  </a:solidFill>
+                </a14:hiddenFill>
+              </a:ext>
+            </a:extLst>
+          </p:spPr>
+          <p:txBody>
+            <a:bodyPr vert="horz" wrap="square" lIns="91440" tIns="45720" rIns="91440" bIns="45720" numCol="1" anchor="t" anchorCtr="0" compatLnSpc="1">
+              <a:prstTxWarp prst="textNoShape">
+                <a:avLst/>
+              </a:prstTxWarp>
+            </a:bodyPr>
+            <a:lstStyle/>
+            <a:p>
+              <a:endParaRPr lang="en-AU"/>
+            </a:p>
+          </p:txBody>
+        </p:sp>
+      </p:grpSp>
       <p:pic>
         <p:nvPicPr>
           <p:cNvPr id="6" name="Picture 5"/>
@@ -2977,7 +9375,7 @@
           <p:nvPr/>
         </p:nvPicPr>
         <p:blipFill rotWithShape="1">
-          <a:blip r:embed="rId2"/>
+          <a:blip r:embed="rId3"/>
           <a:srcRect l="7387" t="7351"/>
           <a:stretch/>
         </p:blipFill>
@@ -2991,8 +9389,8 @@
           </a:prstGeom>
         </p:spPr>
       </p:pic>
-      <mc:AlternateContent xmlns:mc="http://schemas.openxmlformats.org/markup-compatibility/2006">
-        <mc:Choice xmlns:a14="http://schemas.microsoft.com/office/drawing/2010/main" Requires="a14">
+      <mc:AlternateContent xmlns:mc="http://schemas.openxmlformats.org/markup-compatibility/2006" xmlns:a14="http://schemas.microsoft.com/office/drawing/2010/main">
+        <mc:Choice Requires="a14">
           <p:sp>
             <p:nvSpPr>
               <p:cNvPr id="7" name="TextBox 6"/>
@@ -3036,12 +9434,11 @@
                   <a:rPr lang="en-AU" sz="1400" dirty="0"/>
                   <a:t>m</a:t>
                 </a:r>
-                <a:endParaRPr lang="en-AU" sz="1400" dirty="0"/>
               </a:p>
             </p:txBody>
           </p:sp>
         </mc:Choice>
-        <mc:Fallback>
+        <mc:Fallback xmlns="">
           <p:sp>
             <p:nvSpPr>
               <p:cNvPr id="7" name="TextBox 6"/>
@@ -3059,7 +9456,7 @@
                 <a:avLst/>
               </a:prstGeom>
               <a:blipFill>
-                <a:blip r:embed="rId3"/>
+                <a:blip r:embed="rId4"/>
                 <a:stretch>
                   <a:fillRect l="-2752" t="-1961" b="-19608"/>
                 </a:stretch>
@@ -3115,30 +9512,6 @@
           </a:fontRef>
         </p:style>
       </p:cxnSp>
-      <p:pic>
-        <p:nvPicPr>
-          <p:cNvPr id="12" name="Picture 11"/>
-          <p:cNvPicPr>
-            <a:picLocks noChangeAspect="1"/>
-          </p:cNvPicPr>
-          <p:nvPr/>
-        </p:nvPicPr>
-        <p:blipFill>
-          <a:blip r:embed="rId4"/>
-          <a:stretch>
-            <a:fillRect/>
-          </a:stretch>
-        </p:blipFill>
-        <p:spPr>
-          <a:xfrm>
-            <a:off x="4011532" y="163067"/>
-            <a:ext cx="4945323" cy="4281431"/>
-          </a:xfrm>
-          <a:prstGeom prst="rect">
-            <a:avLst/>
-          </a:prstGeom>
-        </p:spPr>
-      </p:pic>
       <p:sp>
         <p:nvSpPr>
           <p:cNvPr id="13" name="TextBox 12"/>
@@ -3176,7 +9549,7 @@
         </p:nvSpPr>
         <p:spPr>
           <a:xfrm>
-            <a:off x="3900466" y="6296"/>
+            <a:off x="3636594" y="0"/>
             <a:ext cx="386884" cy="400110"/>
           </a:xfrm>
           <a:prstGeom prst="rect">
